--- a/DeepLearningApplication_Team3/DeepLearning_Report_Team3.pptx
+++ b/DeepLearningApplication_Team3/DeepLearning_Report_Team3.pptx
@@ -1,49 +1,56 @@
 
 <file path=ppt/presentation.xml><?xml version="1.0" encoding="utf-8"?>
-<p:presentation xmlns:a="http://schemas.openxmlformats.org/drawingml/2006/main" xmlns:r="http://schemas.openxmlformats.org/officeDocument/2006/relationships" xmlns:mc="http://schemas.openxmlformats.org/markup-compatibility/2006" xmlns:mv="urn:schemas-microsoft-com:mac:vml" xmlns:p="http://schemas.openxmlformats.org/presentationml/2006/main" xmlns:c="http://schemas.openxmlformats.org/drawingml/2006/chart" xmlns:dgm="http://schemas.openxmlformats.org/drawingml/2006/diagram" xmlns:o="urn:schemas-microsoft-com:office:office" xmlns:v="urn:schemas-microsoft-com:vml" xmlns:pvml="urn:schemas-microsoft-com:office:powerpoint" xmlns:com="http://schemas.openxmlformats.org/drawingml/2006/compatibility" xmlns:p14="http://schemas.microsoft.com/office/powerpoint/2010/main" xmlns:p15="http://schemas.microsoft.com/office/powerpoint/2012/main" autoCompressPictures="0" embedTrueTypeFonts="1" strictFirstAndLastChars="0" saveSubsetFonts="1">
+<p:presentation xmlns:a="http://schemas.openxmlformats.org/drawingml/2006/main" xmlns:r="http://schemas.openxmlformats.org/officeDocument/2006/relationships" xmlns:p="http://schemas.openxmlformats.org/presentationml/2006/main" strictFirstAndLastChars="0" embedTrueTypeFonts="1" saveSubsetFonts="1" autoCompressPictures="0">
   <p:sldMasterIdLst>
-    <p:sldMasterId id="2147483659" r:id="rId5"/>
+    <p:sldMasterId id="2147483659" r:id="rId1"/>
   </p:sldMasterIdLst>
   <p:notesMasterIdLst>
-    <p:notesMasterId r:id="rId6"/>
+    <p:notesMasterId r:id="rId17"/>
   </p:notesMasterIdLst>
   <p:sldIdLst>
-    <p:sldId id="256" r:id="rId7"/>
-    <p:sldId id="257" r:id="rId8"/>
-    <p:sldId id="258" r:id="rId9"/>
-    <p:sldId id="259" r:id="rId10"/>
-    <p:sldId id="260" r:id="rId11"/>
-    <p:sldId id="261" r:id="rId12"/>
-    <p:sldId id="262" r:id="rId13"/>
-    <p:sldId id="263" r:id="rId14"/>
-    <p:sldId id="264" r:id="rId15"/>
-    <p:sldId id="265" r:id="rId16"/>
-    <p:sldId id="266" r:id="rId17"/>
-    <p:sldId id="267" r:id="rId18"/>
-    <p:sldId id="268" r:id="rId19"/>
-    <p:sldId id="269" r:id="rId20"/>
-    <p:sldId id="270" r:id="rId21"/>
+    <p:sldId id="256" r:id="rId2"/>
+    <p:sldId id="257" r:id="rId3"/>
+    <p:sldId id="258" r:id="rId4"/>
+    <p:sldId id="259" r:id="rId5"/>
+    <p:sldId id="260" r:id="rId6"/>
+    <p:sldId id="261" r:id="rId7"/>
+    <p:sldId id="262" r:id="rId8"/>
+    <p:sldId id="263" r:id="rId9"/>
+    <p:sldId id="264" r:id="rId10"/>
+    <p:sldId id="265" r:id="rId11"/>
+    <p:sldId id="266" r:id="rId12"/>
+    <p:sldId id="267" r:id="rId13"/>
+    <p:sldId id="268" r:id="rId14"/>
+    <p:sldId id="269" r:id="rId15"/>
+    <p:sldId id="270" r:id="rId16"/>
   </p:sldIdLst>
-  <p:sldSz cy="5143500" cx="9144000"/>
+  <p:sldSz cx="9144000" cy="5143500" type="screen16x9"/>
   <p:notesSz cx="6858000" cy="9144000"/>
   <p:embeddedFontLst>
     <p:embeddedFont>
-      <p:font typeface="Oswald Regular"/>
-      <p:regular r:id="rId22"/>
-      <p:bold r:id="rId23"/>
+      <p:font typeface="Average" panose="020B0600000101010101" charset="0"/>
+      <p:regular r:id="rId18"/>
     </p:embeddedFont>
     <p:embeddedFont>
-      <p:font typeface="Average"/>
-      <p:regular r:id="rId24"/>
+      <p:font typeface="Oswald" panose="020B0600000101010101" charset="0"/>
+      <p:regular r:id="rId19"/>
+      <p:bold r:id="rId20"/>
     </p:embeddedFont>
     <p:embeddedFont>
-      <p:font typeface="Oswald"/>
-      <p:regular r:id="rId25"/>
-      <p:bold r:id="rId26"/>
+      <p:font typeface="Oswald Regular" panose="020B0600000101010101" charset="0"/>
+      <p:regular r:id="rId21"/>
+      <p:bold r:id="rId22"/>
+    </p:embeddedFont>
+    <p:embeddedFont>
+      <p:font typeface="Verdana" panose="020B0604030504040204" pitchFamily="34" charset="0"/>
+      <p:regular r:id="rId23"/>
+      <p:bold r:id="rId24"/>
+      <p:italic r:id="rId25"/>
+      <p:boldItalic r:id="rId26"/>
     </p:embeddedFont>
   </p:embeddedFontLst>
   <p:defaultTextStyle>
-    <a:defPPr lvl="0" marR="0" rtl="0" algn="l">
+    <a:defPPr marR="0" lvl="0" algn="l" rtl="0">
       <a:lnSpc>
         <a:spcPct val="100000"/>
       </a:lnSpc>
@@ -54,7 +61,7 @@
         <a:spcPts val="0"/>
       </a:spcAft>
     </a:defPPr>
-    <a:lvl1pPr lvl="0" marR="0" rtl="0" algn="l">
+    <a:lvl1pPr marR="0" lvl="0" algn="l" rtl="0">
       <a:lnSpc>
         <a:spcPct val="100000"/>
       </a:lnSpc>
@@ -68,7 +75,7 @@
         <a:srgbClr val="000000"/>
       </a:buClr>
       <a:buFont typeface="Arial"/>
-      <a:defRPr b="0" i="0" sz="1400" u="none" cap="none" strike="noStrike">
+      <a:defRPr sz="1400" b="0" i="0" u="none" strike="noStrike" cap="none">
         <a:solidFill>
           <a:srgbClr val="000000"/>
         </a:solidFill>
@@ -78,7 +85,7 @@
         <a:sym typeface="Arial"/>
       </a:defRPr>
     </a:lvl1pPr>
-    <a:lvl2pPr lvl="1" marR="0" rtl="0" algn="l">
+    <a:lvl2pPr marR="0" lvl="1" algn="l" rtl="0">
       <a:lnSpc>
         <a:spcPct val="100000"/>
       </a:lnSpc>
@@ -92,7 +99,7 @@
         <a:srgbClr val="000000"/>
       </a:buClr>
       <a:buFont typeface="Arial"/>
-      <a:defRPr b="0" i="0" sz="1400" u="none" cap="none" strike="noStrike">
+      <a:defRPr sz="1400" b="0" i="0" u="none" strike="noStrike" cap="none">
         <a:solidFill>
           <a:srgbClr val="000000"/>
         </a:solidFill>
@@ -102,7 +109,7 @@
         <a:sym typeface="Arial"/>
       </a:defRPr>
     </a:lvl2pPr>
-    <a:lvl3pPr lvl="2" marR="0" rtl="0" algn="l">
+    <a:lvl3pPr marR="0" lvl="2" algn="l" rtl="0">
       <a:lnSpc>
         <a:spcPct val="100000"/>
       </a:lnSpc>
@@ -116,7 +123,7 @@
         <a:srgbClr val="000000"/>
       </a:buClr>
       <a:buFont typeface="Arial"/>
-      <a:defRPr b="0" i="0" sz="1400" u="none" cap="none" strike="noStrike">
+      <a:defRPr sz="1400" b="0" i="0" u="none" strike="noStrike" cap="none">
         <a:solidFill>
           <a:srgbClr val="000000"/>
         </a:solidFill>
@@ -126,7 +133,7 @@
         <a:sym typeface="Arial"/>
       </a:defRPr>
     </a:lvl3pPr>
-    <a:lvl4pPr lvl="3" marR="0" rtl="0" algn="l">
+    <a:lvl4pPr marR="0" lvl="3" algn="l" rtl="0">
       <a:lnSpc>
         <a:spcPct val="100000"/>
       </a:lnSpc>
@@ -140,7 +147,7 @@
         <a:srgbClr val="000000"/>
       </a:buClr>
       <a:buFont typeface="Arial"/>
-      <a:defRPr b="0" i="0" sz="1400" u="none" cap="none" strike="noStrike">
+      <a:defRPr sz="1400" b="0" i="0" u="none" strike="noStrike" cap="none">
         <a:solidFill>
           <a:srgbClr val="000000"/>
         </a:solidFill>
@@ -150,7 +157,7 @@
         <a:sym typeface="Arial"/>
       </a:defRPr>
     </a:lvl4pPr>
-    <a:lvl5pPr lvl="4" marR="0" rtl="0" algn="l">
+    <a:lvl5pPr marR="0" lvl="4" algn="l" rtl="0">
       <a:lnSpc>
         <a:spcPct val="100000"/>
       </a:lnSpc>
@@ -164,7 +171,7 @@
         <a:srgbClr val="000000"/>
       </a:buClr>
       <a:buFont typeface="Arial"/>
-      <a:defRPr b="0" i="0" sz="1400" u="none" cap="none" strike="noStrike">
+      <a:defRPr sz="1400" b="0" i="0" u="none" strike="noStrike" cap="none">
         <a:solidFill>
           <a:srgbClr val="000000"/>
         </a:solidFill>
@@ -174,7 +181,7 @@
         <a:sym typeface="Arial"/>
       </a:defRPr>
     </a:lvl5pPr>
-    <a:lvl6pPr lvl="5" marR="0" rtl="0" algn="l">
+    <a:lvl6pPr marR="0" lvl="5" algn="l" rtl="0">
       <a:lnSpc>
         <a:spcPct val="100000"/>
       </a:lnSpc>
@@ -188,7 +195,7 @@
         <a:srgbClr val="000000"/>
       </a:buClr>
       <a:buFont typeface="Arial"/>
-      <a:defRPr b="0" i="0" sz="1400" u="none" cap="none" strike="noStrike">
+      <a:defRPr sz="1400" b="0" i="0" u="none" strike="noStrike" cap="none">
         <a:solidFill>
           <a:srgbClr val="000000"/>
         </a:solidFill>
@@ -198,7 +205,7 @@
         <a:sym typeface="Arial"/>
       </a:defRPr>
     </a:lvl6pPr>
-    <a:lvl7pPr lvl="6" marR="0" rtl="0" algn="l">
+    <a:lvl7pPr marR="0" lvl="6" algn="l" rtl="0">
       <a:lnSpc>
         <a:spcPct val="100000"/>
       </a:lnSpc>
@@ -212,7 +219,7 @@
         <a:srgbClr val="000000"/>
       </a:buClr>
       <a:buFont typeface="Arial"/>
-      <a:defRPr b="0" i="0" sz="1400" u="none" cap="none" strike="noStrike">
+      <a:defRPr sz="1400" b="0" i="0" u="none" strike="noStrike" cap="none">
         <a:solidFill>
           <a:srgbClr val="000000"/>
         </a:solidFill>
@@ -222,7 +229,7 @@
         <a:sym typeface="Arial"/>
       </a:defRPr>
     </a:lvl7pPr>
-    <a:lvl8pPr lvl="7" marR="0" rtl="0" algn="l">
+    <a:lvl8pPr marR="0" lvl="7" algn="l" rtl="0">
       <a:lnSpc>
         <a:spcPct val="100000"/>
       </a:lnSpc>
@@ -236,7 +243,7 @@
         <a:srgbClr val="000000"/>
       </a:buClr>
       <a:buFont typeface="Arial"/>
-      <a:defRPr b="0" i="0" sz="1400" u="none" cap="none" strike="noStrike">
+      <a:defRPr sz="1400" b="0" i="0" u="none" strike="noStrike" cap="none">
         <a:solidFill>
           <a:srgbClr val="000000"/>
         </a:solidFill>
@@ -246,7 +253,7 @@
         <a:sym typeface="Arial"/>
       </a:defRPr>
     </a:lvl8pPr>
-    <a:lvl9pPr lvl="8" marR="0" rtl="0" algn="l">
+    <a:lvl9pPr marR="0" lvl="8" algn="l" rtl="0">
       <a:lnSpc>
         <a:spcPct val="100000"/>
       </a:lnSpc>
@@ -260,7 +267,7 @@
         <a:srgbClr val="000000"/>
       </a:buClr>
       <a:buFont typeface="Arial"/>
-      <a:defRPr b="0" i="0" sz="1400" u="none" cap="none" strike="noStrike">
+      <a:defRPr sz="1400" b="0" i="0" u="none" strike="noStrike" cap="none">
         <a:solidFill>
           <a:srgbClr val="000000"/>
         </a:solidFill>
@@ -273,7 +280,7 @@
   </p:defaultTextStyle>
   <p:extLst>
     <p:ext uri="{EFAFB233-063F-42B5-8137-9DF3F51BA10A}">
-      <p15:sldGuideLst>
+      <p15:sldGuideLst xmlns:p15="http://schemas.microsoft.com/office/powerpoint/2012/main">
         <p15:guide id="1" orient="horz" pos="1620">
           <p15:clr>
             <a:srgbClr val="A4A3A4"/>
@@ -291,11 +298,16 @@
 </file>
 
 <file path=ppt/notesMasters/notesMaster1.xml><?xml version="1.0" encoding="utf-8"?>
-<p:notesMaster xmlns:a="http://schemas.openxmlformats.org/drawingml/2006/main" xmlns:r="http://schemas.openxmlformats.org/officeDocument/2006/relationships" xmlns:mc="http://schemas.openxmlformats.org/markup-compatibility/2006" xmlns:mv="urn:schemas-microsoft-com:mac:vml" xmlns:p="http://schemas.openxmlformats.org/presentationml/2006/main" xmlns:c="http://schemas.openxmlformats.org/drawingml/2006/chart" xmlns:dgm="http://schemas.openxmlformats.org/drawingml/2006/diagram" xmlns:o="urn:schemas-microsoft-com:office:office" xmlns:v="urn:schemas-microsoft-com:vml" xmlns:pvml="urn:schemas-microsoft-com:office:powerpoint" xmlns:com="http://schemas.openxmlformats.org/drawingml/2006/compatibility" xmlns:p14="http://schemas.microsoft.com/office/powerpoint/2010/main" xmlns:p15="http://schemas.microsoft.com/office/powerpoint/2012/main">
+<p:notesMaster xmlns:a="http://schemas.openxmlformats.org/drawingml/2006/main" xmlns:r="http://schemas.openxmlformats.org/officeDocument/2006/relationships" xmlns:p="http://schemas.openxmlformats.org/presentationml/2006/main">
   <p:cSld>
+    <p:bg>
+      <p:bgRef idx="1001">
+        <a:schemeClr val="bg1"/>
+      </p:bgRef>
+    </p:bg>
     <p:spTree>
       <p:nvGrpSpPr>
-        <p:cNvPr id="2" name="Shape 2"/>
+        <p:cNvPr id="1" name="Shape 2"/>
         <p:cNvGrpSpPr/>
         <p:nvPr/>
       </p:nvGrpSpPr>
@@ -310,9 +322,11 @@
       <p:sp>
         <p:nvSpPr>
           <p:cNvPr id="3" name="Google Shape;3;n"/>
-          <p:cNvSpPr/>
+          <p:cNvSpPr>
+            <a:spLocks noGrp="1" noRot="1" noChangeAspect="1"/>
+          </p:cNvSpPr>
           <p:nvPr>
-            <p:ph idx="2" type="sldImg"/>
+            <p:ph type="sldImg" idx="2"/>
           </p:nvPr>
         </p:nvSpPr>
         <p:spPr>
@@ -321,9 +335,13 @@
             <a:ext cx="6096075" cy="3429000"/>
           </a:xfrm>
           <a:custGeom>
-            <a:rect b="b" l="l" r="r" t="t"/>
+            <a:avLst/>
+            <a:gdLst/>
+            <a:ahLst/>
+            <a:cxnLst/>
+            <a:rect l="l" t="t" r="r" b="b"/>
             <a:pathLst>
-              <a:path extrusionOk="0" h="120000" w="120000">
+              <a:path w="120000" h="120000" extrusionOk="0">
                 <a:moveTo>
                   <a:pt x="0" y="0"/>
                 </a:moveTo>
@@ -341,23 +359,25 @@
             </a:pathLst>
           </a:custGeom>
           <a:noFill/>
-          <a:ln cap="flat" cmpd="sng" w="9525">
+          <a:ln w="9525" cap="flat" cmpd="sng">
             <a:solidFill>
               <a:srgbClr val="000000"/>
             </a:solidFill>
             <a:prstDash val="solid"/>
             <a:round/>
-            <a:headEnd len="sm" w="sm" type="none"/>
-            <a:tailEnd len="sm" w="sm" type="none"/>
+            <a:headEnd type="none" w="sm" len="sm"/>
+            <a:tailEnd type="none" w="sm" len="sm"/>
           </a:ln>
         </p:spPr>
       </p:sp>
       <p:sp>
         <p:nvSpPr>
           <p:cNvPr id="4" name="Google Shape;4;n"/>
-          <p:cNvSpPr txBox="1"/>
+          <p:cNvSpPr txBox="1">
+            <a:spLocks noGrp="1"/>
+          </p:cNvSpPr>
           <p:nvPr>
-            <p:ph idx="1" type="body"/>
+            <p:ph type="body" idx="1"/>
           </p:nvPr>
         </p:nvSpPr>
         <p:spPr>
@@ -374,11 +394,11 @@
           </a:ln>
         </p:spPr>
         <p:txBody>
-          <a:bodyPr anchorCtr="0" anchor="t" bIns="91425" lIns="91425" spcFirstLastPara="1" rIns="91425" wrap="square" tIns="91425">
+          <a:bodyPr spcFirstLastPara="1" wrap="square" lIns="91425" tIns="91425" rIns="91425" bIns="91425" anchor="t" anchorCtr="0">
             <a:noAutofit/>
           </a:bodyPr>
           <a:lstStyle>
-            <a:lvl1pPr indent="-298450" lvl="0" marL="457200">
+            <a:lvl1pPr marL="457200" lvl="0" indent="-298450">
               <a:spcBef>
                 <a:spcPts val="0"/>
               </a:spcBef>
@@ -389,7 +409,7 @@
               <a:buChar char="●"/>
               <a:defRPr sz="1100"/>
             </a:lvl1pPr>
-            <a:lvl2pPr indent="-298450" lvl="1" marL="914400">
+            <a:lvl2pPr marL="914400" lvl="1" indent="-298450">
               <a:spcBef>
                 <a:spcPts val="0"/>
               </a:spcBef>
@@ -400,7 +420,7 @@
               <a:buChar char="○"/>
               <a:defRPr sz="1100"/>
             </a:lvl2pPr>
-            <a:lvl3pPr indent="-298450" lvl="2" marL="1371600">
+            <a:lvl3pPr marL="1371600" lvl="2" indent="-298450">
               <a:spcBef>
                 <a:spcPts val="0"/>
               </a:spcBef>
@@ -411,7 +431,7 @@
               <a:buChar char="■"/>
               <a:defRPr sz="1100"/>
             </a:lvl3pPr>
-            <a:lvl4pPr indent="-298450" lvl="3" marL="1828800">
+            <a:lvl4pPr marL="1828800" lvl="3" indent="-298450">
               <a:spcBef>
                 <a:spcPts val="0"/>
               </a:spcBef>
@@ -422,7 +442,7 @@
               <a:buChar char="●"/>
               <a:defRPr sz="1100"/>
             </a:lvl4pPr>
-            <a:lvl5pPr indent="-298450" lvl="4" marL="2286000">
+            <a:lvl5pPr marL="2286000" lvl="4" indent="-298450">
               <a:spcBef>
                 <a:spcPts val="0"/>
               </a:spcBef>
@@ -433,7 +453,7 @@
               <a:buChar char="○"/>
               <a:defRPr sz="1100"/>
             </a:lvl5pPr>
-            <a:lvl6pPr indent="-298450" lvl="5" marL="2743200">
+            <a:lvl6pPr marL="2743200" lvl="5" indent="-298450">
               <a:spcBef>
                 <a:spcPts val="0"/>
               </a:spcBef>
@@ -444,7 +464,7 @@
               <a:buChar char="■"/>
               <a:defRPr sz="1100"/>
             </a:lvl6pPr>
-            <a:lvl7pPr indent="-298450" lvl="6" marL="3200400">
+            <a:lvl7pPr marL="3200400" lvl="6" indent="-298450">
               <a:spcBef>
                 <a:spcPts val="0"/>
               </a:spcBef>
@@ -455,7 +475,7 @@
               <a:buChar char="●"/>
               <a:defRPr sz="1100"/>
             </a:lvl7pPr>
-            <a:lvl8pPr indent="-298450" lvl="7" marL="3657600">
+            <a:lvl8pPr marL="3657600" lvl="7" indent="-298450">
               <a:spcBef>
                 <a:spcPts val="0"/>
               </a:spcBef>
@@ -466,7 +486,7 @@
               <a:buChar char="○"/>
               <a:defRPr sz="1100"/>
             </a:lvl8pPr>
-            <a:lvl9pPr indent="-298450" lvl="8" marL="4114800">
+            <a:lvl9pPr marL="4114800" lvl="8" indent="-298450">
               <a:spcBef>
                 <a:spcPts val="0"/>
               </a:spcBef>
@@ -478,14 +498,16 @@
               <a:defRPr sz="1100"/>
             </a:lvl9pPr>
           </a:lstStyle>
-          <a:p/>
+          <a:p>
+            <a:endParaRPr/>
+          </a:p>
         </p:txBody>
       </p:sp>
     </p:spTree>
   </p:cSld>
-  <p:clrMap accent1="accent1" accent2="accent2" accent3="accent3" accent4="accent4" accent5="accent5" accent6="accent6" bg1="lt1" bg2="dk2" tx1="dk1" tx2="lt2" folHlink="folHlink" hlink="hlink"/>
+  <p:clrMap bg1="lt1" tx1="dk1" bg2="dk2" tx2="lt2" accent1="accent1" accent2="accent2" accent3="accent3" accent4="accent4" accent5="accent5" accent6="accent6" hlink="hlink" folHlink="folHlink"/>
   <p:notesStyle>
-    <a:defPPr lvl="0" marR="0" rtl="0" algn="l">
+    <a:defPPr marR="0" lvl="0" algn="l" rtl="0">
       <a:lnSpc>
         <a:spcPct val="100000"/>
       </a:lnSpc>
@@ -496,7 +518,7 @@
         <a:spcPts val="0"/>
       </a:spcAft>
     </a:defPPr>
-    <a:lvl1pPr lvl="0" marR="0" rtl="0" algn="l">
+    <a:lvl1pPr marR="0" lvl="0" algn="l" rtl="0">
       <a:lnSpc>
         <a:spcPct val="100000"/>
       </a:lnSpc>
@@ -510,7 +532,7 @@
         <a:srgbClr val="000000"/>
       </a:buClr>
       <a:buFont typeface="Arial"/>
-      <a:defRPr b="0" i="0" sz="1400" u="none" cap="none" strike="noStrike">
+      <a:defRPr sz="1400" b="0" i="0" u="none" strike="noStrike" cap="none">
         <a:solidFill>
           <a:srgbClr val="000000"/>
         </a:solidFill>
@@ -520,7 +542,7 @@
         <a:sym typeface="Arial"/>
       </a:defRPr>
     </a:lvl1pPr>
-    <a:lvl2pPr lvl="1" marR="0" rtl="0" algn="l">
+    <a:lvl2pPr marR="0" lvl="1" algn="l" rtl="0">
       <a:lnSpc>
         <a:spcPct val="100000"/>
       </a:lnSpc>
@@ -534,7 +556,7 @@
         <a:srgbClr val="000000"/>
       </a:buClr>
       <a:buFont typeface="Arial"/>
-      <a:defRPr b="0" i="0" sz="1400" u="none" cap="none" strike="noStrike">
+      <a:defRPr sz="1400" b="0" i="0" u="none" strike="noStrike" cap="none">
         <a:solidFill>
           <a:srgbClr val="000000"/>
         </a:solidFill>
@@ -544,7 +566,7 @@
         <a:sym typeface="Arial"/>
       </a:defRPr>
     </a:lvl2pPr>
-    <a:lvl3pPr lvl="2" marR="0" rtl="0" algn="l">
+    <a:lvl3pPr marR="0" lvl="2" algn="l" rtl="0">
       <a:lnSpc>
         <a:spcPct val="100000"/>
       </a:lnSpc>
@@ -558,7 +580,7 @@
         <a:srgbClr val="000000"/>
       </a:buClr>
       <a:buFont typeface="Arial"/>
-      <a:defRPr b="0" i="0" sz="1400" u="none" cap="none" strike="noStrike">
+      <a:defRPr sz="1400" b="0" i="0" u="none" strike="noStrike" cap="none">
         <a:solidFill>
           <a:srgbClr val="000000"/>
         </a:solidFill>
@@ -568,7 +590,7 @@
         <a:sym typeface="Arial"/>
       </a:defRPr>
     </a:lvl3pPr>
-    <a:lvl4pPr lvl="3" marR="0" rtl="0" algn="l">
+    <a:lvl4pPr marR="0" lvl="3" algn="l" rtl="0">
       <a:lnSpc>
         <a:spcPct val="100000"/>
       </a:lnSpc>
@@ -582,7 +604,7 @@
         <a:srgbClr val="000000"/>
       </a:buClr>
       <a:buFont typeface="Arial"/>
-      <a:defRPr b="0" i="0" sz="1400" u="none" cap="none" strike="noStrike">
+      <a:defRPr sz="1400" b="0" i="0" u="none" strike="noStrike" cap="none">
         <a:solidFill>
           <a:srgbClr val="000000"/>
         </a:solidFill>
@@ -592,7 +614,7 @@
         <a:sym typeface="Arial"/>
       </a:defRPr>
     </a:lvl4pPr>
-    <a:lvl5pPr lvl="4" marR="0" rtl="0" algn="l">
+    <a:lvl5pPr marR="0" lvl="4" algn="l" rtl="0">
       <a:lnSpc>
         <a:spcPct val="100000"/>
       </a:lnSpc>
@@ -606,7 +628,7 @@
         <a:srgbClr val="000000"/>
       </a:buClr>
       <a:buFont typeface="Arial"/>
-      <a:defRPr b="0" i="0" sz="1400" u="none" cap="none" strike="noStrike">
+      <a:defRPr sz="1400" b="0" i="0" u="none" strike="noStrike" cap="none">
         <a:solidFill>
           <a:srgbClr val="000000"/>
         </a:solidFill>
@@ -616,7 +638,7 @@
         <a:sym typeface="Arial"/>
       </a:defRPr>
     </a:lvl5pPr>
-    <a:lvl6pPr lvl="5" marR="0" rtl="0" algn="l">
+    <a:lvl6pPr marR="0" lvl="5" algn="l" rtl="0">
       <a:lnSpc>
         <a:spcPct val="100000"/>
       </a:lnSpc>
@@ -630,7 +652,7 @@
         <a:srgbClr val="000000"/>
       </a:buClr>
       <a:buFont typeface="Arial"/>
-      <a:defRPr b="0" i="0" sz="1400" u="none" cap="none" strike="noStrike">
+      <a:defRPr sz="1400" b="0" i="0" u="none" strike="noStrike" cap="none">
         <a:solidFill>
           <a:srgbClr val="000000"/>
         </a:solidFill>
@@ -640,7 +662,7 @@
         <a:sym typeface="Arial"/>
       </a:defRPr>
     </a:lvl6pPr>
-    <a:lvl7pPr lvl="6" marR="0" rtl="0" algn="l">
+    <a:lvl7pPr marR="0" lvl="6" algn="l" rtl="0">
       <a:lnSpc>
         <a:spcPct val="100000"/>
       </a:lnSpc>
@@ -654,7 +676,7 @@
         <a:srgbClr val="000000"/>
       </a:buClr>
       <a:buFont typeface="Arial"/>
-      <a:defRPr b="0" i="0" sz="1400" u="none" cap="none" strike="noStrike">
+      <a:defRPr sz="1400" b="0" i="0" u="none" strike="noStrike" cap="none">
         <a:solidFill>
           <a:srgbClr val="000000"/>
         </a:solidFill>
@@ -664,7 +686,7 @@
         <a:sym typeface="Arial"/>
       </a:defRPr>
     </a:lvl7pPr>
-    <a:lvl8pPr lvl="7" marR="0" rtl="0" algn="l">
+    <a:lvl8pPr marR="0" lvl="7" algn="l" rtl="0">
       <a:lnSpc>
         <a:spcPct val="100000"/>
       </a:lnSpc>
@@ -678,7 +700,7 @@
         <a:srgbClr val="000000"/>
       </a:buClr>
       <a:buFont typeface="Arial"/>
-      <a:defRPr b="0" i="0" sz="1400" u="none" cap="none" strike="noStrike">
+      <a:defRPr sz="1400" b="0" i="0" u="none" strike="noStrike" cap="none">
         <a:solidFill>
           <a:srgbClr val="000000"/>
         </a:solidFill>
@@ -688,7 +710,7 @@
         <a:sym typeface="Arial"/>
       </a:defRPr>
     </a:lvl8pPr>
-    <a:lvl9pPr lvl="8" marR="0" rtl="0" algn="l">
+    <a:lvl9pPr marR="0" lvl="8" algn="l" rtl="0">
       <a:lnSpc>
         <a:spcPct val="100000"/>
       </a:lnSpc>
@@ -702,7 +724,7 @@
         <a:srgbClr val="000000"/>
       </a:buClr>
       <a:buFont typeface="Arial"/>
-      <a:defRPr b="0" i="0" sz="1400" u="none" cap="none" strike="noStrike">
+      <a:defRPr sz="1400" b="0" i="0" u="none" strike="noStrike" cap="none">
         <a:solidFill>
           <a:srgbClr val="000000"/>
         </a:solidFill>
@@ -717,11 +739,11 @@
 </file>
 
 <file path=ppt/notesSlides/notesSlide1.xml><?xml version="1.0" encoding="utf-8"?>
-<p:notes xmlns:a="http://schemas.openxmlformats.org/drawingml/2006/main" xmlns:r="http://schemas.openxmlformats.org/officeDocument/2006/relationships" xmlns:mc="http://schemas.openxmlformats.org/markup-compatibility/2006" xmlns:mv="urn:schemas-microsoft-com:mac:vml" xmlns:p="http://schemas.openxmlformats.org/presentationml/2006/main" xmlns:c="http://schemas.openxmlformats.org/drawingml/2006/chart" xmlns:dgm="http://schemas.openxmlformats.org/drawingml/2006/diagram" xmlns:o="urn:schemas-microsoft-com:office:office" xmlns:v="urn:schemas-microsoft-com:vml" xmlns:pvml="urn:schemas-microsoft-com:office:powerpoint" xmlns:com="http://schemas.openxmlformats.org/drawingml/2006/compatibility" xmlns:p14="http://schemas.microsoft.com/office/powerpoint/2010/main" xmlns:p15="http://schemas.microsoft.com/office/powerpoint/2012/main" showMasterPhAnim="0" showMasterSp="0">
+<p:notes xmlns:a="http://schemas.openxmlformats.org/drawingml/2006/main" xmlns:r="http://schemas.openxmlformats.org/officeDocument/2006/relationships" xmlns:p="http://schemas.openxmlformats.org/presentationml/2006/main" showMasterSp="0" showMasterPhAnim="0">
   <p:cSld>
     <p:spTree>
       <p:nvGrpSpPr>
-        <p:cNvPr id="50" name="Shape 50"/>
+        <p:cNvPr id="1" name="Shape 50"/>
         <p:cNvGrpSpPr/>
         <p:nvPr/>
       </p:nvGrpSpPr>
@@ -736,9 +758,11 @@
       <p:sp>
         <p:nvSpPr>
           <p:cNvPr id="51" name="Google Shape;51;p:notes"/>
-          <p:cNvSpPr/>
+          <p:cNvSpPr>
+            <a:spLocks noGrp="1" noRot="1" noChangeAspect="1"/>
+          </p:cNvSpPr>
           <p:nvPr>
-            <p:ph idx="2" type="sldImg"/>
+            <p:ph type="sldImg" idx="2"/>
           </p:nvPr>
         </p:nvSpPr>
         <p:spPr>
@@ -747,9 +771,13 @@
             <a:ext cx="6096075" cy="3429000"/>
           </a:xfrm>
           <a:custGeom>
-            <a:rect b="b" l="l" r="r" t="t"/>
+            <a:avLst/>
+            <a:gdLst/>
+            <a:ahLst/>
+            <a:cxnLst/>
+            <a:rect l="l" t="t" r="r" b="b"/>
             <a:pathLst>
-              <a:path extrusionOk="0" h="120000" w="120000">
+              <a:path w="120000" h="120000" extrusionOk="0">
                 <a:moveTo>
                   <a:pt x="0" y="0"/>
                 </a:moveTo>
@@ -771,9 +799,11 @@
       <p:sp>
         <p:nvSpPr>
           <p:cNvPr id="52" name="Google Shape;52;p:notes"/>
-          <p:cNvSpPr txBox="1"/>
+          <p:cNvSpPr txBox="1">
+            <a:spLocks noGrp="1"/>
+          </p:cNvSpPr>
           <p:nvPr>
-            <p:ph idx="1" type="body"/>
+            <p:ph type="body" idx="1"/>
           </p:nvPr>
         </p:nvSpPr>
         <p:spPr>
@@ -786,12 +816,12 @@
           </a:prstGeom>
         </p:spPr>
         <p:txBody>
-          <a:bodyPr anchorCtr="0" anchor="t" bIns="91425" lIns="91425" spcFirstLastPara="1" rIns="91425" wrap="square" tIns="91425">
+          <a:bodyPr spcFirstLastPara="1" wrap="square" lIns="91425" tIns="91425" rIns="91425" bIns="91425" anchor="t" anchorCtr="0">
             <a:noAutofit/>
           </a:bodyPr>
           <a:lstStyle/>
           <a:p>
-            <a:pPr indent="0" lvl="0" marL="0" rtl="0" algn="l">
+            <a:pPr marL="0" lvl="0" indent="0" algn="l" rtl="0">
               <a:spcBef>
                 <a:spcPts val="0"/>
               </a:spcBef>
@@ -800,9 +830,6 @@
               </a:spcAft>
               <a:buNone/>
             </a:pPr>
-            <a:r>
-              <a:t/>
-            </a:r>
             <a:endParaRPr/>
           </a:p>
         </p:txBody>
@@ -816,11 +843,11 @@
 </file>
 
 <file path=ppt/notesSlides/notesSlide10.xml><?xml version="1.0" encoding="utf-8"?>
-<p:notes xmlns:a="http://schemas.openxmlformats.org/drawingml/2006/main" xmlns:r="http://schemas.openxmlformats.org/officeDocument/2006/relationships" xmlns:mc="http://schemas.openxmlformats.org/markup-compatibility/2006" xmlns:mv="urn:schemas-microsoft-com:mac:vml" xmlns:p="http://schemas.openxmlformats.org/presentationml/2006/main" xmlns:c="http://schemas.openxmlformats.org/drawingml/2006/chart" xmlns:dgm="http://schemas.openxmlformats.org/drawingml/2006/diagram" xmlns:o="urn:schemas-microsoft-com:office:office" xmlns:v="urn:schemas-microsoft-com:vml" xmlns:pvml="urn:schemas-microsoft-com:office:powerpoint" xmlns:com="http://schemas.openxmlformats.org/drawingml/2006/compatibility" xmlns:p14="http://schemas.microsoft.com/office/powerpoint/2010/main" xmlns:p15="http://schemas.microsoft.com/office/powerpoint/2012/main" showMasterPhAnim="0" showMasterSp="0">
+<p:notes xmlns:a="http://schemas.openxmlformats.org/drawingml/2006/main" xmlns:r="http://schemas.openxmlformats.org/officeDocument/2006/relationships" xmlns:p="http://schemas.openxmlformats.org/presentationml/2006/main" showMasterSp="0" showMasterPhAnim="0">
   <p:cSld>
     <p:spTree>
       <p:nvGrpSpPr>
-        <p:cNvPr id="128" name="Shape 128"/>
+        <p:cNvPr id="1" name="Shape 128"/>
         <p:cNvGrpSpPr/>
         <p:nvPr/>
       </p:nvGrpSpPr>
@@ -835,9 +862,11 @@
       <p:sp>
         <p:nvSpPr>
           <p:cNvPr id="129" name="Google Shape;129;g6d24852d0b_0_1070:notes"/>
-          <p:cNvSpPr/>
+          <p:cNvSpPr>
+            <a:spLocks noGrp="1" noRot="1" noChangeAspect="1"/>
+          </p:cNvSpPr>
           <p:nvPr>
-            <p:ph idx="2" type="sldImg"/>
+            <p:ph type="sldImg" idx="2"/>
           </p:nvPr>
         </p:nvSpPr>
         <p:spPr>
@@ -846,9 +875,13 @@
             <a:ext cx="6096000" cy="3429000"/>
           </a:xfrm>
           <a:custGeom>
-            <a:rect b="b" l="l" r="r" t="t"/>
+            <a:avLst/>
+            <a:gdLst/>
+            <a:ahLst/>
+            <a:cxnLst/>
+            <a:rect l="l" t="t" r="r" b="b"/>
             <a:pathLst>
-              <a:path extrusionOk="0" h="120000" w="120000">
+              <a:path w="120000" h="120000" extrusionOk="0">
                 <a:moveTo>
                   <a:pt x="0" y="0"/>
                 </a:moveTo>
@@ -870,9 +903,11 @@
       <p:sp>
         <p:nvSpPr>
           <p:cNvPr id="130" name="Google Shape;130;g6d24852d0b_0_1070:notes"/>
-          <p:cNvSpPr txBox="1"/>
+          <p:cNvSpPr txBox="1">
+            <a:spLocks noGrp="1"/>
+          </p:cNvSpPr>
           <p:nvPr>
-            <p:ph idx="1" type="body"/>
+            <p:ph type="body" idx="1"/>
           </p:nvPr>
         </p:nvSpPr>
         <p:spPr>
@@ -885,12 +920,12 @@
           </a:prstGeom>
         </p:spPr>
         <p:txBody>
-          <a:bodyPr anchorCtr="0" anchor="t" bIns="91425" lIns="91425" spcFirstLastPara="1" rIns="91425" wrap="square" tIns="91425">
+          <a:bodyPr spcFirstLastPara="1" wrap="square" lIns="91425" tIns="91425" rIns="91425" bIns="91425" anchor="t" anchorCtr="0">
             <a:noAutofit/>
           </a:bodyPr>
           <a:lstStyle/>
           <a:p>
-            <a:pPr indent="0" lvl="0" marL="0" rtl="0" algn="l">
+            <a:pPr marL="0" lvl="0" indent="0" algn="l" rtl="0">
               <a:spcBef>
                 <a:spcPts val="0"/>
               </a:spcBef>
@@ -906,7 +941,7 @@
             <a:endParaRPr/>
           </a:p>
           <a:p>
-            <a:pPr indent="0" lvl="0" marL="0" rtl="0" algn="l">
+            <a:pPr marL="0" lvl="0" indent="0" algn="l" rtl="0">
               <a:spcBef>
                 <a:spcPts val="0"/>
               </a:spcBef>
@@ -932,11 +967,11 @@
 </file>
 
 <file path=ppt/notesSlides/notesSlide11.xml><?xml version="1.0" encoding="utf-8"?>
-<p:notes xmlns:a="http://schemas.openxmlformats.org/drawingml/2006/main" xmlns:r="http://schemas.openxmlformats.org/officeDocument/2006/relationships" xmlns:mc="http://schemas.openxmlformats.org/markup-compatibility/2006" xmlns:mv="urn:schemas-microsoft-com:mac:vml" xmlns:p="http://schemas.openxmlformats.org/presentationml/2006/main" xmlns:c="http://schemas.openxmlformats.org/drawingml/2006/chart" xmlns:dgm="http://schemas.openxmlformats.org/drawingml/2006/diagram" xmlns:o="urn:schemas-microsoft-com:office:office" xmlns:v="urn:schemas-microsoft-com:vml" xmlns:pvml="urn:schemas-microsoft-com:office:powerpoint" xmlns:com="http://schemas.openxmlformats.org/drawingml/2006/compatibility" xmlns:p14="http://schemas.microsoft.com/office/powerpoint/2010/main" xmlns:p15="http://schemas.microsoft.com/office/powerpoint/2012/main" showMasterPhAnim="0" showMasterSp="0">
+<p:notes xmlns:a="http://schemas.openxmlformats.org/drawingml/2006/main" xmlns:r="http://schemas.openxmlformats.org/officeDocument/2006/relationships" xmlns:p="http://schemas.openxmlformats.org/presentationml/2006/main" showMasterSp="0" showMasterPhAnim="0">
   <p:cSld>
     <p:spTree>
       <p:nvGrpSpPr>
-        <p:cNvPr id="134" name="Shape 134"/>
+        <p:cNvPr id="1" name="Shape 134"/>
         <p:cNvGrpSpPr/>
         <p:nvPr/>
       </p:nvGrpSpPr>
@@ -951,9 +986,11 @@
       <p:sp>
         <p:nvSpPr>
           <p:cNvPr id="135" name="Google Shape;135;g6d24852d0b_1_0:notes"/>
-          <p:cNvSpPr/>
+          <p:cNvSpPr>
+            <a:spLocks noGrp="1" noRot="1" noChangeAspect="1"/>
+          </p:cNvSpPr>
           <p:nvPr>
-            <p:ph idx="2" type="sldImg"/>
+            <p:ph type="sldImg" idx="2"/>
           </p:nvPr>
         </p:nvSpPr>
         <p:spPr>
@@ -962,9 +999,13 @@
             <a:ext cx="6096000" cy="3429000"/>
           </a:xfrm>
           <a:custGeom>
-            <a:rect b="b" l="l" r="r" t="t"/>
+            <a:avLst/>
+            <a:gdLst/>
+            <a:ahLst/>
+            <a:cxnLst/>
+            <a:rect l="l" t="t" r="r" b="b"/>
             <a:pathLst>
-              <a:path extrusionOk="0" h="120000" w="120000">
+              <a:path w="120000" h="120000" extrusionOk="0">
                 <a:moveTo>
                   <a:pt x="0" y="0"/>
                 </a:moveTo>
@@ -986,9 +1027,11 @@
       <p:sp>
         <p:nvSpPr>
           <p:cNvPr id="136" name="Google Shape;136;g6d24852d0b_1_0:notes"/>
-          <p:cNvSpPr txBox="1"/>
+          <p:cNvSpPr txBox="1">
+            <a:spLocks noGrp="1"/>
+          </p:cNvSpPr>
           <p:nvPr>
-            <p:ph idx="1" type="body"/>
+            <p:ph type="body" idx="1"/>
           </p:nvPr>
         </p:nvSpPr>
         <p:spPr>
@@ -1001,12 +1044,12 @@
           </a:prstGeom>
         </p:spPr>
         <p:txBody>
-          <a:bodyPr anchorCtr="0" anchor="t" bIns="91425" lIns="91425" spcFirstLastPara="1" rIns="91425" wrap="square" tIns="91425">
+          <a:bodyPr spcFirstLastPara="1" wrap="square" lIns="91425" tIns="91425" rIns="91425" bIns="91425" anchor="t" anchorCtr="0">
             <a:noAutofit/>
           </a:bodyPr>
           <a:lstStyle/>
           <a:p>
-            <a:pPr indent="0" lvl="0" marL="0" rtl="0" algn="l">
+            <a:pPr marL="0" lvl="0" indent="0" algn="l" rtl="0">
               <a:spcBef>
                 <a:spcPts val="0"/>
               </a:spcBef>
@@ -1032,11 +1075,11 @@
 </file>
 
 <file path=ppt/notesSlides/notesSlide12.xml><?xml version="1.0" encoding="utf-8"?>
-<p:notes xmlns:a="http://schemas.openxmlformats.org/drawingml/2006/main" xmlns:r="http://schemas.openxmlformats.org/officeDocument/2006/relationships" xmlns:mc="http://schemas.openxmlformats.org/markup-compatibility/2006" xmlns:mv="urn:schemas-microsoft-com:mac:vml" xmlns:p="http://schemas.openxmlformats.org/presentationml/2006/main" xmlns:c="http://schemas.openxmlformats.org/drawingml/2006/chart" xmlns:dgm="http://schemas.openxmlformats.org/drawingml/2006/diagram" xmlns:o="urn:schemas-microsoft-com:office:office" xmlns:v="urn:schemas-microsoft-com:vml" xmlns:pvml="urn:schemas-microsoft-com:office:powerpoint" xmlns:com="http://schemas.openxmlformats.org/drawingml/2006/compatibility" xmlns:p14="http://schemas.microsoft.com/office/powerpoint/2010/main" xmlns:p15="http://schemas.microsoft.com/office/powerpoint/2012/main" showMasterPhAnim="0" showMasterSp="0">
+<p:notes xmlns:a="http://schemas.openxmlformats.org/drawingml/2006/main" xmlns:r="http://schemas.openxmlformats.org/officeDocument/2006/relationships" xmlns:p="http://schemas.openxmlformats.org/presentationml/2006/main" showMasterSp="0" showMasterPhAnim="0">
   <p:cSld>
     <p:spTree>
       <p:nvGrpSpPr>
-        <p:cNvPr id="143" name="Shape 143"/>
+        <p:cNvPr id="1" name="Shape 143"/>
         <p:cNvGrpSpPr/>
         <p:nvPr/>
       </p:nvGrpSpPr>
@@ -1051,9 +1094,11 @@
       <p:sp>
         <p:nvSpPr>
           <p:cNvPr id="144" name="Google Shape;144;g6d24852d0b_0_1075:notes"/>
-          <p:cNvSpPr/>
+          <p:cNvSpPr>
+            <a:spLocks noGrp="1" noRot="1" noChangeAspect="1"/>
+          </p:cNvSpPr>
           <p:nvPr>
-            <p:ph idx="2" type="sldImg"/>
+            <p:ph type="sldImg" idx="2"/>
           </p:nvPr>
         </p:nvSpPr>
         <p:spPr>
@@ -1062,9 +1107,13 @@
             <a:ext cx="6096000" cy="3429000"/>
           </a:xfrm>
           <a:custGeom>
-            <a:rect b="b" l="l" r="r" t="t"/>
+            <a:avLst/>
+            <a:gdLst/>
+            <a:ahLst/>
+            <a:cxnLst/>
+            <a:rect l="l" t="t" r="r" b="b"/>
             <a:pathLst>
-              <a:path extrusionOk="0" h="120000" w="120000">
+              <a:path w="120000" h="120000" extrusionOk="0">
                 <a:moveTo>
                   <a:pt x="0" y="0"/>
                 </a:moveTo>
@@ -1086,9 +1135,11 @@
       <p:sp>
         <p:nvSpPr>
           <p:cNvPr id="145" name="Google Shape;145;g6d24852d0b_0_1075:notes"/>
-          <p:cNvSpPr txBox="1"/>
+          <p:cNvSpPr txBox="1">
+            <a:spLocks noGrp="1"/>
+          </p:cNvSpPr>
           <p:nvPr>
-            <p:ph idx="1" type="body"/>
+            <p:ph type="body" idx="1"/>
           </p:nvPr>
         </p:nvSpPr>
         <p:spPr>
@@ -1101,12 +1152,12 @@
           </a:prstGeom>
         </p:spPr>
         <p:txBody>
-          <a:bodyPr anchorCtr="0" anchor="t" bIns="91425" lIns="91425" spcFirstLastPara="1" rIns="91425" wrap="square" tIns="91425">
+          <a:bodyPr spcFirstLastPara="1" wrap="square" lIns="91425" tIns="91425" rIns="91425" bIns="91425" anchor="t" anchorCtr="0">
             <a:noAutofit/>
           </a:bodyPr>
           <a:lstStyle/>
           <a:p>
-            <a:pPr indent="0" lvl="0" marL="0" rtl="0" algn="l">
+            <a:pPr marL="0" lvl="0" indent="0" algn="l" rtl="0">
               <a:spcBef>
                 <a:spcPts val="0"/>
               </a:spcBef>
@@ -1115,9 +1166,6 @@
               </a:spcAft>
               <a:buNone/>
             </a:pPr>
-            <a:r>
-              <a:t/>
-            </a:r>
             <a:endParaRPr/>
           </a:p>
         </p:txBody>
@@ -1131,11 +1179,11 @@
 </file>
 
 <file path=ppt/notesSlides/notesSlide13.xml><?xml version="1.0" encoding="utf-8"?>
-<p:notes xmlns:a="http://schemas.openxmlformats.org/drawingml/2006/main" xmlns:r="http://schemas.openxmlformats.org/officeDocument/2006/relationships" xmlns:mc="http://schemas.openxmlformats.org/markup-compatibility/2006" xmlns:mv="urn:schemas-microsoft-com:mac:vml" xmlns:p="http://schemas.openxmlformats.org/presentationml/2006/main" xmlns:c="http://schemas.openxmlformats.org/drawingml/2006/chart" xmlns:dgm="http://schemas.openxmlformats.org/drawingml/2006/diagram" xmlns:o="urn:schemas-microsoft-com:office:office" xmlns:v="urn:schemas-microsoft-com:vml" xmlns:pvml="urn:schemas-microsoft-com:office:powerpoint" xmlns:com="http://schemas.openxmlformats.org/drawingml/2006/compatibility" xmlns:p14="http://schemas.microsoft.com/office/powerpoint/2010/main" xmlns:p15="http://schemas.microsoft.com/office/powerpoint/2012/main" showMasterPhAnim="0" showMasterSp="0">
+<p:notes xmlns:a="http://schemas.openxmlformats.org/drawingml/2006/main" xmlns:r="http://schemas.openxmlformats.org/officeDocument/2006/relationships" xmlns:p="http://schemas.openxmlformats.org/presentationml/2006/main" showMasterSp="0" showMasterPhAnim="0">
   <p:cSld>
     <p:spTree>
       <p:nvGrpSpPr>
-        <p:cNvPr id="149" name="Shape 149"/>
+        <p:cNvPr id="1" name="Shape 149"/>
         <p:cNvGrpSpPr/>
         <p:nvPr/>
       </p:nvGrpSpPr>
@@ -1150,20 +1198,26 @@
       <p:sp>
         <p:nvSpPr>
           <p:cNvPr id="150" name="Google Shape;150;g6d24852d0b_0_1080:notes"/>
-          <p:cNvSpPr/>
+          <p:cNvSpPr>
+            <a:spLocks noGrp="1" noRot="1" noChangeAspect="1"/>
+          </p:cNvSpPr>
           <p:nvPr>
-            <p:ph idx="2" type="sldImg"/>
+            <p:ph type="sldImg" idx="2"/>
           </p:nvPr>
         </p:nvSpPr>
         <p:spPr>
           <a:xfrm>
-            <a:off x="381300" y="685800"/>
+            <a:off x="381000" y="685800"/>
             <a:ext cx="6096000" cy="3429000"/>
           </a:xfrm>
           <a:custGeom>
-            <a:rect b="b" l="l" r="r" t="t"/>
+            <a:avLst/>
+            <a:gdLst/>
+            <a:ahLst/>
+            <a:cxnLst/>
+            <a:rect l="l" t="t" r="r" b="b"/>
             <a:pathLst>
-              <a:path extrusionOk="0" h="120000" w="120000">
+              <a:path w="120000" h="120000" extrusionOk="0">
                 <a:moveTo>
                   <a:pt x="0" y="0"/>
                 </a:moveTo>
@@ -1185,9 +1239,11 @@
       <p:sp>
         <p:nvSpPr>
           <p:cNvPr id="151" name="Google Shape;151;g6d24852d0b_0_1080:notes"/>
-          <p:cNvSpPr txBox="1"/>
+          <p:cNvSpPr txBox="1">
+            <a:spLocks noGrp="1"/>
+          </p:cNvSpPr>
           <p:nvPr>
-            <p:ph idx="1" type="body"/>
+            <p:ph type="body" idx="1"/>
           </p:nvPr>
         </p:nvSpPr>
         <p:spPr>
@@ -1200,12 +1256,12 @@
           </a:prstGeom>
         </p:spPr>
         <p:txBody>
-          <a:bodyPr anchorCtr="0" anchor="t" bIns="91425" lIns="91425" spcFirstLastPara="1" rIns="91425" wrap="square" tIns="91425">
+          <a:bodyPr spcFirstLastPara="1" wrap="square" lIns="91425" tIns="91425" rIns="91425" bIns="91425" anchor="t" anchorCtr="0">
             <a:noAutofit/>
           </a:bodyPr>
           <a:lstStyle/>
           <a:p>
-            <a:pPr indent="0" lvl="0" marL="0" rtl="0" algn="l">
+            <a:pPr marL="0" lvl="0" indent="0" algn="l" rtl="0">
               <a:spcBef>
                 <a:spcPts val="0"/>
               </a:spcBef>
@@ -1214,9 +1270,6 @@
               </a:spcAft>
               <a:buNone/>
             </a:pPr>
-            <a:r>
-              <a:t/>
-            </a:r>
             <a:endParaRPr/>
           </a:p>
         </p:txBody>
@@ -1230,11 +1283,11 @@
 </file>
 
 <file path=ppt/notesSlides/notesSlide14.xml><?xml version="1.0" encoding="utf-8"?>
-<p:notes xmlns:a="http://schemas.openxmlformats.org/drawingml/2006/main" xmlns:r="http://schemas.openxmlformats.org/officeDocument/2006/relationships" xmlns:mc="http://schemas.openxmlformats.org/markup-compatibility/2006" xmlns:mv="urn:schemas-microsoft-com:mac:vml" xmlns:p="http://schemas.openxmlformats.org/presentationml/2006/main" xmlns:c="http://schemas.openxmlformats.org/drawingml/2006/chart" xmlns:dgm="http://schemas.openxmlformats.org/drawingml/2006/diagram" xmlns:o="urn:schemas-microsoft-com:office:office" xmlns:v="urn:schemas-microsoft-com:vml" xmlns:pvml="urn:schemas-microsoft-com:office:powerpoint" xmlns:com="http://schemas.openxmlformats.org/drawingml/2006/compatibility" xmlns:p14="http://schemas.microsoft.com/office/powerpoint/2010/main" xmlns:p15="http://schemas.microsoft.com/office/powerpoint/2012/main" showMasterPhAnim="0" showMasterSp="0">
+<p:notes xmlns:a="http://schemas.openxmlformats.org/drawingml/2006/main" xmlns:r="http://schemas.openxmlformats.org/officeDocument/2006/relationships" xmlns:p="http://schemas.openxmlformats.org/presentationml/2006/main" showMasterSp="0" showMasterPhAnim="0">
   <p:cSld>
     <p:spTree>
       <p:nvGrpSpPr>
-        <p:cNvPr id="155" name="Shape 155"/>
+        <p:cNvPr id="1" name="Shape 155"/>
         <p:cNvGrpSpPr/>
         <p:nvPr/>
       </p:nvGrpSpPr>
@@ -1249,9 +1302,11 @@
       <p:sp>
         <p:nvSpPr>
           <p:cNvPr id="156" name="Google Shape;156;g6d24852d0b_0_1085:notes"/>
-          <p:cNvSpPr/>
+          <p:cNvSpPr>
+            <a:spLocks noGrp="1" noRot="1" noChangeAspect="1"/>
+          </p:cNvSpPr>
           <p:nvPr>
-            <p:ph idx="2" type="sldImg"/>
+            <p:ph type="sldImg" idx="2"/>
           </p:nvPr>
         </p:nvSpPr>
         <p:spPr>
@@ -1260,9 +1315,13 @@
             <a:ext cx="6096000" cy="3429000"/>
           </a:xfrm>
           <a:custGeom>
-            <a:rect b="b" l="l" r="r" t="t"/>
+            <a:avLst/>
+            <a:gdLst/>
+            <a:ahLst/>
+            <a:cxnLst/>
+            <a:rect l="l" t="t" r="r" b="b"/>
             <a:pathLst>
-              <a:path extrusionOk="0" h="120000" w="120000">
+              <a:path w="120000" h="120000" extrusionOk="0">
                 <a:moveTo>
                   <a:pt x="0" y="0"/>
                 </a:moveTo>
@@ -1284,9 +1343,11 @@
       <p:sp>
         <p:nvSpPr>
           <p:cNvPr id="157" name="Google Shape;157;g6d24852d0b_0_1085:notes"/>
-          <p:cNvSpPr txBox="1"/>
+          <p:cNvSpPr txBox="1">
+            <a:spLocks noGrp="1"/>
+          </p:cNvSpPr>
           <p:nvPr>
-            <p:ph idx="1" type="body"/>
+            <p:ph type="body" idx="1"/>
           </p:nvPr>
         </p:nvSpPr>
         <p:spPr>
@@ -1299,12 +1360,12 @@
           </a:prstGeom>
         </p:spPr>
         <p:txBody>
-          <a:bodyPr anchorCtr="0" anchor="t" bIns="91425" lIns="91425" spcFirstLastPara="1" rIns="91425" wrap="square" tIns="91425">
+          <a:bodyPr spcFirstLastPara="1" wrap="square" lIns="91425" tIns="91425" rIns="91425" bIns="91425" anchor="t" anchorCtr="0">
             <a:noAutofit/>
           </a:bodyPr>
           <a:lstStyle/>
           <a:p>
-            <a:pPr indent="0" lvl="0" marL="0" rtl="0" algn="l">
+            <a:pPr marL="0" lvl="0" indent="0" algn="l" rtl="0">
               <a:spcBef>
                 <a:spcPts val="0"/>
               </a:spcBef>
@@ -1313,9 +1374,6 @@
               </a:spcAft>
               <a:buNone/>
             </a:pPr>
-            <a:r>
-              <a:t/>
-            </a:r>
             <a:endParaRPr/>
           </a:p>
         </p:txBody>
@@ -1329,11 +1387,11 @@
 </file>
 
 <file path=ppt/notesSlides/notesSlide15.xml><?xml version="1.0" encoding="utf-8"?>
-<p:notes xmlns:a="http://schemas.openxmlformats.org/drawingml/2006/main" xmlns:r="http://schemas.openxmlformats.org/officeDocument/2006/relationships" xmlns:mc="http://schemas.openxmlformats.org/markup-compatibility/2006" xmlns:mv="urn:schemas-microsoft-com:mac:vml" xmlns:p="http://schemas.openxmlformats.org/presentationml/2006/main" xmlns:c="http://schemas.openxmlformats.org/drawingml/2006/chart" xmlns:dgm="http://schemas.openxmlformats.org/drawingml/2006/diagram" xmlns:o="urn:schemas-microsoft-com:office:office" xmlns:v="urn:schemas-microsoft-com:vml" xmlns:pvml="urn:schemas-microsoft-com:office:powerpoint" xmlns:com="http://schemas.openxmlformats.org/drawingml/2006/compatibility" xmlns:p14="http://schemas.microsoft.com/office/powerpoint/2010/main" xmlns:p15="http://schemas.microsoft.com/office/powerpoint/2012/main" showMasterPhAnim="0" showMasterSp="0">
+<p:notes xmlns:a="http://schemas.openxmlformats.org/drawingml/2006/main" xmlns:r="http://schemas.openxmlformats.org/officeDocument/2006/relationships" xmlns:p="http://schemas.openxmlformats.org/presentationml/2006/main" showMasterSp="0" showMasterPhAnim="0">
   <p:cSld>
     <p:spTree>
       <p:nvGrpSpPr>
-        <p:cNvPr id="161" name="Shape 161"/>
+        <p:cNvPr id="1" name="Shape 161"/>
         <p:cNvGrpSpPr/>
         <p:nvPr/>
       </p:nvGrpSpPr>
@@ -1348,9 +1406,11 @@
       <p:sp>
         <p:nvSpPr>
           <p:cNvPr id="162" name="Google Shape;162;g7c11981b94_1_91:notes"/>
-          <p:cNvSpPr/>
+          <p:cNvSpPr>
+            <a:spLocks noGrp="1" noRot="1" noChangeAspect="1"/>
+          </p:cNvSpPr>
           <p:nvPr>
-            <p:ph idx="2" type="sldImg"/>
+            <p:ph type="sldImg" idx="2"/>
           </p:nvPr>
         </p:nvSpPr>
         <p:spPr>
@@ -1359,9 +1419,13 @@
             <a:ext cx="6096000" cy="3429000"/>
           </a:xfrm>
           <a:custGeom>
-            <a:rect b="b" l="l" r="r" t="t"/>
+            <a:avLst/>
+            <a:gdLst/>
+            <a:ahLst/>
+            <a:cxnLst/>
+            <a:rect l="l" t="t" r="r" b="b"/>
             <a:pathLst>
-              <a:path extrusionOk="0" h="120000" w="120000">
+              <a:path w="120000" h="120000" extrusionOk="0">
                 <a:moveTo>
                   <a:pt x="0" y="0"/>
                 </a:moveTo>
@@ -1383,9 +1447,11 @@
       <p:sp>
         <p:nvSpPr>
           <p:cNvPr id="163" name="Google Shape;163;g7c11981b94_1_91:notes"/>
-          <p:cNvSpPr txBox="1"/>
+          <p:cNvSpPr txBox="1">
+            <a:spLocks noGrp="1"/>
+          </p:cNvSpPr>
           <p:nvPr>
-            <p:ph idx="1" type="body"/>
+            <p:ph type="body" idx="1"/>
           </p:nvPr>
         </p:nvSpPr>
         <p:spPr>
@@ -1398,12 +1464,12 @@
           </a:prstGeom>
         </p:spPr>
         <p:txBody>
-          <a:bodyPr anchorCtr="0" anchor="t" bIns="91425" lIns="91425" spcFirstLastPara="1" rIns="91425" wrap="square" tIns="91425">
+          <a:bodyPr spcFirstLastPara="1" wrap="square" lIns="91425" tIns="91425" rIns="91425" bIns="91425" anchor="t" anchorCtr="0">
             <a:noAutofit/>
           </a:bodyPr>
           <a:lstStyle/>
           <a:p>
-            <a:pPr indent="0" lvl="0" marL="0" rtl="0" algn="l">
+            <a:pPr marL="0" lvl="0" indent="0" algn="l" rtl="0">
               <a:spcBef>
                 <a:spcPts val="0"/>
               </a:spcBef>
@@ -1412,9 +1478,6 @@
               </a:spcAft>
               <a:buNone/>
             </a:pPr>
-            <a:r>
-              <a:t/>
-            </a:r>
             <a:endParaRPr/>
           </a:p>
         </p:txBody>
@@ -1428,11 +1491,11 @@
 </file>
 
 <file path=ppt/notesSlides/notesSlide2.xml><?xml version="1.0" encoding="utf-8"?>
-<p:notes xmlns:a="http://schemas.openxmlformats.org/drawingml/2006/main" xmlns:r="http://schemas.openxmlformats.org/officeDocument/2006/relationships" xmlns:mc="http://schemas.openxmlformats.org/markup-compatibility/2006" xmlns:mv="urn:schemas-microsoft-com:mac:vml" xmlns:p="http://schemas.openxmlformats.org/presentationml/2006/main" xmlns:c="http://schemas.openxmlformats.org/drawingml/2006/chart" xmlns:dgm="http://schemas.openxmlformats.org/drawingml/2006/diagram" xmlns:o="urn:schemas-microsoft-com:office:office" xmlns:v="urn:schemas-microsoft-com:vml" xmlns:pvml="urn:schemas-microsoft-com:office:powerpoint" xmlns:com="http://schemas.openxmlformats.org/drawingml/2006/compatibility" xmlns:p14="http://schemas.microsoft.com/office/powerpoint/2010/main" xmlns:p15="http://schemas.microsoft.com/office/powerpoint/2012/main" showMasterPhAnim="0" showMasterSp="0">
+<p:notes xmlns:a="http://schemas.openxmlformats.org/drawingml/2006/main" xmlns:r="http://schemas.openxmlformats.org/officeDocument/2006/relationships" xmlns:p="http://schemas.openxmlformats.org/presentationml/2006/main" showMasterSp="0" showMasterPhAnim="0">
   <p:cSld>
     <p:spTree>
       <p:nvGrpSpPr>
-        <p:cNvPr id="56" name="Shape 56"/>
+        <p:cNvPr id="1" name="Shape 56"/>
         <p:cNvGrpSpPr/>
         <p:nvPr/>
       </p:nvGrpSpPr>
@@ -1447,9 +1510,11 @@
       <p:sp>
         <p:nvSpPr>
           <p:cNvPr id="57" name="Google Shape;57;g6d24852d0b_0_45:notes"/>
-          <p:cNvSpPr/>
+          <p:cNvSpPr>
+            <a:spLocks noGrp="1" noRot="1" noChangeAspect="1"/>
+          </p:cNvSpPr>
           <p:nvPr>
-            <p:ph idx="2" type="sldImg"/>
+            <p:ph type="sldImg" idx="2"/>
           </p:nvPr>
         </p:nvSpPr>
         <p:spPr>
@@ -1458,9 +1523,13 @@
             <a:ext cx="6096000" cy="3429000"/>
           </a:xfrm>
           <a:custGeom>
-            <a:rect b="b" l="l" r="r" t="t"/>
+            <a:avLst/>
+            <a:gdLst/>
+            <a:ahLst/>
+            <a:cxnLst/>
+            <a:rect l="l" t="t" r="r" b="b"/>
             <a:pathLst>
-              <a:path extrusionOk="0" h="120000" w="120000">
+              <a:path w="120000" h="120000" extrusionOk="0">
                 <a:moveTo>
                   <a:pt x="0" y="0"/>
                 </a:moveTo>
@@ -1482,9 +1551,11 @@
       <p:sp>
         <p:nvSpPr>
           <p:cNvPr id="58" name="Google Shape;58;g6d24852d0b_0_45:notes"/>
-          <p:cNvSpPr txBox="1"/>
+          <p:cNvSpPr txBox="1">
+            <a:spLocks noGrp="1"/>
+          </p:cNvSpPr>
           <p:nvPr>
-            <p:ph idx="1" type="body"/>
+            <p:ph type="body" idx="1"/>
           </p:nvPr>
         </p:nvSpPr>
         <p:spPr>
@@ -1497,12 +1568,12 @@
           </a:prstGeom>
         </p:spPr>
         <p:txBody>
-          <a:bodyPr anchorCtr="0" anchor="t" bIns="91425" lIns="91425" spcFirstLastPara="1" rIns="91425" wrap="square" tIns="91425">
+          <a:bodyPr spcFirstLastPara="1" wrap="square" lIns="91425" tIns="91425" rIns="91425" bIns="91425" anchor="t" anchorCtr="0">
             <a:noAutofit/>
           </a:bodyPr>
           <a:lstStyle/>
           <a:p>
-            <a:pPr indent="0" lvl="0" marL="0" rtl="0" algn="l">
+            <a:pPr marL="0" lvl="0" indent="0" algn="l" rtl="0">
               <a:spcBef>
                 <a:spcPts val="0"/>
               </a:spcBef>
@@ -1511,9 +1582,6 @@
               </a:spcAft>
               <a:buNone/>
             </a:pPr>
-            <a:r>
-              <a:t/>
-            </a:r>
             <a:endParaRPr/>
           </a:p>
         </p:txBody>
@@ -1527,11 +1595,11 @@
 </file>
 
 <file path=ppt/notesSlides/notesSlide3.xml><?xml version="1.0" encoding="utf-8"?>
-<p:notes xmlns:a="http://schemas.openxmlformats.org/drawingml/2006/main" xmlns:r="http://schemas.openxmlformats.org/officeDocument/2006/relationships" xmlns:mc="http://schemas.openxmlformats.org/markup-compatibility/2006" xmlns:mv="urn:schemas-microsoft-com:mac:vml" xmlns:p="http://schemas.openxmlformats.org/presentationml/2006/main" xmlns:c="http://schemas.openxmlformats.org/drawingml/2006/chart" xmlns:dgm="http://schemas.openxmlformats.org/drawingml/2006/diagram" xmlns:o="urn:schemas-microsoft-com:office:office" xmlns:v="urn:schemas-microsoft-com:vml" xmlns:pvml="urn:schemas-microsoft-com:office:powerpoint" xmlns:com="http://schemas.openxmlformats.org/drawingml/2006/compatibility" xmlns:p14="http://schemas.microsoft.com/office/powerpoint/2010/main" xmlns:p15="http://schemas.microsoft.com/office/powerpoint/2012/main" showMasterPhAnim="0" showMasterSp="0">
+<p:notes xmlns:a="http://schemas.openxmlformats.org/drawingml/2006/main" xmlns:r="http://schemas.openxmlformats.org/officeDocument/2006/relationships" xmlns:p="http://schemas.openxmlformats.org/presentationml/2006/main" showMasterSp="0" showMasterPhAnim="0">
   <p:cSld>
     <p:spTree>
       <p:nvGrpSpPr>
-        <p:cNvPr id="62" name="Shape 62"/>
+        <p:cNvPr id="1" name="Shape 62"/>
         <p:cNvGrpSpPr/>
         <p:nvPr/>
       </p:nvGrpSpPr>
@@ -1546,9 +1614,11 @@
       <p:sp>
         <p:nvSpPr>
           <p:cNvPr id="63" name="Google Shape;63;g6d24852d0b_0_1065:notes"/>
-          <p:cNvSpPr/>
+          <p:cNvSpPr>
+            <a:spLocks noGrp="1" noRot="1" noChangeAspect="1"/>
+          </p:cNvSpPr>
           <p:nvPr>
-            <p:ph idx="2" type="sldImg"/>
+            <p:ph type="sldImg" idx="2"/>
           </p:nvPr>
         </p:nvSpPr>
         <p:spPr>
@@ -1557,9 +1627,13 @@
             <a:ext cx="6096000" cy="3429000"/>
           </a:xfrm>
           <a:custGeom>
-            <a:rect b="b" l="l" r="r" t="t"/>
+            <a:avLst/>
+            <a:gdLst/>
+            <a:ahLst/>
+            <a:cxnLst/>
+            <a:rect l="l" t="t" r="r" b="b"/>
             <a:pathLst>
-              <a:path extrusionOk="0" h="120000" w="120000">
+              <a:path w="120000" h="120000" extrusionOk="0">
                 <a:moveTo>
                   <a:pt x="0" y="0"/>
                 </a:moveTo>
@@ -1581,9 +1655,11 @@
       <p:sp>
         <p:nvSpPr>
           <p:cNvPr id="64" name="Google Shape;64;g6d24852d0b_0_1065:notes"/>
-          <p:cNvSpPr txBox="1"/>
+          <p:cNvSpPr txBox="1">
+            <a:spLocks noGrp="1"/>
+          </p:cNvSpPr>
           <p:nvPr>
-            <p:ph idx="1" type="body"/>
+            <p:ph type="body" idx="1"/>
           </p:nvPr>
         </p:nvSpPr>
         <p:spPr>
@@ -1596,12 +1672,12 @@
           </a:prstGeom>
         </p:spPr>
         <p:txBody>
-          <a:bodyPr anchorCtr="0" anchor="t" bIns="91425" lIns="91425" spcFirstLastPara="1" rIns="91425" wrap="square" tIns="91425">
+          <a:bodyPr spcFirstLastPara="1" wrap="square" lIns="91425" tIns="91425" rIns="91425" bIns="91425" anchor="t" anchorCtr="0">
             <a:noAutofit/>
           </a:bodyPr>
           <a:lstStyle/>
           <a:p>
-            <a:pPr indent="0" lvl="0" marL="0" rtl="0" algn="l">
+            <a:pPr marL="0" lvl="0" indent="0" algn="l" rtl="0">
               <a:spcBef>
                 <a:spcPts val="0"/>
               </a:spcBef>
@@ -1610,9 +1686,6 @@
               </a:spcAft>
               <a:buNone/>
             </a:pPr>
-            <a:r>
-              <a:t/>
-            </a:r>
             <a:endParaRPr/>
           </a:p>
         </p:txBody>
@@ -1626,11 +1699,11 @@
 </file>
 
 <file path=ppt/notesSlides/notesSlide4.xml><?xml version="1.0" encoding="utf-8"?>
-<p:notes xmlns:a="http://schemas.openxmlformats.org/drawingml/2006/main" xmlns:r="http://schemas.openxmlformats.org/officeDocument/2006/relationships" xmlns:mc="http://schemas.openxmlformats.org/markup-compatibility/2006" xmlns:mv="urn:schemas-microsoft-com:mac:vml" xmlns:p="http://schemas.openxmlformats.org/presentationml/2006/main" xmlns:c="http://schemas.openxmlformats.org/drawingml/2006/chart" xmlns:dgm="http://schemas.openxmlformats.org/drawingml/2006/diagram" xmlns:o="urn:schemas-microsoft-com:office:office" xmlns:v="urn:schemas-microsoft-com:vml" xmlns:pvml="urn:schemas-microsoft-com:office:powerpoint" xmlns:com="http://schemas.openxmlformats.org/drawingml/2006/compatibility" xmlns:p14="http://schemas.microsoft.com/office/powerpoint/2010/main" xmlns:p15="http://schemas.microsoft.com/office/powerpoint/2012/main" showMasterPhAnim="0" showMasterSp="0">
+<p:notes xmlns:a="http://schemas.openxmlformats.org/drawingml/2006/main" xmlns:r="http://schemas.openxmlformats.org/officeDocument/2006/relationships" xmlns:p="http://schemas.openxmlformats.org/presentationml/2006/main" showMasterSp="0" showMasterPhAnim="0">
   <p:cSld>
     <p:spTree>
       <p:nvGrpSpPr>
-        <p:cNvPr id="73" name="Shape 73"/>
+        <p:cNvPr id="1" name="Shape 73"/>
         <p:cNvGrpSpPr/>
         <p:nvPr/>
       </p:nvGrpSpPr>
@@ -1645,9 +1718,11 @@
       <p:sp>
         <p:nvSpPr>
           <p:cNvPr id="74" name="Google Shape;74;g7c11981b94_1_75:notes"/>
-          <p:cNvSpPr/>
+          <p:cNvSpPr>
+            <a:spLocks noGrp="1" noRot="1" noChangeAspect="1"/>
+          </p:cNvSpPr>
           <p:nvPr>
-            <p:ph idx="2" type="sldImg"/>
+            <p:ph type="sldImg" idx="2"/>
           </p:nvPr>
         </p:nvSpPr>
         <p:spPr>
@@ -1656,9 +1731,13 @@
             <a:ext cx="6096000" cy="3429000"/>
           </a:xfrm>
           <a:custGeom>
-            <a:rect b="b" l="l" r="r" t="t"/>
+            <a:avLst/>
+            <a:gdLst/>
+            <a:ahLst/>
+            <a:cxnLst/>
+            <a:rect l="l" t="t" r="r" b="b"/>
             <a:pathLst>
-              <a:path extrusionOk="0" h="120000" w="120000">
+              <a:path w="120000" h="120000" extrusionOk="0">
                 <a:moveTo>
                   <a:pt x="0" y="0"/>
                 </a:moveTo>
@@ -1680,9 +1759,11 @@
       <p:sp>
         <p:nvSpPr>
           <p:cNvPr id="75" name="Google Shape;75;g7c11981b94_1_75:notes"/>
-          <p:cNvSpPr txBox="1"/>
+          <p:cNvSpPr txBox="1">
+            <a:spLocks noGrp="1"/>
+          </p:cNvSpPr>
           <p:nvPr>
-            <p:ph idx="1" type="body"/>
+            <p:ph type="body" idx="1"/>
           </p:nvPr>
         </p:nvSpPr>
         <p:spPr>
@@ -1695,12 +1776,12 @@
           </a:prstGeom>
         </p:spPr>
         <p:txBody>
-          <a:bodyPr anchorCtr="0" anchor="t" bIns="91425" lIns="91425" spcFirstLastPara="1" rIns="91425" wrap="square" tIns="91425">
+          <a:bodyPr spcFirstLastPara="1" wrap="square" lIns="91425" tIns="91425" rIns="91425" bIns="91425" anchor="t" anchorCtr="0">
             <a:noAutofit/>
           </a:bodyPr>
           <a:lstStyle/>
           <a:p>
-            <a:pPr indent="0" lvl="0" marL="0" rtl="0" algn="l">
+            <a:pPr marL="0" lvl="0" indent="0" algn="l" rtl="0">
               <a:spcBef>
                 <a:spcPts val="0"/>
               </a:spcBef>
@@ -1709,9 +1790,6 @@
               </a:spcAft>
               <a:buNone/>
             </a:pPr>
-            <a:r>
-              <a:t/>
-            </a:r>
             <a:endParaRPr/>
           </a:p>
         </p:txBody>
@@ -1725,11 +1803,11 @@
 </file>
 
 <file path=ppt/notesSlides/notesSlide5.xml><?xml version="1.0" encoding="utf-8"?>
-<p:notes xmlns:a="http://schemas.openxmlformats.org/drawingml/2006/main" xmlns:r="http://schemas.openxmlformats.org/officeDocument/2006/relationships" xmlns:mc="http://schemas.openxmlformats.org/markup-compatibility/2006" xmlns:mv="urn:schemas-microsoft-com:mac:vml" xmlns:p="http://schemas.openxmlformats.org/presentationml/2006/main" xmlns:c="http://schemas.openxmlformats.org/drawingml/2006/chart" xmlns:dgm="http://schemas.openxmlformats.org/drawingml/2006/diagram" xmlns:o="urn:schemas-microsoft-com:office:office" xmlns:v="urn:schemas-microsoft-com:vml" xmlns:pvml="urn:schemas-microsoft-com:office:powerpoint" xmlns:com="http://schemas.openxmlformats.org/drawingml/2006/compatibility" xmlns:p14="http://schemas.microsoft.com/office/powerpoint/2010/main" xmlns:p15="http://schemas.microsoft.com/office/powerpoint/2012/main" showMasterPhAnim="0" showMasterSp="0">
+<p:notes xmlns:a="http://schemas.openxmlformats.org/drawingml/2006/main" xmlns:r="http://schemas.openxmlformats.org/officeDocument/2006/relationships" xmlns:p="http://schemas.openxmlformats.org/presentationml/2006/main" showMasterSp="0" showMasterPhAnim="0">
   <p:cSld>
     <p:spTree>
       <p:nvGrpSpPr>
-        <p:cNvPr id="80" name="Shape 80"/>
+        <p:cNvPr id="1" name="Shape 80"/>
         <p:cNvGrpSpPr/>
         <p:nvPr/>
       </p:nvGrpSpPr>
@@ -1744,9 +1822,11 @@
       <p:sp>
         <p:nvSpPr>
           <p:cNvPr id="81" name="Google Shape;81;g7c11981b94_0_5:notes"/>
-          <p:cNvSpPr/>
+          <p:cNvSpPr>
+            <a:spLocks noGrp="1" noRot="1" noChangeAspect="1"/>
+          </p:cNvSpPr>
           <p:nvPr>
-            <p:ph idx="2" type="sldImg"/>
+            <p:ph type="sldImg" idx="2"/>
           </p:nvPr>
         </p:nvSpPr>
         <p:spPr>
@@ -1755,9 +1835,13 @@
             <a:ext cx="6096000" cy="3429000"/>
           </a:xfrm>
           <a:custGeom>
-            <a:rect b="b" l="l" r="r" t="t"/>
+            <a:avLst/>
+            <a:gdLst/>
+            <a:ahLst/>
+            <a:cxnLst/>
+            <a:rect l="l" t="t" r="r" b="b"/>
             <a:pathLst>
-              <a:path extrusionOk="0" h="120000" w="120000">
+              <a:path w="120000" h="120000" extrusionOk="0">
                 <a:moveTo>
                   <a:pt x="0" y="0"/>
                 </a:moveTo>
@@ -1779,9 +1863,11 @@
       <p:sp>
         <p:nvSpPr>
           <p:cNvPr id="82" name="Google Shape;82;g7c11981b94_0_5:notes"/>
-          <p:cNvSpPr txBox="1"/>
+          <p:cNvSpPr txBox="1">
+            <a:spLocks noGrp="1"/>
+          </p:cNvSpPr>
           <p:nvPr>
-            <p:ph idx="1" type="body"/>
+            <p:ph type="body" idx="1"/>
           </p:nvPr>
         </p:nvSpPr>
         <p:spPr>
@@ -1794,12 +1880,12 @@
           </a:prstGeom>
         </p:spPr>
         <p:txBody>
-          <a:bodyPr anchorCtr="0" anchor="t" bIns="91425" lIns="91425" spcFirstLastPara="1" rIns="91425" wrap="square" tIns="91425">
+          <a:bodyPr spcFirstLastPara="1" wrap="square" lIns="91425" tIns="91425" rIns="91425" bIns="91425" anchor="t" anchorCtr="0">
             <a:noAutofit/>
           </a:bodyPr>
           <a:lstStyle/>
           <a:p>
-            <a:pPr indent="0" lvl="0" marL="0" rtl="0" algn="l">
+            <a:pPr marL="0" lvl="0" indent="0" algn="l" rtl="0">
               <a:spcBef>
                 <a:spcPts val="0"/>
               </a:spcBef>
@@ -1808,9 +1894,6 @@
               </a:spcAft>
               <a:buNone/>
             </a:pPr>
-            <a:r>
-              <a:t/>
-            </a:r>
             <a:endParaRPr/>
           </a:p>
         </p:txBody>
@@ -1824,11 +1907,11 @@
 </file>
 
 <file path=ppt/notesSlides/notesSlide6.xml><?xml version="1.0" encoding="utf-8"?>
-<p:notes xmlns:a="http://schemas.openxmlformats.org/drawingml/2006/main" xmlns:r="http://schemas.openxmlformats.org/officeDocument/2006/relationships" xmlns:mc="http://schemas.openxmlformats.org/markup-compatibility/2006" xmlns:mv="urn:schemas-microsoft-com:mac:vml" xmlns:p="http://schemas.openxmlformats.org/presentationml/2006/main" xmlns:c="http://schemas.openxmlformats.org/drawingml/2006/chart" xmlns:dgm="http://schemas.openxmlformats.org/drawingml/2006/diagram" xmlns:o="urn:schemas-microsoft-com:office:office" xmlns:v="urn:schemas-microsoft-com:vml" xmlns:pvml="urn:schemas-microsoft-com:office:powerpoint" xmlns:com="http://schemas.openxmlformats.org/drawingml/2006/compatibility" xmlns:p14="http://schemas.microsoft.com/office/powerpoint/2010/main" xmlns:p15="http://schemas.microsoft.com/office/powerpoint/2012/main" showMasterPhAnim="0" showMasterSp="0">
+<p:notes xmlns:a="http://schemas.openxmlformats.org/drawingml/2006/main" xmlns:r="http://schemas.openxmlformats.org/officeDocument/2006/relationships" xmlns:p="http://schemas.openxmlformats.org/presentationml/2006/main" showMasterSp="0" showMasterPhAnim="0">
   <p:cSld>
     <p:spTree>
       <p:nvGrpSpPr>
-        <p:cNvPr id="87" name="Shape 87"/>
+        <p:cNvPr id="1" name="Shape 87"/>
         <p:cNvGrpSpPr/>
         <p:nvPr/>
       </p:nvGrpSpPr>
@@ -1843,9 +1926,11 @@
       <p:sp>
         <p:nvSpPr>
           <p:cNvPr id="88" name="Google Shape;88;g7c110dab50_0_3:notes"/>
-          <p:cNvSpPr/>
+          <p:cNvSpPr>
+            <a:spLocks noGrp="1" noRot="1" noChangeAspect="1"/>
+          </p:cNvSpPr>
           <p:nvPr>
-            <p:ph idx="2" type="sldImg"/>
+            <p:ph type="sldImg" idx="2"/>
           </p:nvPr>
         </p:nvSpPr>
         <p:spPr>
@@ -1854,9 +1939,13 @@
             <a:ext cx="6096000" cy="3429000"/>
           </a:xfrm>
           <a:custGeom>
-            <a:rect b="b" l="l" r="r" t="t"/>
+            <a:avLst/>
+            <a:gdLst/>
+            <a:ahLst/>
+            <a:cxnLst/>
+            <a:rect l="l" t="t" r="r" b="b"/>
             <a:pathLst>
-              <a:path extrusionOk="0" h="120000" w="120000">
+              <a:path w="120000" h="120000" extrusionOk="0">
                 <a:moveTo>
                   <a:pt x="0" y="0"/>
                 </a:moveTo>
@@ -1878,9 +1967,11 @@
       <p:sp>
         <p:nvSpPr>
           <p:cNvPr id="89" name="Google Shape;89;g7c110dab50_0_3:notes"/>
-          <p:cNvSpPr txBox="1"/>
+          <p:cNvSpPr txBox="1">
+            <a:spLocks noGrp="1"/>
+          </p:cNvSpPr>
           <p:nvPr>
-            <p:ph idx="1" type="body"/>
+            <p:ph type="body" idx="1"/>
           </p:nvPr>
         </p:nvSpPr>
         <p:spPr>
@@ -1893,12 +1984,12 @@
           </a:prstGeom>
         </p:spPr>
         <p:txBody>
-          <a:bodyPr anchorCtr="0" anchor="t" bIns="91425" lIns="91425" spcFirstLastPara="1" rIns="91425" wrap="square" tIns="91425">
+          <a:bodyPr spcFirstLastPara="1" wrap="square" lIns="91425" tIns="91425" rIns="91425" bIns="91425" anchor="t" anchorCtr="0">
             <a:noAutofit/>
           </a:bodyPr>
           <a:lstStyle/>
           <a:p>
-            <a:pPr indent="0" lvl="0" marL="0" rtl="0" algn="l">
+            <a:pPr marL="0" lvl="0" indent="0" algn="l" rtl="0">
               <a:spcBef>
                 <a:spcPts val="0"/>
               </a:spcBef>
@@ -1909,16 +2000,12 @@
             </a:pPr>
             <a:r>
               <a:rPr lang="ko"/>
-              <a:t>csv 파일</a:t>
-            </a:r>
-            <a:r>
-              <a:rPr lang="ko"/>
-              <a:t>을 가지고 와서 list로 변환한 다음에 PIL (pillow)를 이용하여 image file로 만들기 위해 numpy array로 변환한 다음 Image resize를 통해 저장을 하였다.</a:t>
+              <a:t>csv 파일을 가지고 와서 list로 변환한 다음에 PIL (pillow)를 이용하여 image file로 만들기 위해 numpy array로 변환한 다음 Image resize를 통해 저장을 하였다.</a:t>
             </a:r>
             <a:endParaRPr/>
           </a:p>
           <a:p>
-            <a:pPr indent="0" lvl="0" marL="0" rtl="0" algn="l">
+            <a:pPr marL="0" lvl="0" indent="0" algn="l" rtl="0">
               <a:spcBef>
                 <a:spcPts val="0"/>
               </a:spcBef>
@@ -1944,11 +2031,11 @@
 </file>
 
 <file path=ppt/notesSlides/notesSlide7.xml><?xml version="1.0" encoding="utf-8"?>
-<p:notes xmlns:a="http://schemas.openxmlformats.org/drawingml/2006/main" xmlns:r="http://schemas.openxmlformats.org/officeDocument/2006/relationships" xmlns:mc="http://schemas.openxmlformats.org/markup-compatibility/2006" xmlns:mv="urn:schemas-microsoft-com:mac:vml" xmlns:p="http://schemas.openxmlformats.org/presentationml/2006/main" xmlns:c="http://schemas.openxmlformats.org/drawingml/2006/chart" xmlns:dgm="http://schemas.openxmlformats.org/drawingml/2006/diagram" xmlns:o="urn:schemas-microsoft-com:office:office" xmlns:v="urn:schemas-microsoft-com:vml" xmlns:pvml="urn:schemas-microsoft-com:office:powerpoint" xmlns:com="http://schemas.openxmlformats.org/drawingml/2006/compatibility" xmlns:p14="http://schemas.microsoft.com/office/powerpoint/2010/main" xmlns:p15="http://schemas.microsoft.com/office/powerpoint/2012/main" showMasterPhAnim="0" showMasterSp="0">
+<p:notes xmlns:a="http://schemas.openxmlformats.org/drawingml/2006/main" xmlns:r="http://schemas.openxmlformats.org/officeDocument/2006/relationships" xmlns:p="http://schemas.openxmlformats.org/presentationml/2006/main" showMasterSp="0" showMasterPhAnim="0">
   <p:cSld>
     <p:spTree>
       <p:nvGrpSpPr>
-        <p:cNvPr id="94" name="Shape 94"/>
+        <p:cNvPr id="1" name="Shape 94"/>
         <p:cNvGrpSpPr/>
         <p:nvPr/>
       </p:nvGrpSpPr>
@@ -1963,9 +2050,11 @@
       <p:sp>
         <p:nvSpPr>
           <p:cNvPr id="95" name="Google Shape;95;g7c11981b94_1_16:notes"/>
-          <p:cNvSpPr/>
+          <p:cNvSpPr>
+            <a:spLocks noGrp="1" noRot="1" noChangeAspect="1"/>
+          </p:cNvSpPr>
           <p:nvPr>
-            <p:ph idx="2" type="sldImg"/>
+            <p:ph type="sldImg" idx="2"/>
           </p:nvPr>
         </p:nvSpPr>
         <p:spPr>
@@ -1974,9 +2063,13 @@
             <a:ext cx="6096000" cy="3429000"/>
           </a:xfrm>
           <a:custGeom>
-            <a:rect b="b" l="l" r="r" t="t"/>
+            <a:avLst/>
+            <a:gdLst/>
+            <a:ahLst/>
+            <a:cxnLst/>
+            <a:rect l="l" t="t" r="r" b="b"/>
             <a:pathLst>
-              <a:path extrusionOk="0" h="120000" w="120000">
+              <a:path w="120000" h="120000" extrusionOk="0">
                 <a:moveTo>
                   <a:pt x="0" y="0"/>
                 </a:moveTo>
@@ -1998,9 +2091,11 @@
       <p:sp>
         <p:nvSpPr>
           <p:cNvPr id="96" name="Google Shape;96;g7c11981b94_1_16:notes"/>
-          <p:cNvSpPr txBox="1"/>
+          <p:cNvSpPr txBox="1">
+            <a:spLocks noGrp="1"/>
+          </p:cNvSpPr>
           <p:nvPr>
-            <p:ph idx="1" type="body"/>
+            <p:ph type="body" idx="1"/>
           </p:nvPr>
         </p:nvSpPr>
         <p:spPr>
@@ -2013,12 +2108,12 @@
           </a:prstGeom>
         </p:spPr>
         <p:txBody>
-          <a:bodyPr anchorCtr="0" anchor="t" bIns="91425" lIns="91425" spcFirstLastPara="1" rIns="91425" wrap="square" tIns="91425">
+          <a:bodyPr spcFirstLastPara="1" wrap="square" lIns="91425" tIns="91425" rIns="91425" bIns="91425" anchor="t" anchorCtr="0">
             <a:noAutofit/>
           </a:bodyPr>
           <a:lstStyle/>
           <a:p>
-            <a:pPr indent="0" lvl="0" marL="0" rtl="0" algn="l">
+            <a:pPr marL="0" lvl="0" indent="0" algn="l" rtl="0">
               <a:spcBef>
                 <a:spcPts val="0"/>
               </a:spcBef>
@@ -2034,7 +2129,7 @@
             <a:endParaRPr/>
           </a:p>
           <a:p>
-            <a:pPr indent="0" lvl="0" marL="0" rtl="0" algn="l">
+            <a:pPr marL="0" lvl="0" indent="0" algn="l" rtl="0">
               <a:spcBef>
                 <a:spcPts val="0"/>
               </a:spcBef>
@@ -2050,7 +2145,7 @@
             <a:endParaRPr/>
           </a:p>
           <a:p>
-            <a:pPr indent="0" lvl="0" marL="0" rtl="0" algn="l">
+            <a:pPr marL="0" lvl="0" indent="0" algn="l" rtl="0">
               <a:spcBef>
                 <a:spcPts val="0"/>
               </a:spcBef>
@@ -2076,11 +2171,11 @@
 </file>
 
 <file path=ppt/notesSlides/notesSlide8.xml><?xml version="1.0" encoding="utf-8"?>
-<p:notes xmlns:a="http://schemas.openxmlformats.org/drawingml/2006/main" xmlns:r="http://schemas.openxmlformats.org/officeDocument/2006/relationships" xmlns:mc="http://schemas.openxmlformats.org/markup-compatibility/2006" xmlns:mv="urn:schemas-microsoft-com:mac:vml" xmlns:p="http://schemas.openxmlformats.org/presentationml/2006/main" xmlns:c="http://schemas.openxmlformats.org/drawingml/2006/chart" xmlns:dgm="http://schemas.openxmlformats.org/drawingml/2006/diagram" xmlns:o="urn:schemas-microsoft-com:office:office" xmlns:v="urn:schemas-microsoft-com:vml" xmlns:pvml="urn:schemas-microsoft-com:office:powerpoint" xmlns:com="http://schemas.openxmlformats.org/drawingml/2006/compatibility" xmlns:p14="http://schemas.microsoft.com/office/powerpoint/2010/main" xmlns:p15="http://schemas.microsoft.com/office/powerpoint/2012/main" showMasterPhAnim="0" showMasterSp="0">
+<p:notes xmlns:a="http://schemas.openxmlformats.org/drawingml/2006/main" xmlns:r="http://schemas.openxmlformats.org/officeDocument/2006/relationships" xmlns:p="http://schemas.openxmlformats.org/presentationml/2006/main" showMasterSp="0" showMasterPhAnim="0">
   <p:cSld>
     <p:spTree>
       <p:nvGrpSpPr>
-        <p:cNvPr id="101" name="Shape 101"/>
+        <p:cNvPr id="1" name="Shape 101"/>
         <p:cNvGrpSpPr/>
         <p:nvPr/>
       </p:nvGrpSpPr>
@@ -2095,9 +2190,11 @@
       <p:sp>
         <p:nvSpPr>
           <p:cNvPr id="102" name="Google Shape;102;g7c11981b94_1_83:notes"/>
-          <p:cNvSpPr/>
+          <p:cNvSpPr>
+            <a:spLocks noGrp="1" noRot="1" noChangeAspect="1"/>
+          </p:cNvSpPr>
           <p:nvPr>
-            <p:ph idx="2" type="sldImg"/>
+            <p:ph type="sldImg" idx="2"/>
           </p:nvPr>
         </p:nvSpPr>
         <p:spPr>
@@ -2106,9 +2203,13 @@
             <a:ext cx="6096000" cy="3429000"/>
           </a:xfrm>
           <a:custGeom>
-            <a:rect b="b" l="l" r="r" t="t"/>
+            <a:avLst/>
+            <a:gdLst/>
+            <a:ahLst/>
+            <a:cxnLst/>
+            <a:rect l="l" t="t" r="r" b="b"/>
             <a:pathLst>
-              <a:path extrusionOk="0" h="120000" w="120000">
+              <a:path w="120000" h="120000" extrusionOk="0">
                 <a:moveTo>
                   <a:pt x="0" y="0"/>
                 </a:moveTo>
@@ -2130,9 +2231,11 @@
       <p:sp>
         <p:nvSpPr>
           <p:cNvPr id="103" name="Google Shape;103;g7c11981b94_1_83:notes"/>
-          <p:cNvSpPr txBox="1"/>
+          <p:cNvSpPr txBox="1">
+            <a:spLocks noGrp="1"/>
+          </p:cNvSpPr>
           <p:nvPr>
-            <p:ph idx="1" type="body"/>
+            <p:ph type="body" idx="1"/>
           </p:nvPr>
         </p:nvSpPr>
         <p:spPr>
@@ -2145,12 +2248,12 @@
           </a:prstGeom>
         </p:spPr>
         <p:txBody>
-          <a:bodyPr anchorCtr="0" anchor="t" bIns="91425" lIns="91425" spcFirstLastPara="1" rIns="91425" wrap="square" tIns="91425">
+          <a:bodyPr spcFirstLastPara="1" wrap="square" lIns="91425" tIns="91425" rIns="91425" bIns="91425" anchor="t" anchorCtr="0">
             <a:noAutofit/>
           </a:bodyPr>
           <a:lstStyle/>
           <a:p>
-            <a:pPr indent="0" lvl="0" marL="0" rtl="0" algn="l">
+            <a:pPr marL="0" lvl="0" indent="0" algn="l" rtl="0">
               <a:spcBef>
                 <a:spcPts val="0"/>
               </a:spcBef>
@@ -2166,7 +2269,7 @@
             <a:endParaRPr/>
           </a:p>
           <a:p>
-            <a:pPr indent="0" lvl="0" marL="0" rtl="0" algn="l">
+            <a:pPr marL="0" lvl="0" indent="0" algn="l" rtl="0">
               <a:spcBef>
                 <a:spcPts val="0"/>
               </a:spcBef>
@@ -2182,7 +2285,7 @@
             <a:endParaRPr/>
           </a:p>
           <a:p>
-            <a:pPr indent="0" lvl="0" marL="0" rtl="0" algn="l">
+            <a:pPr marL="0" lvl="0" indent="0" algn="l" rtl="0">
               <a:spcBef>
                 <a:spcPts val="0"/>
               </a:spcBef>
@@ -2208,11 +2311,11 @@
 </file>
 
 <file path=ppt/notesSlides/notesSlide9.xml><?xml version="1.0" encoding="utf-8"?>
-<p:notes xmlns:a="http://schemas.openxmlformats.org/drawingml/2006/main" xmlns:r="http://schemas.openxmlformats.org/officeDocument/2006/relationships" xmlns:mc="http://schemas.openxmlformats.org/markup-compatibility/2006" xmlns:mv="urn:schemas-microsoft-com:mac:vml" xmlns:p="http://schemas.openxmlformats.org/presentationml/2006/main" xmlns:c="http://schemas.openxmlformats.org/drawingml/2006/chart" xmlns:dgm="http://schemas.openxmlformats.org/drawingml/2006/diagram" xmlns:o="urn:schemas-microsoft-com:office:office" xmlns:v="urn:schemas-microsoft-com:vml" xmlns:pvml="urn:schemas-microsoft-com:office:powerpoint" xmlns:com="http://schemas.openxmlformats.org/drawingml/2006/compatibility" xmlns:p14="http://schemas.microsoft.com/office/powerpoint/2010/main" xmlns:p15="http://schemas.microsoft.com/office/powerpoint/2012/main" showMasterPhAnim="0" showMasterSp="0">
+<p:notes xmlns:a="http://schemas.openxmlformats.org/drawingml/2006/main" xmlns:r="http://schemas.openxmlformats.org/officeDocument/2006/relationships" xmlns:p="http://schemas.openxmlformats.org/presentationml/2006/main" showMasterSp="0" showMasterPhAnim="0">
   <p:cSld>
     <p:spTree>
       <p:nvGrpSpPr>
-        <p:cNvPr id="108" name="Shape 108"/>
+        <p:cNvPr id="1" name="Shape 108"/>
         <p:cNvGrpSpPr/>
         <p:nvPr/>
       </p:nvGrpSpPr>
@@ -2227,9 +2330,11 @@
       <p:sp>
         <p:nvSpPr>
           <p:cNvPr id="109" name="Google Shape;109;g6d24852d0b_0_1060:notes"/>
-          <p:cNvSpPr/>
+          <p:cNvSpPr>
+            <a:spLocks noGrp="1" noRot="1" noChangeAspect="1"/>
+          </p:cNvSpPr>
           <p:nvPr>
-            <p:ph idx="2" type="sldImg"/>
+            <p:ph type="sldImg" idx="2"/>
           </p:nvPr>
         </p:nvSpPr>
         <p:spPr>
@@ -2238,9 +2343,13 @@
             <a:ext cx="6096000" cy="3429000"/>
           </a:xfrm>
           <a:custGeom>
-            <a:rect b="b" l="l" r="r" t="t"/>
+            <a:avLst/>
+            <a:gdLst/>
+            <a:ahLst/>
+            <a:cxnLst/>
+            <a:rect l="l" t="t" r="r" b="b"/>
             <a:pathLst>
-              <a:path extrusionOk="0" h="120000" w="120000">
+              <a:path w="120000" h="120000" extrusionOk="0">
                 <a:moveTo>
                   <a:pt x="0" y="0"/>
                 </a:moveTo>
@@ -2262,9 +2371,11 @@
       <p:sp>
         <p:nvSpPr>
           <p:cNvPr id="110" name="Google Shape;110;g6d24852d0b_0_1060:notes"/>
-          <p:cNvSpPr txBox="1"/>
+          <p:cNvSpPr txBox="1">
+            <a:spLocks noGrp="1"/>
+          </p:cNvSpPr>
           <p:nvPr>
-            <p:ph idx="1" type="body"/>
+            <p:ph type="body" idx="1"/>
           </p:nvPr>
         </p:nvSpPr>
         <p:spPr>
@@ -2277,12 +2388,12 @@
           </a:prstGeom>
         </p:spPr>
         <p:txBody>
-          <a:bodyPr anchorCtr="0" anchor="t" bIns="91425" lIns="91425" spcFirstLastPara="1" rIns="91425" wrap="square" tIns="91425">
+          <a:bodyPr spcFirstLastPara="1" wrap="square" lIns="91425" tIns="91425" rIns="91425" bIns="91425" anchor="t" anchorCtr="0">
             <a:noAutofit/>
           </a:bodyPr>
           <a:lstStyle/>
           <a:p>
-            <a:pPr indent="0" lvl="0" marL="0" rtl="0" algn="l">
+            <a:pPr marL="0" lvl="0" indent="0" algn="l" rtl="0">
               <a:spcBef>
                 <a:spcPts val="0"/>
               </a:spcBef>
@@ -2298,7 +2409,7 @@
             <a:endParaRPr/>
           </a:p>
           <a:p>
-            <a:pPr indent="0" lvl="0" marL="0" rtl="0" algn="l">
+            <a:pPr marL="0" lvl="0" indent="0" algn="l" rtl="0">
               <a:spcBef>
                 <a:spcPts val="0"/>
               </a:spcBef>
@@ -2314,7 +2425,7 @@
             <a:endParaRPr/>
           </a:p>
           <a:p>
-            <a:pPr indent="0" lvl="0" marL="0" rtl="0" algn="l">
+            <a:pPr marL="0" lvl="0" indent="0" algn="l" rtl="0">
               <a:spcBef>
                 <a:spcPts val="0"/>
               </a:spcBef>
@@ -2342,7 +2453,7 @@
             <a:endParaRPr/>
           </a:p>
           <a:p>
-            <a:pPr indent="0" lvl="0" marL="0" rtl="0" algn="l">
+            <a:pPr marL="0" lvl="0" indent="0" algn="l" rtl="0">
               <a:spcBef>
                 <a:spcPts val="0"/>
               </a:spcBef>
@@ -2368,11 +2479,11 @@
 </file>
 
 <file path=ppt/slideLayouts/slideLayout1.xml><?xml version="1.0" encoding="utf-8"?>
-<p:sldLayout xmlns:a="http://schemas.openxmlformats.org/drawingml/2006/main" xmlns:r="http://schemas.openxmlformats.org/officeDocument/2006/relationships" xmlns:mc="http://schemas.openxmlformats.org/markup-compatibility/2006" xmlns:mv="urn:schemas-microsoft-com:mac:vml" xmlns:p="http://schemas.openxmlformats.org/presentationml/2006/main" xmlns:c="http://schemas.openxmlformats.org/drawingml/2006/chart" xmlns:dgm="http://schemas.openxmlformats.org/drawingml/2006/diagram" xmlns:o="urn:schemas-microsoft-com:office:office" xmlns:v="urn:schemas-microsoft-com:vml" xmlns:pvml="urn:schemas-microsoft-com:office:powerpoint" xmlns:com="http://schemas.openxmlformats.org/drawingml/2006/compatibility" xmlns:p14="http://schemas.microsoft.com/office/powerpoint/2010/main" xmlns:p15="http://schemas.microsoft.com/office/powerpoint/2012/main" matchingName="Title slide" type="title">
+<p:sldLayout xmlns:a="http://schemas.openxmlformats.org/drawingml/2006/main" xmlns:r="http://schemas.openxmlformats.org/officeDocument/2006/relationships" xmlns:p="http://schemas.openxmlformats.org/presentationml/2006/main" matchingName="Title slide" type="title">
   <p:cSld name="TITLE">
     <p:spTree>
       <p:nvGrpSpPr>
-        <p:cNvPr id="9" name="Shape 9"/>
+        <p:cNvPr id="1" name="Shape 9"/>
         <p:cNvGrpSpPr/>
         <p:nvPr/>
       </p:nvGrpSpPr>
@@ -2387,7 +2498,9 @@
       <p:sp>
         <p:nvSpPr>
           <p:cNvPr id="10" name="Google Shape;10;p2"/>
-          <p:cNvSpPr txBox="1"/>
+          <p:cNvSpPr txBox="1">
+            <a:spLocks noGrp="1"/>
+          </p:cNvSpPr>
           <p:nvPr>
             <p:ph type="ctrTitle"/>
           </p:nvPr>
@@ -2402,7 +2515,7 @@
           </a:prstGeom>
         </p:spPr>
         <p:txBody>
-          <a:bodyPr anchorCtr="0" anchor="b" bIns="91425" lIns="91425" spcFirstLastPara="1" rIns="91425" wrap="square" tIns="91425">
+          <a:bodyPr spcFirstLastPara="1" wrap="square" lIns="91425" tIns="91425" rIns="91425" bIns="91425" anchor="b" anchorCtr="0">
             <a:noAutofit/>
           </a:bodyPr>
           <a:lstStyle>
@@ -2506,15 +2619,19 @@
               <a:defRPr sz="5200"/>
             </a:lvl9pPr>
           </a:lstStyle>
-          <a:p/>
+          <a:p>
+            <a:endParaRPr/>
+          </a:p>
         </p:txBody>
       </p:sp>
       <p:sp>
         <p:nvSpPr>
           <p:cNvPr id="11" name="Google Shape;11;p2"/>
-          <p:cNvSpPr txBox="1"/>
+          <p:cNvSpPr txBox="1">
+            <a:spLocks noGrp="1"/>
+          </p:cNvSpPr>
           <p:nvPr>
-            <p:ph idx="1" type="subTitle"/>
+            <p:ph type="subTitle" idx="1"/>
           </p:nvPr>
         </p:nvSpPr>
         <p:spPr>
@@ -2527,7 +2644,7 @@
           </a:prstGeom>
         </p:spPr>
         <p:txBody>
-          <a:bodyPr anchorCtr="0" anchor="t" bIns="91425" lIns="91425" spcFirstLastPara="1" rIns="91425" wrap="square" tIns="91425">
+          <a:bodyPr spcFirstLastPara="1" wrap="square" lIns="91425" tIns="91425" rIns="91425" bIns="91425" anchor="t" anchorCtr="0">
             <a:noAutofit/>
           </a:bodyPr>
           <a:lstStyle>
@@ -2658,15 +2775,19 @@
               <a:defRPr sz="2800"/>
             </a:lvl9pPr>
           </a:lstStyle>
-          <a:p/>
+          <a:p>
+            <a:endParaRPr/>
+          </a:p>
         </p:txBody>
       </p:sp>
       <p:sp>
         <p:nvSpPr>
           <p:cNvPr id="12" name="Google Shape;12;p2"/>
-          <p:cNvSpPr txBox="1"/>
+          <p:cNvSpPr txBox="1">
+            <a:spLocks noGrp="1"/>
+          </p:cNvSpPr>
           <p:nvPr>
-            <p:ph idx="12" type="sldNum"/>
+            <p:ph type="sldNum" idx="12"/>
           </p:nvPr>
         </p:nvSpPr>
         <p:spPr>
@@ -2679,7 +2800,7 @@
           </a:prstGeom>
         </p:spPr>
         <p:txBody>
-          <a:bodyPr anchorCtr="0" anchor="ctr" bIns="91425" lIns="91425" spcFirstLastPara="1" rIns="91425" wrap="square" tIns="91425">
+          <a:bodyPr spcFirstLastPara="1" wrap="square" lIns="91425" tIns="91425" rIns="91425" bIns="91425" anchor="ctr" anchorCtr="0">
             <a:noAutofit/>
           </a:bodyPr>
           <a:lstStyle>
@@ -2721,7 +2842,7 @@
             </a:lvl9pPr>
           </a:lstStyle>
           <a:p>
-            <a:pPr indent="0" lvl="0" marL="0" rtl="0" algn="r">
+            <a:pPr marL="0" lvl="0" indent="0" algn="r" rtl="0">
               <a:spcBef>
                 <a:spcPts val="0"/>
               </a:spcBef>
@@ -2747,11 +2868,11 @@
 </file>
 
 <file path=ppt/slideLayouts/slideLayout10.xml><?xml version="1.0" encoding="utf-8"?>
-<p:sldLayout xmlns:a="http://schemas.openxmlformats.org/drawingml/2006/main" xmlns:r="http://schemas.openxmlformats.org/officeDocument/2006/relationships" xmlns:mc="http://schemas.openxmlformats.org/markup-compatibility/2006" xmlns:mv="urn:schemas-microsoft-com:mac:vml" xmlns:p="http://schemas.openxmlformats.org/presentationml/2006/main" xmlns:c="http://schemas.openxmlformats.org/drawingml/2006/chart" xmlns:dgm="http://schemas.openxmlformats.org/drawingml/2006/diagram" xmlns:o="urn:schemas-microsoft-com:office:office" xmlns:v="urn:schemas-microsoft-com:vml" xmlns:pvml="urn:schemas-microsoft-com:office:powerpoint" xmlns:com="http://schemas.openxmlformats.org/drawingml/2006/compatibility" xmlns:p14="http://schemas.microsoft.com/office/powerpoint/2010/main" xmlns:p15="http://schemas.microsoft.com/office/powerpoint/2012/main" matchingName="Big number">
+<p:sldLayout xmlns:a="http://schemas.openxmlformats.org/drawingml/2006/main" xmlns:r="http://schemas.openxmlformats.org/officeDocument/2006/relationships" xmlns:p="http://schemas.openxmlformats.org/presentationml/2006/main" matchingName="Big number">
   <p:cSld name="BIG_NUMBER">
     <p:spTree>
       <p:nvGrpSpPr>
-        <p:cNvPr id="44" name="Shape 44"/>
+        <p:cNvPr id="1" name="Shape 44"/>
         <p:cNvGrpSpPr/>
         <p:nvPr/>
       </p:nvGrpSpPr>
@@ -2766,9 +2887,11 @@
       <p:sp>
         <p:nvSpPr>
           <p:cNvPr id="45" name="Google Shape;45;p11"/>
-          <p:cNvSpPr txBox="1"/>
+          <p:cNvSpPr txBox="1">
+            <a:spLocks noGrp="1"/>
+          </p:cNvSpPr>
           <p:nvPr>
-            <p:ph hasCustomPrompt="1" type="title"/>
+            <p:ph type="title" hasCustomPrompt="1"/>
           </p:nvPr>
         </p:nvSpPr>
         <p:spPr>
@@ -2781,7 +2904,7 @@
           </a:prstGeom>
         </p:spPr>
         <p:txBody>
-          <a:bodyPr anchorCtr="0" anchor="b" bIns="91425" lIns="91425" spcFirstLastPara="1" rIns="91425" wrap="square" tIns="91425">
+          <a:bodyPr spcFirstLastPara="1" wrap="square" lIns="91425" tIns="91425" rIns="91425" bIns="91425" anchor="b" anchorCtr="0">
             <a:noAutofit/>
           </a:bodyPr>
           <a:lstStyle>
@@ -2895,9 +3018,11 @@
       <p:sp>
         <p:nvSpPr>
           <p:cNvPr id="46" name="Google Shape;46;p11"/>
-          <p:cNvSpPr txBox="1"/>
+          <p:cNvSpPr txBox="1">
+            <a:spLocks noGrp="1"/>
+          </p:cNvSpPr>
           <p:nvPr>
-            <p:ph idx="1" type="body"/>
+            <p:ph type="body" idx="1"/>
           </p:nvPr>
         </p:nvSpPr>
         <p:spPr>
@@ -2910,11 +3035,11 @@
           </a:prstGeom>
         </p:spPr>
         <p:txBody>
-          <a:bodyPr anchorCtr="0" anchor="t" bIns="91425" lIns="91425" spcFirstLastPara="1" rIns="91425" wrap="square" tIns="91425">
+          <a:bodyPr spcFirstLastPara="1" wrap="square" lIns="91425" tIns="91425" rIns="91425" bIns="91425" anchor="t" anchorCtr="0">
             <a:noAutofit/>
           </a:bodyPr>
           <a:lstStyle>
-            <a:lvl1pPr indent="-342900" lvl="0" marL="457200" algn="ctr">
+            <a:lvl1pPr marL="457200" lvl="0" indent="-342900" algn="ctr">
               <a:spcBef>
                 <a:spcPts val="0"/>
               </a:spcBef>
@@ -2925,7 +3050,7 @@
               <a:buChar char="●"/>
               <a:defRPr/>
             </a:lvl1pPr>
-            <a:lvl2pPr indent="-317500" lvl="1" marL="914400" algn="ctr">
+            <a:lvl2pPr marL="914400" lvl="1" indent="-317500" algn="ctr">
               <a:spcBef>
                 <a:spcPts val="1600"/>
               </a:spcBef>
@@ -2936,7 +3061,7 @@
               <a:buChar char="○"/>
               <a:defRPr/>
             </a:lvl2pPr>
-            <a:lvl3pPr indent="-317500" lvl="2" marL="1371600" algn="ctr">
+            <a:lvl3pPr marL="1371600" lvl="2" indent="-317500" algn="ctr">
               <a:spcBef>
                 <a:spcPts val="1600"/>
               </a:spcBef>
@@ -2947,7 +3072,7 @@
               <a:buChar char="■"/>
               <a:defRPr/>
             </a:lvl3pPr>
-            <a:lvl4pPr indent="-317500" lvl="3" marL="1828800" algn="ctr">
+            <a:lvl4pPr marL="1828800" lvl="3" indent="-317500" algn="ctr">
               <a:spcBef>
                 <a:spcPts val="1600"/>
               </a:spcBef>
@@ -2958,7 +3083,7 @@
               <a:buChar char="●"/>
               <a:defRPr/>
             </a:lvl4pPr>
-            <a:lvl5pPr indent="-317500" lvl="4" marL="2286000" algn="ctr">
+            <a:lvl5pPr marL="2286000" lvl="4" indent="-317500" algn="ctr">
               <a:spcBef>
                 <a:spcPts val="1600"/>
               </a:spcBef>
@@ -2969,7 +3094,7 @@
               <a:buChar char="○"/>
               <a:defRPr/>
             </a:lvl5pPr>
-            <a:lvl6pPr indent="-317500" lvl="5" marL="2743200" algn="ctr">
+            <a:lvl6pPr marL="2743200" lvl="5" indent="-317500" algn="ctr">
               <a:spcBef>
                 <a:spcPts val="1600"/>
               </a:spcBef>
@@ -2980,7 +3105,7 @@
               <a:buChar char="■"/>
               <a:defRPr/>
             </a:lvl6pPr>
-            <a:lvl7pPr indent="-317500" lvl="6" marL="3200400" algn="ctr">
+            <a:lvl7pPr marL="3200400" lvl="6" indent="-317500" algn="ctr">
               <a:spcBef>
                 <a:spcPts val="1600"/>
               </a:spcBef>
@@ -2991,7 +3116,7 @@
               <a:buChar char="●"/>
               <a:defRPr/>
             </a:lvl7pPr>
-            <a:lvl8pPr indent="-317500" lvl="7" marL="3657600" algn="ctr">
+            <a:lvl8pPr marL="3657600" lvl="7" indent="-317500" algn="ctr">
               <a:spcBef>
                 <a:spcPts val="1600"/>
               </a:spcBef>
@@ -3002,7 +3127,7 @@
               <a:buChar char="○"/>
               <a:defRPr/>
             </a:lvl8pPr>
-            <a:lvl9pPr indent="-317500" lvl="8" marL="4114800" algn="ctr">
+            <a:lvl9pPr marL="4114800" lvl="8" indent="-317500" algn="ctr">
               <a:spcBef>
                 <a:spcPts val="1600"/>
               </a:spcBef>
@@ -3014,15 +3139,19 @@
               <a:defRPr/>
             </a:lvl9pPr>
           </a:lstStyle>
-          <a:p/>
+          <a:p>
+            <a:endParaRPr/>
+          </a:p>
         </p:txBody>
       </p:sp>
       <p:sp>
         <p:nvSpPr>
           <p:cNvPr id="47" name="Google Shape;47;p11"/>
-          <p:cNvSpPr txBox="1"/>
+          <p:cNvSpPr txBox="1">
+            <a:spLocks noGrp="1"/>
+          </p:cNvSpPr>
           <p:nvPr>
-            <p:ph idx="12" type="sldNum"/>
+            <p:ph type="sldNum" idx="12"/>
           </p:nvPr>
         </p:nvSpPr>
         <p:spPr>
@@ -3035,7 +3164,7 @@
           </a:prstGeom>
         </p:spPr>
         <p:txBody>
-          <a:bodyPr anchorCtr="0" anchor="ctr" bIns="91425" lIns="91425" spcFirstLastPara="1" rIns="91425" wrap="square" tIns="91425">
+          <a:bodyPr spcFirstLastPara="1" wrap="square" lIns="91425" tIns="91425" rIns="91425" bIns="91425" anchor="ctr" anchorCtr="0">
             <a:noAutofit/>
           </a:bodyPr>
           <a:lstStyle>
@@ -3077,7 +3206,7 @@
             </a:lvl9pPr>
           </a:lstStyle>
           <a:p>
-            <a:pPr indent="0" lvl="0" marL="0" rtl="0" algn="r">
+            <a:pPr marL="0" lvl="0" indent="0" algn="r" rtl="0">
               <a:spcBef>
                 <a:spcPts val="0"/>
               </a:spcBef>
@@ -3103,11 +3232,11 @@
 </file>
 
 <file path=ppt/slideLayouts/slideLayout11.xml><?xml version="1.0" encoding="utf-8"?>
-<p:sldLayout xmlns:a="http://schemas.openxmlformats.org/drawingml/2006/main" xmlns:r="http://schemas.openxmlformats.org/officeDocument/2006/relationships" xmlns:mc="http://schemas.openxmlformats.org/markup-compatibility/2006" xmlns:mv="urn:schemas-microsoft-com:mac:vml" xmlns:p="http://schemas.openxmlformats.org/presentationml/2006/main" xmlns:c="http://schemas.openxmlformats.org/drawingml/2006/chart" xmlns:dgm="http://schemas.openxmlformats.org/drawingml/2006/diagram" xmlns:o="urn:schemas-microsoft-com:office:office" xmlns:v="urn:schemas-microsoft-com:vml" xmlns:pvml="urn:schemas-microsoft-com:office:powerpoint" xmlns:com="http://schemas.openxmlformats.org/drawingml/2006/compatibility" xmlns:p14="http://schemas.microsoft.com/office/powerpoint/2010/main" xmlns:p15="http://schemas.microsoft.com/office/powerpoint/2012/main" matchingName="Blank" type="blank">
+<p:sldLayout xmlns:a="http://schemas.openxmlformats.org/drawingml/2006/main" xmlns:r="http://schemas.openxmlformats.org/officeDocument/2006/relationships" xmlns:p="http://schemas.openxmlformats.org/presentationml/2006/main" matchingName="Blank" type="blank">
   <p:cSld name="BLANK">
     <p:spTree>
       <p:nvGrpSpPr>
-        <p:cNvPr id="48" name="Shape 48"/>
+        <p:cNvPr id="1" name="Shape 48"/>
         <p:cNvGrpSpPr/>
         <p:nvPr/>
       </p:nvGrpSpPr>
@@ -3122,9 +3251,11 @@
       <p:sp>
         <p:nvSpPr>
           <p:cNvPr id="49" name="Google Shape;49;p12"/>
-          <p:cNvSpPr txBox="1"/>
+          <p:cNvSpPr txBox="1">
+            <a:spLocks noGrp="1"/>
+          </p:cNvSpPr>
           <p:nvPr>
-            <p:ph idx="12" type="sldNum"/>
+            <p:ph type="sldNum" idx="12"/>
           </p:nvPr>
         </p:nvSpPr>
         <p:spPr>
@@ -3137,7 +3268,7 @@
           </a:prstGeom>
         </p:spPr>
         <p:txBody>
-          <a:bodyPr anchorCtr="0" anchor="ctr" bIns="91425" lIns="91425" spcFirstLastPara="1" rIns="91425" wrap="square" tIns="91425">
+          <a:bodyPr spcFirstLastPara="1" wrap="square" lIns="91425" tIns="91425" rIns="91425" bIns="91425" anchor="ctr" anchorCtr="0">
             <a:noAutofit/>
           </a:bodyPr>
           <a:lstStyle>
@@ -3179,7 +3310,7 @@
             </a:lvl9pPr>
           </a:lstStyle>
           <a:p>
-            <a:pPr indent="0" lvl="0" marL="0" rtl="0" algn="r">
+            <a:pPr marL="0" lvl="0" indent="0" algn="r" rtl="0">
               <a:spcBef>
                 <a:spcPts val="0"/>
               </a:spcBef>
@@ -3205,11 +3336,11 @@
 </file>
 
 <file path=ppt/slideLayouts/slideLayout2.xml><?xml version="1.0" encoding="utf-8"?>
-<p:sldLayout xmlns:a="http://schemas.openxmlformats.org/drawingml/2006/main" xmlns:r="http://schemas.openxmlformats.org/officeDocument/2006/relationships" xmlns:mc="http://schemas.openxmlformats.org/markup-compatibility/2006" xmlns:mv="urn:schemas-microsoft-com:mac:vml" xmlns:p="http://schemas.openxmlformats.org/presentationml/2006/main" xmlns:c="http://schemas.openxmlformats.org/drawingml/2006/chart" xmlns:dgm="http://schemas.openxmlformats.org/drawingml/2006/diagram" xmlns:o="urn:schemas-microsoft-com:office:office" xmlns:v="urn:schemas-microsoft-com:vml" xmlns:pvml="urn:schemas-microsoft-com:office:powerpoint" xmlns:com="http://schemas.openxmlformats.org/drawingml/2006/compatibility" xmlns:p14="http://schemas.microsoft.com/office/powerpoint/2010/main" xmlns:p15="http://schemas.microsoft.com/office/powerpoint/2012/main" matchingName="Section header" type="secHead">
+<p:sldLayout xmlns:a="http://schemas.openxmlformats.org/drawingml/2006/main" xmlns:r="http://schemas.openxmlformats.org/officeDocument/2006/relationships" xmlns:p="http://schemas.openxmlformats.org/presentationml/2006/main" matchingName="Section header" type="secHead">
   <p:cSld name="SECTION_HEADER">
     <p:spTree>
       <p:nvGrpSpPr>
-        <p:cNvPr id="13" name="Shape 13"/>
+        <p:cNvPr id="1" name="Shape 13"/>
         <p:cNvGrpSpPr/>
         <p:nvPr/>
       </p:nvGrpSpPr>
@@ -3224,7 +3355,9 @@
       <p:sp>
         <p:nvSpPr>
           <p:cNvPr id="14" name="Google Shape;14;p3"/>
-          <p:cNvSpPr txBox="1"/>
+          <p:cNvSpPr txBox="1">
+            <a:spLocks noGrp="1"/>
+          </p:cNvSpPr>
           <p:nvPr>
             <p:ph type="title"/>
           </p:nvPr>
@@ -3239,7 +3372,7 @@
           </a:prstGeom>
         </p:spPr>
         <p:txBody>
-          <a:bodyPr anchorCtr="0" anchor="ctr" bIns="91425" lIns="91425" spcFirstLastPara="1" rIns="91425" wrap="square" tIns="91425">
+          <a:bodyPr spcFirstLastPara="1" wrap="square" lIns="91425" tIns="91425" rIns="91425" bIns="91425" anchor="ctr" anchorCtr="0">
             <a:noAutofit/>
           </a:bodyPr>
           <a:lstStyle>
@@ -3343,15 +3476,19 @@
               <a:defRPr sz="3600"/>
             </a:lvl9pPr>
           </a:lstStyle>
-          <a:p/>
+          <a:p>
+            <a:endParaRPr/>
+          </a:p>
         </p:txBody>
       </p:sp>
       <p:sp>
         <p:nvSpPr>
           <p:cNvPr id="15" name="Google Shape;15;p3"/>
-          <p:cNvSpPr txBox="1"/>
+          <p:cNvSpPr txBox="1">
+            <a:spLocks noGrp="1"/>
+          </p:cNvSpPr>
           <p:nvPr>
-            <p:ph idx="12" type="sldNum"/>
+            <p:ph type="sldNum" idx="12"/>
           </p:nvPr>
         </p:nvSpPr>
         <p:spPr>
@@ -3364,7 +3501,7 @@
           </a:prstGeom>
         </p:spPr>
         <p:txBody>
-          <a:bodyPr anchorCtr="0" anchor="ctr" bIns="91425" lIns="91425" spcFirstLastPara="1" rIns="91425" wrap="square" tIns="91425">
+          <a:bodyPr spcFirstLastPara="1" wrap="square" lIns="91425" tIns="91425" rIns="91425" bIns="91425" anchor="ctr" anchorCtr="0">
             <a:noAutofit/>
           </a:bodyPr>
           <a:lstStyle>
@@ -3406,7 +3543,7 @@
             </a:lvl9pPr>
           </a:lstStyle>
           <a:p>
-            <a:pPr indent="0" lvl="0" marL="0" rtl="0" algn="r">
+            <a:pPr marL="0" lvl="0" indent="0" algn="r" rtl="0">
               <a:spcBef>
                 <a:spcPts val="0"/>
               </a:spcBef>
@@ -3432,11 +3569,11 @@
 </file>
 
 <file path=ppt/slideLayouts/slideLayout3.xml><?xml version="1.0" encoding="utf-8"?>
-<p:sldLayout xmlns:a="http://schemas.openxmlformats.org/drawingml/2006/main" xmlns:r="http://schemas.openxmlformats.org/officeDocument/2006/relationships" xmlns:mc="http://schemas.openxmlformats.org/markup-compatibility/2006" xmlns:mv="urn:schemas-microsoft-com:mac:vml" xmlns:p="http://schemas.openxmlformats.org/presentationml/2006/main" xmlns:c="http://schemas.openxmlformats.org/drawingml/2006/chart" xmlns:dgm="http://schemas.openxmlformats.org/drawingml/2006/diagram" xmlns:o="urn:schemas-microsoft-com:office:office" xmlns:v="urn:schemas-microsoft-com:vml" xmlns:pvml="urn:schemas-microsoft-com:office:powerpoint" xmlns:com="http://schemas.openxmlformats.org/drawingml/2006/compatibility" xmlns:p14="http://schemas.microsoft.com/office/powerpoint/2010/main" xmlns:p15="http://schemas.microsoft.com/office/powerpoint/2012/main" matchingName="Title and body" type="tx">
+<p:sldLayout xmlns:a="http://schemas.openxmlformats.org/drawingml/2006/main" xmlns:r="http://schemas.openxmlformats.org/officeDocument/2006/relationships" xmlns:p="http://schemas.openxmlformats.org/presentationml/2006/main" matchingName="Title and body" type="tx">
   <p:cSld name="TITLE_AND_BODY">
     <p:spTree>
       <p:nvGrpSpPr>
-        <p:cNvPr id="16" name="Shape 16"/>
+        <p:cNvPr id="1" name="Shape 16"/>
         <p:cNvGrpSpPr/>
         <p:nvPr/>
       </p:nvGrpSpPr>
@@ -3451,7 +3588,9 @@
       <p:sp>
         <p:nvSpPr>
           <p:cNvPr id="17" name="Google Shape;17;p4"/>
-          <p:cNvSpPr txBox="1"/>
+          <p:cNvSpPr txBox="1">
+            <a:spLocks noGrp="1"/>
+          </p:cNvSpPr>
           <p:nvPr>
             <p:ph type="title"/>
           </p:nvPr>
@@ -3466,7 +3605,7 @@
           </a:prstGeom>
         </p:spPr>
         <p:txBody>
-          <a:bodyPr anchorCtr="0" anchor="t" bIns="91425" lIns="91425" spcFirstLastPara="1" rIns="91425" wrap="square" tIns="91425">
+          <a:bodyPr spcFirstLastPara="1" wrap="square" lIns="91425" tIns="91425" rIns="91425" bIns="91425" anchor="t" anchorCtr="0">
             <a:noAutofit/>
           </a:bodyPr>
           <a:lstStyle>
@@ -3570,15 +3709,19 @@
               <a:defRPr/>
             </a:lvl9pPr>
           </a:lstStyle>
-          <a:p/>
+          <a:p>
+            <a:endParaRPr/>
+          </a:p>
         </p:txBody>
       </p:sp>
       <p:sp>
         <p:nvSpPr>
           <p:cNvPr id="18" name="Google Shape;18;p4"/>
-          <p:cNvSpPr txBox="1"/>
+          <p:cNvSpPr txBox="1">
+            <a:spLocks noGrp="1"/>
+          </p:cNvSpPr>
           <p:nvPr>
-            <p:ph idx="1" type="body"/>
+            <p:ph type="body" idx="1"/>
           </p:nvPr>
         </p:nvSpPr>
         <p:spPr>
@@ -3591,11 +3734,11 @@
           </a:prstGeom>
         </p:spPr>
         <p:txBody>
-          <a:bodyPr anchorCtr="0" anchor="t" bIns="91425" lIns="91425" spcFirstLastPara="1" rIns="91425" wrap="square" tIns="91425">
+          <a:bodyPr spcFirstLastPara="1" wrap="square" lIns="91425" tIns="91425" rIns="91425" bIns="91425" anchor="t" anchorCtr="0">
             <a:noAutofit/>
           </a:bodyPr>
           <a:lstStyle>
-            <a:lvl1pPr indent="-342900" lvl="0" marL="457200">
+            <a:lvl1pPr marL="457200" lvl="0" indent="-342900">
               <a:spcBef>
                 <a:spcPts val="0"/>
               </a:spcBef>
@@ -3606,7 +3749,7 @@
               <a:buChar char="●"/>
               <a:defRPr/>
             </a:lvl1pPr>
-            <a:lvl2pPr indent="-317500" lvl="1" marL="914400">
+            <a:lvl2pPr marL="914400" lvl="1" indent="-317500">
               <a:spcBef>
                 <a:spcPts val="1600"/>
               </a:spcBef>
@@ -3617,7 +3760,7 @@
               <a:buChar char="○"/>
               <a:defRPr/>
             </a:lvl2pPr>
-            <a:lvl3pPr indent="-317500" lvl="2" marL="1371600">
+            <a:lvl3pPr marL="1371600" lvl="2" indent="-317500">
               <a:spcBef>
                 <a:spcPts val="1600"/>
               </a:spcBef>
@@ -3628,7 +3771,7 @@
               <a:buChar char="■"/>
               <a:defRPr/>
             </a:lvl3pPr>
-            <a:lvl4pPr indent="-317500" lvl="3" marL="1828800">
+            <a:lvl4pPr marL="1828800" lvl="3" indent="-317500">
               <a:spcBef>
                 <a:spcPts val="1600"/>
               </a:spcBef>
@@ -3639,7 +3782,7 @@
               <a:buChar char="●"/>
               <a:defRPr/>
             </a:lvl4pPr>
-            <a:lvl5pPr indent="-317500" lvl="4" marL="2286000">
+            <a:lvl5pPr marL="2286000" lvl="4" indent="-317500">
               <a:spcBef>
                 <a:spcPts val="1600"/>
               </a:spcBef>
@@ -3650,7 +3793,7 @@
               <a:buChar char="○"/>
               <a:defRPr/>
             </a:lvl5pPr>
-            <a:lvl6pPr indent="-317500" lvl="5" marL="2743200">
+            <a:lvl6pPr marL="2743200" lvl="5" indent="-317500">
               <a:spcBef>
                 <a:spcPts val="1600"/>
               </a:spcBef>
@@ -3661,7 +3804,7 @@
               <a:buChar char="■"/>
               <a:defRPr/>
             </a:lvl6pPr>
-            <a:lvl7pPr indent="-317500" lvl="6" marL="3200400">
+            <a:lvl7pPr marL="3200400" lvl="6" indent="-317500">
               <a:spcBef>
                 <a:spcPts val="1600"/>
               </a:spcBef>
@@ -3672,7 +3815,7 @@
               <a:buChar char="●"/>
               <a:defRPr/>
             </a:lvl7pPr>
-            <a:lvl8pPr indent="-317500" lvl="7" marL="3657600">
+            <a:lvl8pPr marL="3657600" lvl="7" indent="-317500">
               <a:spcBef>
                 <a:spcPts val="1600"/>
               </a:spcBef>
@@ -3683,7 +3826,7 @@
               <a:buChar char="○"/>
               <a:defRPr/>
             </a:lvl8pPr>
-            <a:lvl9pPr indent="-317500" lvl="8" marL="4114800">
+            <a:lvl9pPr marL="4114800" lvl="8" indent="-317500">
               <a:spcBef>
                 <a:spcPts val="1600"/>
               </a:spcBef>
@@ -3695,15 +3838,19 @@
               <a:defRPr/>
             </a:lvl9pPr>
           </a:lstStyle>
-          <a:p/>
+          <a:p>
+            <a:endParaRPr/>
+          </a:p>
         </p:txBody>
       </p:sp>
       <p:sp>
         <p:nvSpPr>
           <p:cNvPr id="19" name="Google Shape;19;p4"/>
-          <p:cNvSpPr txBox="1"/>
+          <p:cNvSpPr txBox="1">
+            <a:spLocks noGrp="1"/>
+          </p:cNvSpPr>
           <p:nvPr>
-            <p:ph idx="12" type="sldNum"/>
+            <p:ph type="sldNum" idx="12"/>
           </p:nvPr>
         </p:nvSpPr>
         <p:spPr>
@@ -3716,7 +3863,7 @@
           </a:prstGeom>
         </p:spPr>
         <p:txBody>
-          <a:bodyPr anchorCtr="0" anchor="ctr" bIns="91425" lIns="91425" spcFirstLastPara="1" rIns="91425" wrap="square" tIns="91425">
+          <a:bodyPr spcFirstLastPara="1" wrap="square" lIns="91425" tIns="91425" rIns="91425" bIns="91425" anchor="ctr" anchorCtr="0">
             <a:noAutofit/>
           </a:bodyPr>
           <a:lstStyle>
@@ -3758,7 +3905,7 @@
             </a:lvl9pPr>
           </a:lstStyle>
           <a:p>
-            <a:pPr indent="0" lvl="0" marL="0" rtl="0" algn="r">
+            <a:pPr marL="0" lvl="0" indent="0" algn="r" rtl="0">
               <a:spcBef>
                 <a:spcPts val="0"/>
               </a:spcBef>
@@ -3784,11 +3931,11 @@
 </file>
 
 <file path=ppt/slideLayouts/slideLayout4.xml><?xml version="1.0" encoding="utf-8"?>
-<p:sldLayout xmlns:a="http://schemas.openxmlformats.org/drawingml/2006/main" xmlns:r="http://schemas.openxmlformats.org/officeDocument/2006/relationships" xmlns:mc="http://schemas.openxmlformats.org/markup-compatibility/2006" xmlns:mv="urn:schemas-microsoft-com:mac:vml" xmlns:p="http://schemas.openxmlformats.org/presentationml/2006/main" xmlns:c="http://schemas.openxmlformats.org/drawingml/2006/chart" xmlns:dgm="http://schemas.openxmlformats.org/drawingml/2006/diagram" xmlns:o="urn:schemas-microsoft-com:office:office" xmlns:v="urn:schemas-microsoft-com:vml" xmlns:pvml="urn:schemas-microsoft-com:office:powerpoint" xmlns:com="http://schemas.openxmlformats.org/drawingml/2006/compatibility" xmlns:p14="http://schemas.microsoft.com/office/powerpoint/2010/main" xmlns:p15="http://schemas.microsoft.com/office/powerpoint/2012/main" matchingName="Title and two columns" type="twoColTx">
+<p:sldLayout xmlns:a="http://schemas.openxmlformats.org/drawingml/2006/main" xmlns:r="http://schemas.openxmlformats.org/officeDocument/2006/relationships" xmlns:p="http://schemas.openxmlformats.org/presentationml/2006/main" matchingName="Title and two columns" type="twoColTx">
   <p:cSld name="TITLE_AND_TWO_COLUMNS">
     <p:spTree>
       <p:nvGrpSpPr>
-        <p:cNvPr id="20" name="Shape 20"/>
+        <p:cNvPr id="1" name="Shape 20"/>
         <p:cNvGrpSpPr/>
         <p:nvPr/>
       </p:nvGrpSpPr>
@@ -3803,7 +3950,9 @@
       <p:sp>
         <p:nvSpPr>
           <p:cNvPr id="21" name="Google Shape;21;p5"/>
-          <p:cNvSpPr txBox="1"/>
+          <p:cNvSpPr txBox="1">
+            <a:spLocks noGrp="1"/>
+          </p:cNvSpPr>
           <p:nvPr>
             <p:ph type="title"/>
           </p:nvPr>
@@ -3818,7 +3967,7 @@
           </a:prstGeom>
         </p:spPr>
         <p:txBody>
-          <a:bodyPr anchorCtr="0" anchor="t" bIns="91425" lIns="91425" spcFirstLastPara="1" rIns="91425" wrap="square" tIns="91425">
+          <a:bodyPr spcFirstLastPara="1" wrap="square" lIns="91425" tIns="91425" rIns="91425" bIns="91425" anchor="t" anchorCtr="0">
             <a:noAutofit/>
           </a:bodyPr>
           <a:lstStyle>
@@ -3922,15 +4071,19 @@
               <a:defRPr/>
             </a:lvl9pPr>
           </a:lstStyle>
-          <a:p/>
+          <a:p>
+            <a:endParaRPr/>
+          </a:p>
         </p:txBody>
       </p:sp>
       <p:sp>
         <p:nvSpPr>
           <p:cNvPr id="22" name="Google Shape;22;p5"/>
-          <p:cNvSpPr txBox="1"/>
+          <p:cNvSpPr txBox="1">
+            <a:spLocks noGrp="1"/>
+          </p:cNvSpPr>
           <p:nvPr>
-            <p:ph idx="1" type="body"/>
+            <p:ph type="body" idx="1"/>
           </p:nvPr>
         </p:nvSpPr>
         <p:spPr>
@@ -3943,11 +4096,11 @@
           </a:prstGeom>
         </p:spPr>
         <p:txBody>
-          <a:bodyPr anchorCtr="0" anchor="t" bIns="91425" lIns="91425" spcFirstLastPara="1" rIns="91425" wrap="square" tIns="91425">
+          <a:bodyPr spcFirstLastPara="1" wrap="square" lIns="91425" tIns="91425" rIns="91425" bIns="91425" anchor="t" anchorCtr="0">
             <a:noAutofit/>
           </a:bodyPr>
           <a:lstStyle>
-            <a:lvl1pPr indent="-317500" lvl="0" marL="457200">
+            <a:lvl1pPr marL="457200" lvl="0" indent="-317500">
               <a:spcBef>
                 <a:spcPts val="0"/>
               </a:spcBef>
@@ -3958,7 +4111,7 @@
               <a:buChar char="●"/>
               <a:defRPr sz="1400"/>
             </a:lvl1pPr>
-            <a:lvl2pPr indent="-304800" lvl="1" marL="914400">
+            <a:lvl2pPr marL="914400" lvl="1" indent="-304800">
               <a:spcBef>
                 <a:spcPts val="1600"/>
               </a:spcBef>
@@ -3969,7 +4122,7 @@
               <a:buChar char="○"/>
               <a:defRPr sz="1200"/>
             </a:lvl2pPr>
-            <a:lvl3pPr indent="-304800" lvl="2" marL="1371600">
+            <a:lvl3pPr marL="1371600" lvl="2" indent="-304800">
               <a:spcBef>
                 <a:spcPts val="1600"/>
               </a:spcBef>
@@ -3980,7 +4133,7 @@
               <a:buChar char="■"/>
               <a:defRPr sz="1200"/>
             </a:lvl3pPr>
-            <a:lvl4pPr indent="-304800" lvl="3" marL="1828800">
+            <a:lvl4pPr marL="1828800" lvl="3" indent="-304800">
               <a:spcBef>
                 <a:spcPts val="1600"/>
               </a:spcBef>
@@ -3991,7 +4144,7 @@
               <a:buChar char="●"/>
               <a:defRPr sz="1200"/>
             </a:lvl4pPr>
-            <a:lvl5pPr indent="-304800" lvl="4" marL="2286000">
+            <a:lvl5pPr marL="2286000" lvl="4" indent="-304800">
               <a:spcBef>
                 <a:spcPts val="1600"/>
               </a:spcBef>
@@ -4002,7 +4155,7 @@
               <a:buChar char="○"/>
               <a:defRPr sz="1200"/>
             </a:lvl5pPr>
-            <a:lvl6pPr indent="-304800" lvl="5" marL="2743200">
+            <a:lvl6pPr marL="2743200" lvl="5" indent="-304800">
               <a:spcBef>
                 <a:spcPts val="1600"/>
               </a:spcBef>
@@ -4013,7 +4166,7 @@
               <a:buChar char="■"/>
               <a:defRPr sz="1200"/>
             </a:lvl6pPr>
-            <a:lvl7pPr indent="-304800" lvl="6" marL="3200400">
+            <a:lvl7pPr marL="3200400" lvl="6" indent="-304800">
               <a:spcBef>
                 <a:spcPts val="1600"/>
               </a:spcBef>
@@ -4024,7 +4177,7 @@
               <a:buChar char="●"/>
               <a:defRPr sz="1200"/>
             </a:lvl7pPr>
-            <a:lvl8pPr indent="-304800" lvl="7" marL="3657600">
+            <a:lvl8pPr marL="3657600" lvl="7" indent="-304800">
               <a:spcBef>
                 <a:spcPts val="1600"/>
               </a:spcBef>
@@ -4035,7 +4188,7 @@
               <a:buChar char="○"/>
               <a:defRPr sz="1200"/>
             </a:lvl8pPr>
-            <a:lvl9pPr indent="-304800" lvl="8" marL="4114800">
+            <a:lvl9pPr marL="4114800" lvl="8" indent="-304800">
               <a:spcBef>
                 <a:spcPts val="1600"/>
               </a:spcBef>
@@ -4047,15 +4200,19 @@
               <a:defRPr sz="1200"/>
             </a:lvl9pPr>
           </a:lstStyle>
-          <a:p/>
+          <a:p>
+            <a:endParaRPr/>
+          </a:p>
         </p:txBody>
       </p:sp>
       <p:sp>
         <p:nvSpPr>
           <p:cNvPr id="23" name="Google Shape;23;p5"/>
-          <p:cNvSpPr txBox="1"/>
+          <p:cNvSpPr txBox="1">
+            <a:spLocks noGrp="1"/>
+          </p:cNvSpPr>
           <p:nvPr>
-            <p:ph idx="2" type="body"/>
+            <p:ph type="body" idx="2"/>
           </p:nvPr>
         </p:nvSpPr>
         <p:spPr>
@@ -4068,11 +4225,11 @@
           </a:prstGeom>
         </p:spPr>
         <p:txBody>
-          <a:bodyPr anchorCtr="0" anchor="t" bIns="91425" lIns="91425" spcFirstLastPara="1" rIns="91425" wrap="square" tIns="91425">
+          <a:bodyPr spcFirstLastPara="1" wrap="square" lIns="91425" tIns="91425" rIns="91425" bIns="91425" anchor="t" anchorCtr="0">
             <a:noAutofit/>
           </a:bodyPr>
           <a:lstStyle>
-            <a:lvl1pPr indent="-317500" lvl="0" marL="457200">
+            <a:lvl1pPr marL="457200" lvl="0" indent="-317500">
               <a:spcBef>
                 <a:spcPts val="0"/>
               </a:spcBef>
@@ -4083,7 +4240,7 @@
               <a:buChar char="●"/>
               <a:defRPr sz="1400"/>
             </a:lvl1pPr>
-            <a:lvl2pPr indent="-304800" lvl="1" marL="914400">
+            <a:lvl2pPr marL="914400" lvl="1" indent="-304800">
               <a:spcBef>
                 <a:spcPts val="1600"/>
               </a:spcBef>
@@ -4094,7 +4251,7 @@
               <a:buChar char="○"/>
               <a:defRPr sz="1200"/>
             </a:lvl2pPr>
-            <a:lvl3pPr indent="-304800" lvl="2" marL="1371600">
+            <a:lvl3pPr marL="1371600" lvl="2" indent="-304800">
               <a:spcBef>
                 <a:spcPts val="1600"/>
               </a:spcBef>
@@ -4105,7 +4262,7 @@
               <a:buChar char="■"/>
               <a:defRPr sz="1200"/>
             </a:lvl3pPr>
-            <a:lvl4pPr indent="-304800" lvl="3" marL="1828800">
+            <a:lvl4pPr marL="1828800" lvl="3" indent="-304800">
               <a:spcBef>
                 <a:spcPts val="1600"/>
               </a:spcBef>
@@ -4116,7 +4273,7 @@
               <a:buChar char="●"/>
               <a:defRPr sz="1200"/>
             </a:lvl4pPr>
-            <a:lvl5pPr indent="-304800" lvl="4" marL="2286000">
+            <a:lvl5pPr marL="2286000" lvl="4" indent="-304800">
               <a:spcBef>
                 <a:spcPts val="1600"/>
               </a:spcBef>
@@ -4127,7 +4284,7 @@
               <a:buChar char="○"/>
               <a:defRPr sz="1200"/>
             </a:lvl5pPr>
-            <a:lvl6pPr indent="-304800" lvl="5" marL="2743200">
+            <a:lvl6pPr marL="2743200" lvl="5" indent="-304800">
               <a:spcBef>
                 <a:spcPts val="1600"/>
               </a:spcBef>
@@ -4138,7 +4295,7 @@
               <a:buChar char="■"/>
               <a:defRPr sz="1200"/>
             </a:lvl6pPr>
-            <a:lvl7pPr indent="-304800" lvl="6" marL="3200400">
+            <a:lvl7pPr marL="3200400" lvl="6" indent="-304800">
               <a:spcBef>
                 <a:spcPts val="1600"/>
               </a:spcBef>
@@ -4149,7 +4306,7 @@
               <a:buChar char="●"/>
               <a:defRPr sz="1200"/>
             </a:lvl7pPr>
-            <a:lvl8pPr indent="-304800" lvl="7" marL="3657600">
+            <a:lvl8pPr marL="3657600" lvl="7" indent="-304800">
               <a:spcBef>
                 <a:spcPts val="1600"/>
               </a:spcBef>
@@ -4160,7 +4317,7 @@
               <a:buChar char="○"/>
               <a:defRPr sz="1200"/>
             </a:lvl8pPr>
-            <a:lvl9pPr indent="-304800" lvl="8" marL="4114800">
+            <a:lvl9pPr marL="4114800" lvl="8" indent="-304800">
               <a:spcBef>
                 <a:spcPts val="1600"/>
               </a:spcBef>
@@ -4172,15 +4329,19 @@
               <a:defRPr sz="1200"/>
             </a:lvl9pPr>
           </a:lstStyle>
-          <a:p/>
+          <a:p>
+            <a:endParaRPr/>
+          </a:p>
         </p:txBody>
       </p:sp>
       <p:sp>
         <p:nvSpPr>
           <p:cNvPr id="24" name="Google Shape;24;p5"/>
-          <p:cNvSpPr txBox="1"/>
+          <p:cNvSpPr txBox="1">
+            <a:spLocks noGrp="1"/>
+          </p:cNvSpPr>
           <p:nvPr>
-            <p:ph idx="12" type="sldNum"/>
+            <p:ph type="sldNum" idx="12"/>
           </p:nvPr>
         </p:nvSpPr>
         <p:spPr>
@@ -4193,7 +4354,7 @@
           </a:prstGeom>
         </p:spPr>
         <p:txBody>
-          <a:bodyPr anchorCtr="0" anchor="ctr" bIns="91425" lIns="91425" spcFirstLastPara="1" rIns="91425" wrap="square" tIns="91425">
+          <a:bodyPr spcFirstLastPara="1" wrap="square" lIns="91425" tIns="91425" rIns="91425" bIns="91425" anchor="ctr" anchorCtr="0">
             <a:noAutofit/>
           </a:bodyPr>
           <a:lstStyle>
@@ -4235,7 +4396,7 @@
             </a:lvl9pPr>
           </a:lstStyle>
           <a:p>
-            <a:pPr indent="0" lvl="0" marL="0" rtl="0" algn="r">
+            <a:pPr marL="0" lvl="0" indent="0" algn="r" rtl="0">
               <a:spcBef>
                 <a:spcPts val="0"/>
               </a:spcBef>
@@ -4261,11 +4422,11 @@
 </file>
 
 <file path=ppt/slideLayouts/slideLayout5.xml><?xml version="1.0" encoding="utf-8"?>
-<p:sldLayout xmlns:a="http://schemas.openxmlformats.org/drawingml/2006/main" xmlns:r="http://schemas.openxmlformats.org/officeDocument/2006/relationships" xmlns:mc="http://schemas.openxmlformats.org/markup-compatibility/2006" xmlns:mv="urn:schemas-microsoft-com:mac:vml" xmlns:p="http://schemas.openxmlformats.org/presentationml/2006/main" xmlns:c="http://schemas.openxmlformats.org/drawingml/2006/chart" xmlns:dgm="http://schemas.openxmlformats.org/drawingml/2006/diagram" xmlns:o="urn:schemas-microsoft-com:office:office" xmlns:v="urn:schemas-microsoft-com:vml" xmlns:pvml="urn:schemas-microsoft-com:office:powerpoint" xmlns:com="http://schemas.openxmlformats.org/drawingml/2006/compatibility" xmlns:p14="http://schemas.microsoft.com/office/powerpoint/2010/main" xmlns:p15="http://schemas.microsoft.com/office/powerpoint/2012/main" matchingName="Title only" type="titleOnly">
+<p:sldLayout xmlns:a="http://schemas.openxmlformats.org/drawingml/2006/main" xmlns:r="http://schemas.openxmlformats.org/officeDocument/2006/relationships" xmlns:p="http://schemas.openxmlformats.org/presentationml/2006/main" matchingName="Title only" type="titleOnly">
   <p:cSld name="TITLE_ONLY">
     <p:spTree>
       <p:nvGrpSpPr>
-        <p:cNvPr id="25" name="Shape 25"/>
+        <p:cNvPr id="1" name="Shape 25"/>
         <p:cNvGrpSpPr/>
         <p:nvPr/>
       </p:nvGrpSpPr>
@@ -4280,7 +4441,9 @@
       <p:sp>
         <p:nvSpPr>
           <p:cNvPr id="26" name="Google Shape;26;p6"/>
-          <p:cNvSpPr txBox="1"/>
+          <p:cNvSpPr txBox="1">
+            <a:spLocks noGrp="1"/>
+          </p:cNvSpPr>
           <p:nvPr>
             <p:ph type="title"/>
           </p:nvPr>
@@ -4295,7 +4458,7 @@
           </a:prstGeom>
         </p:spPr>
         <p:txBody>
-          <a:bodyPr anchorCtr="0" anchor="t" bIns="91425" lIns="91425" spcFirstLastPara="1" rIns="91425" wrap="square" tIns="91425">
+          <a:bodyPr spcFirstLastPara="1" wrap="square" lIns="91425" tIns="91425" rIns="91425" bIns="91425" anchor="t" anchorCtr="0">
             <a:noAutofit/>
           </a:bodyPr>
           <a:lstStyle>
@@ -4399,15 +4562,19 @@
               <a:defRPr/>
             </a:lvl9pPr>
           </a:lstStyle>
-          <a:p/>
+          <a:p>
+            <a:endParaRPr/>
+          </a:p>
         </p:txBody>
       </p:sp>
       <p:sp>
         <p:nvSpPr>
           <p:cNvPr id="27" name="Google Shape;27;p6"/>
-          <p:cNvSpPr txBox="1"/>
+          <p:cNvSpPr txBox="1">
+            <a:spLocks noGrp="1"/>
+          </p:cNvSpPr>
           <p:nvPr>
-            <p:ph idx="12" type="sldNum"/>
+            <p:ph type="sldNum" idx="12"/>
           </p:nvPr>
         </p:nvSpPr>
         <p:spPr>
@@ -4420,7 +4587,7 @@
           </a:prstGeom>
         </p:spPr>
         <p:txBody>
-          <a:bodyPr anchorCtr="0" anchor="ctr" bIns="91425" lIns="91425" spcFirstLastPara="1" rIns="91425" wrap="square" tIns="91425">
+          <a:bodyPr spcFirstLastPara="1" wrap="square" lIns="91425" tIns="91425" rIns="91425" bIns="91425" anchor="ctr" anchorCtr="0">
             <a:noAutofit/>
           </a:bodyPr>
           <a:lstStyle>
@@ -4462,7 +4629,7 @@
             </a:lvl9pPr>
           </a:lstStyle>
           <a:p>
-            <a:pPr indent="0" lvl="0" marL="0" rtl="0" algn="r">
+            <a:pPr marL="0" lvl="0" indent="0" algn="r" rtl="0">
               <a:spcBef>
                 <a:spcPts val="0"/>
               </a:spcBef>
@@ -4488,11 +4655,11 @@
 </file>
 
 <file path=ppt/slideLayouts/slideLayout6.xml><?xml version="1.0" encoding="utf-8"?>
-<p:sldLayout xmlns:a="http://schemas.openxmlformats.org/drawingml/2006/main" xmlns:r="http://schemas.openxmlformats.org/officeDocument/2006/relationships" xmlns:mc="http://schemas.openxmlformats.org/markup-compatibility/2006" xmlns:mv="urn:schemas-microsoft-com:mac:vml" xmlns:p="http://schemas.openxmlformats.org/presentationml/2006/main" xmlns:c="http://schemas.openxmlformats.org/drawingml/2006/chart" xmlns:dgm="http://schemas.openxmlformats.org/drawingml/2006/diagram" xmlns:o="urn:schemas-microsoft-com:office:office" xmlns:v="urn:schemas-microsoft-com:vml" xmlns:pvml="urn:schemas-microsoft-com:office:powerpoint" xmlns:com="http://schemas.openxmlformats.org/drawingml/2006/compatibility" xmlns:p14="http://schemas.microsoft.com/office/powerpoint/2010/main" xmlns:p15="http://schemas.microsoft.com/office/powerpoint/2012/main" matchingName="One column text">
+<p:sldLayout xmlns:a="http://schemas.openxmlformats.org/drawingml/2006/main" xmlns:r="http://schemas.openxmlformats.org/officeDocument/2006/relationships" xmlns:p="http://schemas.openxmlformats.org/presentationml/2006/main" matchingName="One column text">
   <p:cSld name="ONE_COLUMN_TEXT">
     <p:spTree>
       <p:nvGrpSpPr>
-        <p:cNvPr id="28" name="Shape 28"/>
+        <p:cNvPr id="1" name="Shape 28"/>
         <p:cNvGrpSpPr/>
         <p:nvPr/>
       </p:nvGrpSpPr>
@@ -4507,7 +4674,9 @@
       <p:sp>
         <p:nvSpPr>
           <p:cNvPr id="29" name="Google Shape;29;p7"/>
-          <p:cNvSpPr txBox="1"/>
+          <p:cNvSpPr txBox="1">
+            <a:spLocks noGrp="1"/>
+          </p:cNvSpPr>
           <p:nvPr>
             <p:ph type="title"/>
           </p:nvPr>
@@ -4522,7 +4691,7 @@
           </a:prstGeom>
         </p:spPr>
         <p:txBody>
-          <a:bodyPr anchorCtr="0" anchor="b" bIns="91425" lIns="91425" spcFirstLastPara="1" rIns="91425" wrap="square" tIns="91425">
+          <a:bodyPr spcFirstLastPara="1" wrap="square" lIns="91425" tIns="91425" rIns="91425" bIns="91425" anchor="b" anchorCtr="0">
             <a:noAutofit/>
           </a:bodyPr>
           <a:lstStyle>
@@ -4626,15 +4795,19 @@
               <a:defRPr sz="2400"/>
             </a:lvl9pPr>
           </a:lstStyle>
-          <a:p/>
+          <a:p>
+            <a:endParaRPr/>
+          </a:p>
         </p:txBody>
       </p:sp>
       <p:sp>
         <p:nvSpPr>
           <p:cNvPr id="30" name="Google Shape;30;p7"/>
-          <p:cNvSpPr txBox="1"/>
+          <p:cNvSpPr txBox="1">
+            <a:spLocks noGrp="1"/>
+          </p:cNvSpPr>
           <p:nvPr>
-            <p:ph idx="1" type="body"/>
+            <p:ph type="body" idx="1"/>
           </p:nvPr>
         </p:nvSpPr>
         <p:spPr>
@@ -4647,11 +4820,11 @@
           </a:prstGeom>
         </p:spPr>
         <p:txBody>
-          <a:bodyPr anchorCtr="0" anchor="t" bIns="91425" lIns="91425" spcFirstLastPara="1" rIns="91425" wrap="square" tIns="91425">
+          <a:bodyPr spcFirstLastPara="1" wrap="square" lIns="91425" tIns="91425" rIns="91425" bIns="91425" anchor="t" anchorCtr="0">
             <a:noAutofit/>
           </a:bodyPr>
           <a:lstStyle>
-            <a:lvl1pPr indent="-304800" lvl="0" marL="457200">
+            <a:lvl1pPr marL="457200" lvl="0" indent="-304800">
               <a:spcBef>
                 <a:spcPts val="0"/>
               </a:spcBef>
@@ -4662,7 +4835,7 @@
               <a:buChar char="●"/>
               <a:defRPr sz="1200"/>
             </a:lvl1pPr>
-            <a:lvl2pPr indent="-304800" lvl="1" marL="914400">
+            <a:lvl2pPr marL="914400" lvl="1" indent="-304800">
               <a:spcBef>
                 <a:spcPts val="1600"/>
               </a:spcBef>
@@ -4673,7 +4846,7 @@
               <a:buChar char="○"/>
               <a:defRPr sz="1200"/>
             </a:lvl2pPr>
-            <a:lvl3pPr indent="-304800" lvl="2" marL="1371600">
+            <a:lvl3pPr marL="1371600" lvl="2" indent="-304800">
               <a:spcBef>
                 <a:spcPts val="1600"/>
               </a:spcBef>
@@ -4684,7 +4857,7 @@
               <a:buChar char="■"/>
               <a:defRPr sz="1200"/>
             </a:lvl3pPr>
-            <a:lvl4pPr indent="-304800" lvl="3" marL="1828800">
+            <a:lvl4pPr marL="1828800" lvl="3" indent="-304800">
               <a:spcBef>
                 <a:spcPts val="1600"/>
               </a:spcBef>
@@ -4695,7 +4868,7 @@
               <a:buChar char="●"/>
               <a:defRPr sz="1200"/>
             </a:lvl4pPr>
-            <a:lvl5pPr indent="-304800" lvl="4" marL="2286000">
+            <a:lvl5pPr marL="2286000" lvl="4" indent="-304800">
               <a:spcBef>
                 <a:spcPts val="1600"/>
               </a:spcBef>
@@ -4706,7 +4879,7 @@
               <a:buChar char="○"/>
               <a:defRPr sz="1200"/>
             </a:lvl5pPr>
-            <a:lvl6pPr indent="-304800" lvl="5" marL="2743200">
+            <a:lvl6pPr marL="2743200" lvl="5" indent="-304800">
               <a:spcBef>
                 <a:spcPts val="1600"/>
               </a:spcBef>
@@ -4717,7 +4890,7 @@
               <a:buChar char="■"/>
               <a:defRPr sz="1200"/>
             </a:lvl6pPr>
-            <a:lvl7pPr indent="-304800" lvl="6" marL="3200400">
+            <a:lvl7pPr marL="3200400" lvl="6" indent="-304800">
               <a:spcBef>
                 <a:spcPts val="1600"/>
               </a:spcBef>
@@ -4728,7 +4901,7 @@
               <a:buChar char="●"/>
               <a:defRPr sz="1200"/>
             </a:lvl7pPr>
-            <a:lvl8pPr indent="-304800" lvl="7" marL="3657600">
+            <a:lvl8pPr marL="3657600" lvl="7" indent="-304800">
               <a:spcBef>
                 <a:spcPts val="1600"/>
               </a:spcBef>
@@ -4739,7 +4912,7 @@
               <a:buChar char="○"/>
               <a:defRPr sz="1200"/>
             </a:lvl8pPr>
-            <a:lvl9pPr indent="-304800" lvl="8" marL="4114800">
+            <a:lvl9pPr marL="4114800" lvl="8" indent="-304800">
               <a:spcBef>
                 <a:spcPts val="1600"/>
               </a:spcBef>
@@ -4751,15 +4924,19 @@
               <a:defRPr sz="1200"/>
             </a:lvl9pPr>
           </a:lstStyle>
-          <a:p/>
+          <a:p>
+            <a:endParaRPr/>
+          </a:p>
         </p:txBody>
       </p:sp>
       <p:sp>
         <p:nvSpPr>
           <p:cNvPr id="31" name="Google Shape;31;p7"/>
-          <p:cNvSpPr txBox="1"/>
+          <p:cNvSpPr txBox="1">
+            <a:spLocks noGrp="1"/>
+          </p:cNvSpPr>
           <p:nvPr>
-            <p:ph idx="12" type="sldNum"/>
+            <p:ph type="sldNum" idx="12"/>
           </p:nvPr>
         </p:nvSpPr>
         <p:spPr>
@@ -4772,7 +4949,7 @@
           </a:prstGeom>
         </p:spPr>
         <p:txBody>
-          <a:bodyPr anchorCtr="0" anchor="ctr" bIns="91425" lIns="91425" spcFirstLastPara="1" rIns="91425" wrap="square" tIns="91425">
+          <a:bodyPr spcFirstLastPara="1" wrap="square" lIns="91425" tIns="91425" rIns="91425" bIns="91425" anchor="ctr" anchorCtr="0">
             <a:noAutofit/>
           </a:bodyPr>
           <a:lstStyle>
@@ -4814,7 +4991,7 @@
             </a:lvl9pPr>
           </a:lstStyle>
           <a:p>
-            <a:pPr indent="0" lvl="0" marL="0" rtl="0" algn="r">
+            <a:pPr marL="0" lvl="0" indent="0" algn="r" rtl="0">
               <a:spcBef>
                 <a:spcPts val="0"/>
               </a:spcBef>
@@ -4840,11 +5017,11 @@
 </file>
 
 <file path=ppt/slideLayouts/slideLayout7.xml><?xml version="1.0" encoding="utf-8"?>
-<p:sldLayout xmlns:a="http://schemas.openxmlformats.org/drawingml/2006/main" xmlns:r="http://schemas.openxmlformats.org/officeDocument/2006/relationships" xmlns:mc="http://schemas.openxmlformats.org/markup-compatibility/2006" xmlns:mv="urn:schemas-microsoft-com:mac:vml" xmlns:p="http://schemas.openxmlformats.org/presentationml/2006/main" xmlns:c="http://schemas.openxmlformats.org/drawingml/2006/chart" xmlns:dgm="http://schemas.openxmlformats.org/drawingml/2006/diagram" xmlns:o="urn:schemas-microsoft-com:office:office" xmlns:v="urn:schemas-microsoft-com:vml" xmlns:pvml="urn:schemas-microsoft-com:office:powerpoint" xmlns:com="http://schemas.openxmlformats.org/drawingml/2006/compatibility" xmlns:p14="http://schemas.microsoft.com/office/powerpoint/2010/main" xmlns:p15="http://schemas.microsoft.com/office/powerpoint/2012/main" matchingName="Main point">
+<p:sldLayout xmlns:a="http://schemas.openxmlformats.org/drawingml/2006/main" xmlns:r="http://schemas.openxmlformats.org/officeDocument/2006/relationships" xmlns:p="http://schemas.openxmlformats.org/presentationml/2006/main" matchingName="Main point">
   <p:cSld name="MAIN_POINT">
     <p:spTree>
       <p:nvGrpSpPr>
-        <p:cNvPr id="32" name="Shape 32"/>
+        <p:cNvPr id="1" name="Shape 32"/>
         <p:cNvGrpSpPr/>
         <p:nvPr/>
       </p:nvGrpSpPr>
@@ -4859,7 +5036,9 @@
       <p:sp>
         <p:nvSpPr>
           <p:cNvPr id="33" name="Google Shape;33;p8"/>
-          <p:cNvSpPr txBox="1"/>
+          <p:cNvSpPr txBox="1">
+            <a:spLocks noGrp="1"/>
+          </p:cNvSpPr>
           <p:nvPr>
             <p:ph type="title"/>
           </p:nvPr>
@@ -4874,7 +5053,7 @@
           </a:prstGeom>
         </p:spPr>
         <p:txBody>
-          <a:bodyPr anchorCtr="0" anchor="ctr" bIns="91425" lIns="91425" spcFirstLastPara="1" rIns="91425" wrap="square" tIns="91425">
+          <a:bodyPr spcFirstLastPara="1" wrap="square" lIns="91425" tIns="91425" rIns="91425" bIns="91425" anchor="ctr" anchorCtr="0">
             <a:noAutofit/>
           </a:bodyPr>
           <a:lstStyle>
@@ -4978,15 +5157,19 @@
               <a:defRPr sz="4800"/>
             </a:lvl9pPr>
           </a:lstStyle>
-          <a:p/>
+          <a:p>
+            <a:endParaRPr/>
+          </a:p>
         </p:txBody>
       </p:sp>
       <p:sp>
         <p:nvSpPr>
           <p:cNvPr id="34" name="Google Shape;34;p8"/>
-          <p:cNvSpPr txBox="1"/>
+          <p:cNvSpPr txBox="1">
+            <a:spLocks noGrp="1"/>
+          </p:cNvSpPr>
           <p:nvPr>
-            <p:ph idx="12" type="sldNum"/>
+            <p:ph type="sldNum" idx="12"/>
           </p:nvPr>
         </p:nvSpPr>
         <p:spPr>
@@ -4999,7 +5182,7 @@
           </a:prstGeom>
         </p:spPr>
         <p:txBody>
-          <a:bodyPr anchorCtr="0" anchor="ctr" bIns="91425" lIns="91425" spcFirstLastPara="1" rIns="91425" wrap="square" tIns="91425">
+          <a:bodyPr spcFirstLastPara="1" wrap="square" lIns="91425" tIns="91425" rIns="91425" bIns="91425" anchor="ctr" anchorCtr="0">
             <a:noAutofit/>
           </a:bodyPr>
           <a:lstStyle>
@@ -5041,7 +5224,7 @@
             </a:lvl9pPr>
           </a:lstStyle>
           <a:p>
-            <a:pPr indent="0" lvl="0" marL="0" rtl="0" algn="r">
+            <a:pPr marL="0" lvl="0" indent="0" algn="r" rtl="0">
               <a:spcBef>
                 <a:spcPts val="0"/>
               </a:spcBef>
@@ -5067,11 +5250,11 @@
 </file>
 
 <file path=ppt/slideLayouts/slideLayout8.xml><?xml version="1.0" encoding="utf-8"?>
-<p:sldLayout xmlns:a="http://schemas.openxmlformats.org/drawingml/2006/main" xmlns:r="http://schemas.openxmlformats.org/officeDocument/2006/relationships" xmlns:mc="http://schemas.openxmlformats.org/markup-compatibility/2006" xmlns:mv="urn:schemas-microsoft-com:mac:vml" xmlns:p="http://schemas.openxmlformats.org/presentationml/2006/main" xmlns:c="http://schemas.openxmlformats.org/drawingml/2006/chart" xmlns:dgm="http://schemas.openxmlformats.org/drawingml/2006/diagram" xmlns:o="urn:schemas-microsoft-com:office:office" xmlns:v="urn:schemas-microsoft-com:vml" xmlns:pvml="urn:schemas-microsoft-com:office:powerpoint" xmlns:com="http://schemas.openxmlformats.org/drawingml/2006/compatibility" xmlns:p14="http://schemas.microsoft.com/office/powerpoint/2010/main" xmlns:p15="http://schemas.microsoft.com/office/powerpoint/2012/main" matchingName="Section title and description">
+<p:sldLayout xmlns:a="http://schemas.openxmlformats.org/drawingml/2006/main" xmlns:r="http://schemas.openxmlformats.org/officeDocument/2006/relationships" xmlns:p="http://schemas.openxmlformats.org/presentationml/2006/main" matchingName="Section title and description">
   <p:cSld name="SECTION_TITLE_AND_DESCRIPTION">
     <p:spTree>
       <p:nvGrpSpPr>
-        <p:cNvPr id="35" name="Shape 35"/>
+        <p:cNvPr id="1" name="Shape 35"/>
         <p:cNvGrpSpPr/>
         <p:nvPr/>
       </p:nvGrpSpPr>
@@ -5105,12 +5288,12 @@
           </a:ln>
         </p:spPr>
         <p:txBody>
-          <a:bodyPr anchorCtr="0" anchor="ctr" bIns="91425" lIns="91425" spcFirstLastPara="1" rIns="91425" wrap="square" tIns="91425">
+          <a:bodyPr spcFirstLastPara="1" wrap="square" lIns="91425" tIns="91425" rIns="91425" bIns="91425" anchor="ctr" anchorCtr="0">
             <a:noAutofit/>
           </a:bodyPr>
           <a:lstStyle/>
           <a:p>
-            <a:pPr indent="0" lvl="0" marL="0" rtl="0" algn="l">
+            <a:pPr marL="0" lvl="0" indent="0" algn="l" rtl="0">
               <a:spcBef>
                 <a:spcPts val="0"/>
               </a:spcBef>
@@ -5119,9 +5302,6 @@
               </a:spcAft>
               <a:buNone/>
             </a:pPr>
-            <a:r>
-              <a:t/>
-            </a:r>
             <a:endParaRPr/>
           </a:p>
         </p:txBody>
@@ -5129,7 +5309,9 @@
       <p:sp>
         <p:nvSpPr>
           <p:cNvPr id="37" name="Google Shape;37;p9"/>
-          <p:cNvSpPr txBox="1"/>
+          <p:cNvSpPr txBox="1">
+            <a:spLocks noGrp="1"/>
+          </p:cNvSpPr>
           <p:nvPr>
             <p:ph type="title"/>
           </p:nvPr>
@@ -5144,7 +5326,7 @@
           </a:prstGeom>
         </p:spPr>
         <p:txBody>
-          <a:bodyPr anchorCtr="0" anchor="b" bIns="91425" lIns="91425" spcFirstLastPara="1" rIns="91425" wrap="square" tIns="91425">
+          <a:bodyPr spcFirstLastPara="1" wrap="square" lIns="91425" tIns="91425" rIns="91425" bIns="91425" anchor="b" anchorCtr="0">
             <a:noAutofit/>
           </a:bodyPr>
           <a:lstStyle>
@@ -5248,15 +5430,19 @@
               <a:defRPr sz="4200"/>
             </a:lvl9pPr>
           </a:lstStyle>
-          <a:p/>
+          <a:p>
+            <a:endParaRPr/>
+          </a:p>
         </p:txBody>
       </p:sp>
       <p:sp>
         <p:nvSpPr>
           <p:cNvPr id="38" name="Google Shape;38;p9"/>
-          <p:cNvSpPr txBox="1"/>
+          <p:cNvSpPr txBox="1">
+            <a:spLocks noGrp="1"/>
+          </p:cNvSpPr>
           <p:nvPr>
-            <p:ph idx="1" type="subTitle"/>
+            <p:ph type="subTitle" idx="1"/>
           </p:nvPr>
         </p:nvSpPr>
         <p:spPr>
@@ -5269,7 +5455,7 @@
           </a:prstGeom>
         </p:spPr>
         <p:txBody>
-          <a:bodyPr anchorCtr="0" anchor="t" bIns="91425" lIns="91425" spcFirstLastPara="1" rIns="91425" wrap="square" tIns="91425">
+          <a:bodyPr spcFirstLastPara="1" wrap="square" lIns="91425" tIns="91425" rIns="91425" bIns="91425" anchor="t" anchorCtr="0">
             <a:noAutofit/>
           </a:bodyPr>
           <a:lstStyle>
@@ -5400,15 +5586,19 @@
               <a:defRPr sz="2100"/>
             </a:lvl9pPr>
           </a:lstStyle>
-          <a:p/>
+          <a:p>
+            <a:endParaRPr/>
+          </a:p>
         </p:txBody>
       </p:sp>
       <p:sp>
         <p:nvSpPr>
           <p:cNvPr id="39" name="Google Shape;39;p9"/>
-          <p:cNvSpPr txBox="1"/>
+          <p:cNvSpPr txBox="1">
+            <a:spLocks noGrp="1"/>
+          </p:cNvSpPr>
           <p:nvPr>
-            <p:ph idx="2" type="body"/>
+            <p:ph type="body" idx="2"/>
           </p:nvPr>
         </p:nvSpPr>
         <p:spPr>
@@ -5421,11 +5611,11 @@
           </a:prstGeom>
         </p:spPr>
         <p:txBody>
-          <a:bodyPr anchorCtr="0" anchor="ctr" bIns="91425" lIns="91425" spcFirstLastPara="1" rIns="91425" wrap="square" tIns="91425">
+          <a:bodyPr spcFirstLastPara="1" wrap="square" lIns="91425" tIns="91425" rIns="91425" bIns="91425" anchor="ctr" anchorCtr="0">
             <a:noAutofit/>
           </a:bodyPr>
           <a:lstStyle>
-            <a:lvl1pPr indent="-342900" lvl="0" marL="457200">
+            <a:lvl1pPr marL="457200" lvl="0" indent="-342900">
               <a:spcBef>
                 <a:spcPts val="0"/>
               </a:spcBef>
@@ -5436,7 +5626,7 @@
               <a:buChar char="●"/>
               <a:defRPr/>
             </a:lvl1pPr>
-            <a:lvl2pPr indent="-317500" lvl="1" marL="914400">
+            <a:lvl2pPr marL="914400" lvl="1" indent="-317500">
               <a:spcBef>
                 <a:spcPts val="1600"/>
               </a:spcBef>
@@ -5447,7 +5637,7 @@
               <a:buChar char="○"/>
               <a:defRPr/>
             </a:lvl2pPr>
-            <a:lvl3pPr indent="-317500" lvl="2" marL="1371600">
+            <a:lvl3pPr marL="1371600" lvl="2" indent="-317500">
               <a:spcBef>
                 <a:spcPts val="1600"/>
               </a:spcBef>
@@ -5458,7 +5648,7 @@
               <a:buChar char="■"/>
               <a:defRPr/>
             </a:lvl3pPr>
-            <a:lvl4pPr indent="-317500" lvl="3" marL="1828800">
+            <a:lvl4pPr marL="1828800" lvl="3" indent="-317500">
               <a:spcBef>
                 <a:spcPts val="1600"/>
               </a:spcBef>
@@ -5469,7 +5659,7 @@
               <a:buChar char="●"/>
               <a:defRPr/>
             </a:lvl4pPr>
-            <a:lvl5pPr indent="-317500" lvl="4" marL="2286000">
+            <a:lvl5pPr marL="2286000" lvl="4" indent="-317500">
               <a:spcBef>
                 <a:spcPts val="1600"/>
               </a:spcBef>
@@ -5480,7 +5670,7 @@
               <a:buChar char="○"/>
               <a:defRPr/>
             </a:lvl5pPr>
-            <a:lvl6pPr indent="-317500" lvl="5" marL="2743200">
+            <a:lvl6pPr marL="2743200" lvl="5" indent="-317500">
               <a:spcBef>
                 <a:spcPts val="1600"/>
               </a:spcBef>
@@ -5491,7 +5681,7 @@
               <a:buChar char="■"/>
               <a:defRPr/>
             </a:lvl6pPr>
-            <a:lvl7pPr indent="-317500" lvl="6" marL="3200400">
+            <a:lvl7pPr marL="3200400" lvl="6" indent="-317500">
               <a:spcBef>
                 <a:spcPts val="1600"/>
               </a:spcBef>
@@ -5502,7 +5692,7 @@
               <a:buChar char="●"/>
               <a:defRPr/>
             </a:lvl7pPr>
-            <a:lvl8pPr indent="-317500" lvl="7" marL="3657600">
+            <a:lvl8pPr marL="3657600" lvl="7" indent="-317500">
               <a:spcBef>
                 <a:spcPts val="1600"/>
               </a:spcBef>
@@ -5513,7 +5703,7 @@
               <a:buChar char="○"/>
               <a:defRPr/>
             </a:lvl8pPr>
-            <a:lvl9pPr indent="-317500" lvl="8" marL="4114800">
+            <a:lvl9pPr marL="4114800" lvl="8" indent="-317500">
               <a:spcBef>
                 <a:spcPts val="1600"/>
               </a:spcBef>
@@ -5525,15 +5715,19 @@
               <a:defRPr/>
             </a:lvl9pPr>
           </a:lstStyle>
-          <a:p/>
+          <a:p>
+            <a:endParaRPr/>
+          </a:p>
         </p:txBody>
       </p:sp>
       <p:sp>
         <p:nvSpPr>
           <p:cNvPr id="40" name="Google Shape;40;p9"/>
-          <p:cNvSpPr txBox="1"/>
+          <p:cNvSpPr txBox="1">
+            <a:spLocks noGrp="1"/>
+          </p:cNvSpPr>
           <p:nvPr>
-            <p:ph idx="12" type="sldNum"/>
+            <p:ph type="sldNum" idx="12"/>
           </p:nvPr>
         </p:nvSpPr>
         <p:spPr>
@@ -5546,7 +5740,7 @@
           </a:prstGeom>
         </p:spPr>
         <p:txBody>
-          <a:bodyPr anchorCtr="0" anchor="ctr" bIns="91425" lIns="91425" spcFirstLastPara="1" rIns="91425" wrap="square" tIns="91425">
+          <a:bodyPr spcFirstLastPara="1" wrap="square" lIns="91425" tIns="91425" rIns="91425" bIns="91425" anchor="ctr" anchorCtr="0">
             <a:noAutofit/>
           </a:bodyPr>
           <a:lstStyle>
@@ -5588,7 +5782,7 @@
             </a:lvl9pPr>
           </a:lstStyle>
           <a:p>
-            <a:pPr indent="0" lvl="0" marL="0" rtl="0" algn="r">
+            <a:pPr marL="0" lvl="0" indent="0" algn="r" rtl="0">
               <a:spcBef>
                 <a:spcPts val="0"/>
               </a:spcBef>
@@ -5614,11 +5808,11 @@
 </file>
 
 <file path=ppt/slideLayouts/slideLayout9.xml><?xml version="1.0" encoding="utf-8"?>
-<p:sldLayout xmlns:a="http://schemas.openxmlformats.org/drawingml/2006/main" xmlns:r="http://schemas.openxmlformats.org/officeDocument/2006/relationships" xmlns:mc="http://schemas.openxmlformats.org/markup-compatibility/2006" xmlns:mv="urn:schemas-microsoft-com:mac:vml" xmlns:p="http://schemas.openxmlformats.org/presentationml/2006/main" xmlns:c="http://schemas.openxmlformats.org/drawingml/2006/chart" xmlns:dgm="http://schemas.openxmlformats.org/drawingml/2006/diagram" xmlns:o="urn:schemas-microsoft-com:office:office" xmlns:v="urn:schemas-microsoft-com:vml" xmlns:pvml="urn:schemas-microsoft-com:office:powerpoint" xmlns:com="http://schemas.openxmlformats.org/drawingml/2006/compatibility" xmlns:p14="http://schemas.microsoft.com/office/powerpoint/2010/main" xmlns:p15="http://schemas.microsoft.com/office/powerpoint/2012/main" matchingName="Caption">
+<p:sldLayout xmlns:a="http://schemas.openxmlformats.org/drawingml/2006/main" xmlns:r="http://schemas.openxmlformats.org/officeDocument/2006/relationships" xmlns:p="http://schemas.openxmlformats.org/presentationml/2006/main" matchingName="Caption">
   <p:cSld name="CAPTION_ONLY">
     <p:spTree>
       <p:nvGrpSpPr>
-        <p:cNvPr id="41" name="Shape 41"/>
+        <p:cNvPr id="1" name="Shape 41"/>
         <p:cNvGrpSpPr/>
         <p:nvPr/>
       </p:nvGrpSpPr>
@@ -5633,9 +5827,11 @@
       <p:sp>
         <p:nvSpPr>
           <p:cNvPr id="42" name="Google Shape;42;p10"/>
-          <p:cNvSpPr txBox="1"/>
+          <p:cNvSpPr txBox="1">
+            <a:spLocks noGrp="1"/>
+          </p:cNvSpPr>
           <p:nvPr>
-            <p:ph idx="1" type="body"/>
+            <p:ph type="body" idx="1"/>
           </p:nvPr>
         </p:nvSpPr>
         <p:spPr>
@@ -5648,11 +5844,11 @@
           </a:prstGeom>
         </p:spPr>
         <p:txBody>
-          <a:bodyPr anchorCtr="0" anchor="ctr" bIns="91425" lIns="91425" spcFirstLastPara="1" rIns="91425" wrap="square" tIns="91425">
+          <a:bodyPr spcFirstLastPara="1" wrap="square" lIns="91425" tIns="91425" rIns="91425" bIns="91425" anchor="ctr" anchorCtr="0">
             <a:noAutofit/>
           </a:bodyPr>
           <a:lstStyle>
-            <a:lvl1pPr indent="-228600" lvl="0" marL="457200">
+            <a:lvl1pPr marL="457200" lvl="0" indent="-228600">
               <a:lnSpc>
                 <a:spcPct val="100000"/>
               </a:lnSpc>
@@ -5667,15 +5863,19 @@
               <a:defRPr/>
             </a:lvl1pPr>
           </a:lstStyle>
-          <a:p/>
+          <a:p>
+            <a:endParaRPr/>
+          </a:p>
         </p:txBody>
       </p:sp>
       <p:sp>
         <p:nvSpPr>
           <p:cNvPr id="43" name="Google Shape;43;p10"/>
-          <p:cNvSpPr txBox="1"/>
+          <p:cNvSpPr txBox="1">
+            <a:spLocks noGrp="1"/>
+          </p:cNvSpPr>
           <p:nvPr>
-            <p:ph idx="12" type="sldNum"/>
+            <p:ph type="sldNum" idx="12"/>
           </p:nvPr>
         </p:nvSpPr>
         <p:spPr>
@@ -5688,7 +5888,7 @@
           </a:prstGeom>
         </p:spPr>
         <p:txBody>
-          <a:bodyPr anchorCtr="0" anchor="ctr" bIns="91425" lIns="91425" spcFirstLastPara="1" rIns="91425" wrap="square" tIns="91425">
+          <a:bodyPr spcFirstLastPara="1" wrap="square" lIns="91425" tIns="91425" rIns="91425" bIns="91425" anchor="ctr" anchorCtr="0">
             <a:noAutofit/>
           </a:bodyPr>
           <a:lstStyle>
@@ -5730,7 +5930,7 @@
             </a:lvl9pPr>
           </a:lstStyle>
           <a:p>
-            <a:pPr indent="0" lvl="0" marL="0" rtl="0" algn="r">
+            <a:pPr marL="0" lvl="0" indent="0" algn="r" rtl="0">
               <a:spcBef>
                 <a:spcPts val="0"/>
               </a:spcBef>
@@ -5756,18 +5956,19 @@
 </file>
 
 <file path=ppt/slideMasters/slideMaster1.xml><?xml version="1.0" encoding="utf-8"?>
-<p:sldMaster xmlns:a="http://schemas.openxmlformats.org/drawingml/2006/main" xmlns:r="http://schemas.openxmlformats.org/officeDocument/2006/relationships" xmlns:mc="http://schemas.openxmlformats.org/markup-compatibility/2006" xmlns:mv="urn:schemas-microsoft-com:mac:vml" xmlns:p="http://schemas.openxmlformats.org/presentationml/2006/main" xmlns:c="http://schemas.openxmlformats.org/drawingml/2006/chart" xmlns:dgm="http://schemas.openxmlformats.org/drawingml/2006/diagram" xmlns:o="urn:schemas-microsoft-com:office:office" xmlns:v="urn:schemas-microsoft-com:vml" xmlns:pvml="urn:schemas-microsoft-com:office:powerpoint" xmlns:com="http://schemas.openxmlformats.org/drawingml/2006/compatibility" xmlns:p14="http://schemas.microsoft.com/office/powerpoint/2010/main" xmlns:p15="http://schemas.microsoft.com/office/powerpoint/2012/main">
+<p:sldMaster xmlns:a="http://schemas.openxmlformats.org/drawingml/2006/main" xmlns:r="http://schemas.openxmlformats.org/officeDocument/2006/relationships" xmlns:p="http://schemas.openxmlformats.org/presentationml/2006/main">
   <p:cSld name="simple-light-2">
     <p:bg>
       <p:bgPr>
         <a:solidFill>
           <a:schemeClr val="lt1"/>
         </a:solidFill>
+        <a:effectLst/>
       </p:bgPr>
     </p:bg>
     <p:spTree>
       <p:nvGrpSpPr>
-        <p:cNvPr id="5" name="Shape 5"/>
+        <p:cNvPr id="1" name="Shape 5"/>
         <p:cNvGrpSpPr/>
         <p:nvPr/>
       </p:nvGrpSpPr>
@@ -5782,7 +5983,9 @@
       <p:sp>
         <p:nvSpPr>
           <p:cNvPr id="6" name="Google Shape;6;p1"/>
-          <p:cNvSpPr txBox="1"/>
+          <p:cNvSpPr txBox="1">
+            <a:spLocks noGrp="1"/>
+          </p:cNvSpPr>
           <p:nvPr>
             <p:ph type="title"/>
           </p:nvPr>
@@ -5801,7 +6004,7 @@
           </a:ln>
         </p:spPr>
         <p:txBody>
-          <a:bodyPr anchorCtr="0" anchor="t" bIns="91425" lIns="91425" spcFirstLastPara="1" rIns="91425" wrap="square" tIns="91425">
+          <a:bodyPr spcFirstLastPara="1" wrap="square" lIns="91425" tIns="91425" rIns="91425" bIns="91425" anchor="t" anchorCtr="0">
             <a:noAutofit/>
           </a:bodyPr>
           <a:lstStyle>
@@ -5968,15 +6171,19 @@
               </a:defRPr>
             </a:lvl9pPr>
           </a:lstStyle>
-          <a:p/>
+          <a:p>
+            <a:endParaRPr/>
+          </a:p>
         </p:txBody>
       </p:sp>
       <p:sp>
         <p:nvSpPr>
           <p:cNvPr id="7" name="Google Shape;7;p1"/>
-          <p:cNvSpPr txBox="1"/>
+          <p:cNvSpPr txBox="1">
+            <a:spLocks noGrp="1"/>
+          </p:cNvSpPr>
           <p:nvPr>
-            <p:ph idx="1" type="body"/>
+            <p:ph type="body" idx="1"/>
           </p:nvPr>
         </p:nvSpPr>
         <p:spPr>
@@ -5993,11 +6200,11 @@
           </a:ln>
         </p:spPr>
         <p:txBody>
-          <a:bodyPr anchorCtr="0" anchor="t" bIns="91425" lIns="91425" spcFirstLastPara="1" rIns="91425" wrap="square" tIns="91425">
+          <a:bodyPr spcFirstLastPara="1" wrap="square" lIns="91425" tIns="91425" rIns="91425" bIns="91425" anchor="t" anchorCtr="0">
             <a:noAutofit/>
           </a:bodyPr>
           <a:lstStyle>
-            <a:lvl1pPr indent="-342900" lvl="0" marL="457200">
+            <a:lvl1pPr marL="457200" lvl="0" indent="-342900">
               <a:lnSpc>
                 <a:spcPct val="115000"/>
               </a:lnSpc>
@@ -6018,7 +6225,7 @@
                 </a:solidFill>
               </a:defRPr>
             </a:lvl1pPr>
-            <a:lvl2pPr indent="-317500" lvl="1" marL="914400">
+            <a:lvl2pPr marL="914400" lvl="1" indent="-317500">
               <a:lnSpc>
                 <a:spcPct val="115000"/>
               </a:lnSpc>
@@ -6039,7 +6246,7 @@
                 </a:solidFill>
               </a:defRPr>
             </a:lvl2pPr>
-            <a:lvl3pPr indent="-317500" lvl="2" marL="1371600">
+            <a:lvl3pPr marL="1371600" lvl="2" indent="-317500">
               <a:lnSpc>
                 <a:spcPct val="115000"/>
               </a:lnSpc>
@@ -6060,7 +6267,7 @@
                 </a:solidFill>
               </a:defRPr>
             </a:lvl3pPr>
-            <a:lvl4pPr indent="-317500" lvl="3" marL="1828800">
+            <a:lvl4pPr marL="1828800" lvl="3" indent="-317500">
               <a:lnSpc>
                 <a:spcPct val="115000"/>
               </a:lnSpc>
@@ -6081,7 +6288,7 @@
                 </a:solidFill>
               </a:defRPr>
             </a:lvl4pPr>
-            <a:lvl5pPr indent="-317500" lvl="4" marL="2286000">
+            <a:lvl5pPr marL="2286000" lvl="4" indent="-317500">
               <a:lnSpc>
                 <a:spcPct val="115000"/>
               </a:lnSpc>
@@ -6102,7 +6309,7 @@
                 </a:solidFill>
               </a:defRPr>
             </a:lvl5pPr>
-            <a:lvl6pPr indent="-317500" lvl="5" marL="2743200">
+            <a:lvl6pPr marL="2743200" lvl="5" indent="-317500">
               <a:lnSpc>
                 <a:spcPct val="115000"/>
               </a:lnSpc>
@@ -6123,7 +6330,7 @@
                 </a:solidFill>
               </a:defRPr>
             </a:lvl6pPr>
-            <a:lvl7pPr indent="-317500" lvl="6" marL="3200400">
+            <a:lvl7pPr marL="3200400" lvl="6" indent="-317500">
               <a:lnSpc>
                 <a:spcPct val="115000"/>
               </a:lnSpc>
@@ -6144,7 +6351,7 @@
                 </a:solidFill>
               </a:defRPr>
             </a:lvl7pPr>
-            <a:lvl8pPr indent="-317500" lvl="7" marL="3657600">
+            <a:lvl8pPr marL="3657600" lvl="7" indent="-317500">
               <a:lnSpc>
                 <a:spcPct val="115000"/>
               </a:lnSpc>
@@ -6165,7 +6372,7 @@
                 </a:solidFill>
               </a:defRPr>
             </a:lvl8pPr>
-            <a:lvl9pPr indent="-317500" lvl="8" marL="4114800">
+            <a:lvl9pPr marL="4114800" lvl="8" indent="-317500">
               <a:lnSpc>
                 <a:spcPct val="115000"/>
               </a:lnSpc>
@@ -6187,15 +6394,19 @@
               </a:defRPr>
             </a:lvl9pPr>
           </a:lstStyle>
-          <a:p/>
+          <a:p>
+            <a:endParaRPr/>
+          </a:p>
         </p:txBody>
       </p:sp>
       <p:sp>
         <p:nvSpPr>
           <p:cNvPr id="8" name="Google Shape;8;p1"/>
-          <p:cNvSpPr txBox="1"/>
+          <p:cNvSpPr txBox="1">
+            <a:spLocks noGrp="1"/>
+          </p:cNvSpPr>
           <p:nvPr>
-            <p:ph idx="12" type="sldNum"/>
+            <p:ph type="sldNum" idx="12"/>
           </p:nvPr>
         </p:nvSpPr>
         <p:spPr>
@@ -6212,7 +6423,7 @@
           </a:ln>
         </p:spPr>
         <p:txBody>
-          <a:bodyPr anchorCtr="0" anchor="ctr" bIns="91425" lIns="91425" spcFirstLastPara="1" rIns="91425" wrap="square" tIns="91425">
+          <a:bodyPr spcFirstLastPara="1" wrap="square" lIns="91425" tIns="91425" rIns="91425" bIns="91425" anchor="ctr" anchorCtr="0">
             <a:noAutofit/>
           </a:bodyPr>
           <a:lstStyle>
@@ -6290,7 +6501,7 @@
             </a:lvl9pPr>
           </a:lstStyle>
           <a:p>
-            <a:pPr indent="0" lvl="0" marL="0" rtl="0" algn="r">
+            <a:pPr marL="0" lvl="0" indent="0" algn="r" rtl="0">
               <a:spcBef>
                 <a:spcPts val="0"/>
               </a:spcBef>
@@ -6309,7 +6520,7 @@
       </p:sp>
     </p:spTree>
   </p:cSld>
-  <p:clrMap accent1="accent1" accent2="accent2" accent3="accent3" accent4="accent4" accent5="accent5" accent6="accent6" bg1="lt1" bg2="dk2" tx1="dk1" tx2="lt2" folHlink="folHlink" hlink="hlink"/>
+  <p:clrMap bg1="lt1" tx1="dk1" bg2="dk2" tx2="lt2" accent1="accent1" accent2="accent2" accent3="accent3" accent4="accent4" accent5="accent5" accent6="accent6" hlink="hlink" folHlink="folHlink"/>
   <p:sldLayoutIdLst>
     <p:sldLayoutId id="2147483648" r:id="rId1"/>
     <p:sldLayoutId id="2147483649" r:id="rId2"/>
@@ -6323,10 +6534,10 @@
     <p:sldLayoutId id="2147483657" r:id="rId10"/>
     <p:sldLayoutId id="2147483658" r:id="rId11"/>
   </p:sldLayoutIdLst>
-  <p:hf dt="0" ftr="0" hdr="0" sldNum="0"/>
+  <p:hf sldNum="0" hdr="0" ftr="0" dt="0"/>
   <p:txStyles>
     <p:titleStyle>
-      <a:defPPr lvl="0" marR="0" rtl="0" algn="l">
+      <a:defPPr marR="0" lvl="0" algn="l" rtl="0">
         <a:lnSpc>
           <a:spcPct val="100000"/>
         </a:lnSpc>
@@ -6337,7 +6548,7 @@
           <a:spcPts val="0"/>
         </a:spcAft>
       </a:defPPr>
-      <a:lvl1pPr lvl="0" marR="0" rtl="0" algn="l">
+      <a:lvl1pPr marR="0" lvl="0" algn="l" rtl="0">
         <a:lnSpc>
           <a:spcPct val="100000"/>
         </a:lnSpc>
@@ -6351,7 +6562,7 @@
           <a:srgbClr val="000000"/>
         </a:buClr>
         <a:buFont typeface="Arial"/>
-        <a:defRPr b="0" i="0" sz="1400" u="none" cap="none" strike="noStrike">
+        <a:defRPr sz="1400" b="0" i="0" u="none" strike="noStrike" cap="none">
           <a:solidFill>
             <a:srgbClr val="000000"/>
           </a:solidFill>
@@ -6361,7 +6572,7 @@
           <a:sym typeface="Arial"/>
         </a:defRPr>
       </a:lvl1pPr>
-      <a:lvl2pPr lvl="1" marR="0" rtl="0" algn="l">
+      <a:lvl2pPr marR="0" lvl="1" algn="l" rtl="0">
         <a:lnSpc>
           <a:spcPct val="100000"/>
         </a:lnSpc>
@@ -6375,7 +6586,7 @@
           <a:srgbClr val="000000"/>
         </a:buClr>
         <a:buFont typeface="Arial"/>
-        <a:defRPr b="0" i="0" sz="1400" u="none" cap="none" strike="noStrike">
+        <a:defRPr sz="1400" b="0" i="0" u="none" strike="noStrike" cap="none">
           <a:solidFill>
             <a:srgbClr val="000000"/>
           </a:solidFill>
@@ -6385,7 +6596,7 @@
           <a:sym typeface="Arial"/>
         </a:defRPr>
       </a:lvl2pPr>
-      <a:lvl3pPr lvl="2" marR="0" rtl="0" algn="l">
+      <a:lvl3pPr marR="0" lvl="2" algn="l" rtl="0">
         <a:lnSpc>
           <a:spcPct val="100000"/>
         </a:lnSpc>
@@ -6399,7 +6610,7 @@
           <a:srgbClr val="000000"/>
         </a:buClr>
         <a:buFont typeface="Arial"/>
-        <a:defRPr b="0" i="0" sz="1400" u="none" cap="none" strike="noStrike">
+        <a:defRPr sz="1400" b="0" i="0" u="none" strike="noStrike" cap="none">
           <a:solidFill>
             <a:srgbClr val="000000"/>
           </a:solidFill>
@@ -6409,7 +6620,7 @@
           <a:sym typeface="Arial"/>
         </a:defRPr>
       </a:lvl3pPr>
-      <a:lvl4pPr lvl="3" marR="0" rtl="0" algn="l">
+      <a:lvl4pPr marR="0" lvl="3" algn="l" rtl="0">
         <a:lnSpc>
           <a:spcPct val="100000"/>
         </a:lnSpc>
@@ -6423,7 +6634,7 @@
           <a:srgbClr val="000000"/>
         </a:buClr>
         <a:buFont typeface="Arial"/>
-        <a:defRPr b="0" i="0" sz="1400" u="none" cap="none" strike="noStrike">
+        <a:defRPr sz="1400" b="0" i="0" u="none" strike="noStrike" cap="none">
           <a:solidFill>
             <a:srgbClr val="000000"/>
           </a:solidFill>
@@ -6433,7 +6644,7 @@
           <a:sym typeface="Arial"/>
         </a:defRPr>
       </a:lvl4pPr>
-      <a:lvl5pPr lvl="4" marR="0" rtl="0" algn="l">
+      <a:lvl5pPr marR="0" lvl="4" algn="l" rtl="0">
         <a:lnSpc>
           <a:spcPct val="100000"/>
         </a:lnSpc>
@@ -6447,7 +6658,7 @@
           <a:srgbClr val="000000"/>
         </a:buClr>
         <a:buFont typeface="Arial"/>
-        <a:defRPr b="0" i="0" sz="1400" u="none" cap="none" strike="noStrike">
+        <a:defRPr sz="1400" b="0" i="0" u="none" strike="noStrike" cap="none">
           <a:solidFill>
             <a:srgbClr val="000000"/>
           </a:solidFill>
@@ -6457,7 +6668,7 @@
           <a:sym typeface="Arial"/>
         </a:defRPr>
       </a:lvl5pPr>
-      <a:lvl6pPr lvl="5" marR="0" rtl="0" algn="l">
+      <a:lvl6pPr marR="0" lvl="5" algn="l" rtl="0">
         <a:lnSpc>
           <a:spcPct val="100000"/>
         </a:lnSpc>
@@ -6471,7 +6682,7 @@
           <a:srgbClr val="000000"/>
         </a:buClr>
         <a:buFont typeface="Arial"/>
-        <a:defRPr b="0" i="0" sz="1400" u="none" cap="none" strike="noStrike">
+        <a:defRPr sz="1400" b="0" i="0" u="none" strike="noStrike" cap="none">
           <a:solidFill>
             <a:srgbClr val="000000"/>
           </a:solidFill>
@@ -6481,7 +6692,7 @@
           <a:sym typeface="Arial"/>
         </a:defRPr>
       </a:lvl6pPr>
-      <a:lvl7pPr lvl="6" marR="0" rtl="0" algn="l">
+      <a:lvl7pPr marR="0" lvl="6" algn="l" rtl="0">
         <a:lnSpc>
           <a:spcPct val="100000"/>
         </a:lnSpc>
@@ -6495,7 +6706,7 @@
           <a:srgbClr val="000000"/>
         </a:buClr>
         <a:buFont typeface="Arial"/>
-        <a:defRPr b="0" i="0" sz="1400" u="none" cap="none" strike="noStrike">
+        <a:defRPr sz="1400" b="0" i="0" u="none" strike="noStrike" cap="none">
           <a:solidFill>
             <a:srgbClr val="000000"/>
           </a:solidFill>
@@ -6505,7 +6716,7 @@
           <a:sym typeface="Arial"/>
         </a:defRPr>
       </a:lvl7pPr>
-      <a:lvl8pPr lvl="7" marR="0" rtl="0" algn="l">
+      <a:lvl8pPr marR="0" lvl="7" algn="l" rtl="0">
         <a:lnSpc>
           <a:spcPct val="100000"/>
         </a:lnSpc>
@@ -6519,7 +6730,7 @@
           <a:srgbClr val="000000"/>
         </a:buClr>
         <a:buFont typeface="Arial"/>
-        <a:defRPr b="0" i="0" sz="1400" u="none" cap="none" strike="noStrike">
+        <a:defRPr sz="1400" b="0" i="0" u="none" strike="noStrike" cap="none">
           <a:solidFill>
             <a:srgbClr val="000000"/>
           </a:solidFill>
@@ -6529,7 +6740,7 @@
           <a:sym typeface="Arial"/>
         </a:defRPr>
       </a:lvl8pPr>
-      <a:lvl9pPr lvl="8" marR="0" rtl="0" algn="l">
+      <a:lvl9pPr marR="0" lvl="8" algn="l" rtl="0">
         <a:lnSpc>
           <a:spcPct val="100000"/>
         </a:lnSpc>
@@ -6543,7 +6754,7 @@
           <a:srgbClr val="000000"/>
         </a:buClr>
         <a:buFont typeface="Arial"/>
-        <a:defRPr b="0" i="0" sz="1400" u="none" cap="none" strike="noStrike">
+        <a:defRPr sz="1400" b="0" i="0" u="none" strike="noStrike" cap="none">
           <a:solidFill>
             <a:srgbClr val="000000"/>
           </a:solidFill>
@@ -6555,7 +6766,7 @@
       </a:lvl9pPr>
     </p:titleStyle>
     <p:bodyStyle>
-      <a:defPPr lvl="0" marR="0" rtl="0" algn="l">
+      <a:defPPr marR="0" lvl="0" algn="l" rtl="0">
         <a:lnSpc>
           <a:spcPct val="100000"/>
         </a:lnSpc>
@@ -6566,7 +6777,7 @@
           <a:spcPts val="0"/>
         </a:spcAft>
       </a:defPPr>
-      <a:lvl1pPr lvl="0" marR="0" rtl="0" algn="l">
+      <a:lvl1pPr marR="0" lvl="0" algn="l" rtl="0">
         <a:lnSpc>
           <a:spcPct val="100000"/>
         </a:lnSpc>
@@ -6580,7 +6791,7 @@
           <a:srgbClr val="000000"/>
         </a:buClr>
         <a:buFont typeface="Arial"/>
-        <a:defRPr b="0" i="0" sz="1400" u="none" cap="none" strike="noStrike">
+        <a:defRPr sz="1400" b="0" i="0" u="none" strike="noStrike" cap="none">
           <a:solidFill>
             <a:srgbClr val="000000"/>
           </a:solidFill>
@@ -6590,7 +6801,7 @@
           <a:sym typeface="Arial"/>
         </a:defRPr>
       </a:lvl1pPr>
-      <a:lvl2pPr lvl="1" marR="0" rtl="0" algn="l">
+      <a:lvl2pPr marR="0" lvl="1" algn="l" rtl="0">
         <a:lnSpc>
           <a:spcPct val="100000"/>
         </a:lnSpc>
@@ -6604,7 +6815,7 @@
           <a:srgbClr val="000000"/>
         </a:buClr>
         <a:buFont typeface="Arial"/>
-        <a:defRPr b="0" i="0" sz="1400" u="none" cap="none" strike="noStrike">
+        <a:defRPr sz="1400" b="0" i="0" u="none" strike="noStrike" cap="none">
           <a:solidFill>
             <a:srgbClr val="000000"/>
           </a:solidFill>
@@ -6614,7 +6825,7 @@
           <a:sym typeface="Arial"/>
         </a:defRPr>
       </a:lvl2pPr>
-      <a:lvl3pPr lvl="2" marR="0" rtl="0" algn="l">
+      <a:lvl3pPr marR="0" lvl="2" algn="l" rtl="0">
         <a:lnSpc>
           <a:spcPct val="100000"/>
         </a:lnSpc>
@@ -6628,7 +6839,7 @@
           <a:srgbClr val="000000"/>
         </a:buClr>
         <a:buFont typeface="Arial"/>
-        <a:defRPr b="0" i="0" sz="1400" u="none" cap="none" strike="noStrike">
+        <a:defRPr sz="1400" b="0" i="0" u="none" strike="noStrike" cap="none">
           <a:solidFill>
             <a:srgbClr val="000000"/>
           </a:solidFill>
@@ -6638,7 +6849,7 @@
           <a:sym typeface="Arial"/>
         </a:defRPr>
       </a:lvl3pPr>
-      <a:lvl4pPr lvl="3" marR="0" rtl="0" algn="l">
+      <a:lvl4pPr marR="0" lvl="3" algn="l" rtl="0">
         <a:lnSpc>
           <a:spcPct val="100000"/>
         </a:lnSpc>
@@ -6652,7 +6863,7 @@
           <a:srgbClr val="000000"/>
         </a:buClr>
         <a:buFont typeface="Arial"/>
-        <a:defRPr b="0" i="0" sz="1400" u="none" cap="none" strike="noStrike">
+        <a:defRPr sz="1400" b="0" i="0" u="none" strike="noStrike" cap="none">
           <a:solidFill>
             <a:srgbClr val="000000"/>
           </a:solidFill>
@@ -6662,7 +6873,7 @@
           <a:sym typeface="Arial"/>
         </a:defRPr>
       </a:lvl4pPr>
-      <a:lvl5pPr lvl="4" marR="0" rtl="0" algn="l">
+      <a:lvl5pPr marR="0" lvl="4" algn="l" rtl="0">
         <a:lnSpc>
           <a:spcPct val="100000"/>
         </a:lnSpc>
@@ -6676,7 +6887,7 @@
           <a:srgbClr val="000000"/>
         </a:buClr>
         <a:buFont typeface="Arial"/>
-        <a:defRPr b="0" i="0" sz="1400" u="none" cap="none" strike="noStrike">
+        <a:defRPr sz="1400" b="0" i="0" u="none" strike="noStrike" cap="none">
           <a:solidFill>
             <a:srgbClr val="000000"/>
           </a:solidFill>
@@ -6686,7 +6897,7 @@
           <a:sym typeface="Arial"/>
         </a:defRPr>
       </a:lvl5pPr>
-      <a:lvl6pPr lvl="5" marR="0" rtl="0" algn="l">
+      <a:lvl6pPr marR="0" lvl="5" algn="l" rtl="0">
         <a:lnSpc>
           <a:spcPct val="100000"/>
         </a:lnSpc>
@@ -6700,7 +6911,7 @@
           <a:srgbClr val="000000"/>
         </a:buClr>
         <a:buFont typeface="Arial"/>
-        <a:defRPr b="0" i="0" sz="1400" u="none" cap="none" strike="noStrike">
+        <a:defRPr sz="1400" b="0" i="0" u="none" strike="noStrike" cap="none">
           <a:solidFill>
             <a:srgbClr val="000000"/>
           </a:solidFill>
@@ -6710,7 +6921,7 @@
           <a:sym typeface="Arial"/>
         </a:defRPr>
       </a:lvl6pPr>
-      <a:lvl7pPr lvl="6" marR="0" rtl="0" algn="l">
+      <a:lvl7pPr marR="0" lvl="6" algn="l" rtl="0">
         <a:lnSpc>
           <a:spcPct val="100000"/>
         </a:lnSpc>
@@ -6724,7 +6935,7 @@
           <a:srgbClr val="000000"/>
         </a:buClr>
         <a:buFont typeface="Arial"/>
-        <a:defRPr b="0" i="0" sz="1400" u="none" cap="none" strike="noStrike">
+        <a:defRPr sz="1400" b="0" i="0" u="none" strike="noStrike" cap="none">
           <a:solidFill>
             <a:srgbClr val="000000"/>
           </a:solidFill>
@@ -6734,7 +6945,7 @@
           <a:sym typeface="Arial"/>
         </a:defRPr>
       </a:lvl7pPr>
-      <a:lvl8pPr lvl="7" marR="0" rtl="0" algn="l">
+      <a:lvl8pPr marR="0" lvl="7" algn="l" rtl="0">
         <a:lnSpc>
           <a:spcPct val="100000"/>
         </a:lnSpc>
@@ -6748,7 +6959,7 @@
           <a:srgbClr val="000000"/>
         </a:buClr>
         <a:buFont typeface="Arial"/>
-        <a:defRPr b="0" i="0" sz="1400" u="none" cap="none" strike="noStrike">
+        <a:defRPr sz="1400" b="0" i="0" u="none" strike="noStrike" cap="none">
           <a:solidFill>
             <a:srgbClr val="000000"/>
           </a:solidFill>
@@ -6758,7 +6969,7 @@
           <a:sym typeface="Arial"/>
         </a:defRPr>
       </a:lvl8pPr>
-      <a:lvl9pPr lvl="8" marR="0" rtl="0" algn="l">
+      <a:lvl9pPr marR="0" lvl="8" algn="l" rtl="0">
         <a:lnSpc>
           <a:spcPct val="100000"/>
         </a:lnSpc>
@@ -6772,7 +6983,7 @@
           <a:srgbClr val="000000"/>
         </a:buClr>
         <a:buFont typeface="Arial"/>
-        <a:defRPr b="0" i="0" sz="1400" u="none" cap="none" strike="noStrike">
+        <a:defRPr sz="1400" b="0" i="0" u="none" strike="noStrike" cap="none">
           <a:solidFill>
             <a:srgbClr val="000000"/>
           </a:solidFill>
@@ -6784,7 +6995,7 @@
       </a:lvl9pPr>
     </p:bodyStyle>
     <p:otherStyle>
-      <a:defPPr lvl="0" marR="0" rtl="0" algn="l">
+      <a:defPPr marR="0" lvl="0" algn="l" rtl="0">
         <a:lnSpc>
           <a:spcPct val="100000"/>
         </a:lnSpc>
@@ -6795,7 +7006,7 @@
           <a:spcPts val="0"/>
         </a:spcAft>
       </a:defPPr>
-      <a:lvl1pPr lvl="0" marR="0" rtl="0" algn="l">
+      <a:lvl1pPr marR="0" lvl="0" algn="l" rtl="0">
         <a:lnSpc>
           <a:spcPct val="100000"/>
         </a:lnSpc>
@@ -6809,7 +7020,7 @@
           <a:srgbClr val="000000"/>
         </a:buClr>
         <a:buFont typeface="Arial"/>
-        <a:defRPr b="0" i="0" sz="1400" u="none" cap="none" strike="noStrike">
+        <a:defRPr sz="1400" b="0" i="0" u="none" strike="noStrike" cap="none">
           <a:solidFill>
             <a:srgbClr val="000000"/>
           </a:solidFill>
@@ -6819,7 +7030,7 @@
           <a:sym typeface="Arial"/>
         </a:defRPr>
       </a:lvl1pPr>
-      <a:lvl2pPr lvl="1" marR="0" rtl="0" algn="l">
+      <a:lvl2pPr marR="0" lvl="1" algn="l" rtl="0">
         <a:lnSpc>
           <a:spcPct val="100000"/>
         </a:lnSpc>
@@ -6833,7 +7044,7 @@
           <a:srgbClr val="000000"/>
         </a:buClr>
         <a:buFont typeface="Arial"/>
-        <a:defRPr b="0" i="0" sz="1400" u="none" cap="none" strike="noStrike">
+        <a:defRPr sz="1400" b="0" i="0" u="none" strike="noStrike" cap="none">
           <a:solidFill>
             <a:srgbClr val="000000"/>
           </a:solidFill>
@@ -6843,7 +7054,7 @@
           <a:sym typeface="Arial"/>
         </a:defRPr>
       </a:lvl2pPr>
-      <a:lvl3pPr lvl="2" marR="0" rtl="0" algn="l">
+      <a:lvl3pPr marR="0" lvl="2" algn="l" rtl="0">
         <a:lnSpc>
           <a:spcPct val="100000"/>
         </a:lnSpc>
@@ -6857,7 +7068,7 @@
           <a:srgbClr val="000000"/>
         </a:buClr>
         <a:buFont typeface="Arial"/>
-        <a:defRPr b="0" i="0" sz="1400" u="none" cap="none" strike="noStrike">
+        <a:defRPr sz="1400" b="0" i="0" u="none" strike="noStrike" cap="none">
           <a:solidFill>
             <a:srgbClr val="000000"/>
           </a:solidFill>
@@ -6867,7 +7078,7 @@
           <a:sym typeface="Arial"/>
         </a:defRPr>
       </a:lvl3pPr>
-      <a:lvl4pPr lvl="3" marR="0" rtl="0" algn="l">
+      <a:lvl4pPr marR="0" lvl="3" algn="l" rtl="0">
         <a:lnSpc>
           <a:spcPct val="100000"/>
         </a:lnSpc>
@@ -6881,7 +7092,7 @@
           <a:srgbClr val="000000"/>
         </a:buClr>
         <a:buFont typeface="Arial"/>
-        <a:defRPr b="0" i="0" sz="1400" u="none" cap="none" strike="noStrike">
+        <a:defRPr sz="1400" b="0" i="0" u="none" strike="noStrike" cap="none">
           <a:solidFill>
             <a:srgbClr val="000000"/>
           </a:solidFill>
@@ -6891,7 +7102,7 @@
           <a:sym typeface="Arial"/>
         </a:defRPr>
       </a:lvl4pPr>
-      <a:lvl5pPr lvl="4" marR="0" rtl="0" algn="l">
+      <a:lvl5pPr marR="0" lvl="4" algn="l" rtl="0">
         <a:lnSpc>
           <a:spcPct val="100000"/>
         </a:lnSpc>
@@ -6905,7 +7116,7 @@
           <a:srgbClr val="000000"/>
         </a:buClr>
         <a:buFont typeface="Arial"/>
-        <a:defRPr b="0" i="0" sz="1400" u="none" cap="none" strike="noStrike">
+        <a:defRPr sz="1400" b="0" i="0" u="none" strike="noStrike" cap="none">
           <a:solidFill>
             <a:srgbClr val="000000"/>
           </a:solidFill>
@@ -6915,7 +7126,7 @@
           <a:sym typeface="Arial"/>
         </a:defRPr>
       </a:lvl5pPr>
-      <a:lvl6pPr lvl="5" marR="0" rtl="0" algn="l">
+      <a:lvl6pPr marR="0" lvl="5" algn="l" rtl="0">
         <a:lnSpc>
           <a:spcPct val="100000"/>
         </a:lnSpc>
@@ -6929,7 +7140,7 @@
           <a:srgbClr val="000000"/>
         </a:buClr>
         <a:buFont typeface="Arial"/>
-        <a:defRPr b="0" i="0" sz="1400" u="none" cap="none" strike="noStrike">
+        <a:defRPr sz="1400" b="0" i="0" u="none" strike="noStrike" cap="none">
           <a:solidFill>
             <a:srgbClr val="000000"/>
           </a:solidFill>
@@ -6939,7 +7150,7 @@
           <a:sym typeface="Arial"/>
         </a:defRPr>
       </a:lvl6pPr>
-      <a:lvl7pPr lvl="6" marR="0" rtl="0" algn="l">
+      <a:lvl7pPr marR="0" lvl="6" algn="l" rtl="0">
         <a:lnSpc>
           <a:spcPct val="100000"/>
         </a:lnSpc>
@@ -6953,7 +7164,7 @@
           <a:srgbClr val="000000"/>
         </a:buClr>
         <a:buFont typeface="Arial"/>
-        <a:defRPr b="0" i="0" sz="1400" u="none" cap="none" strike="noStrike">
+        <a:defRPr sz="1400" b="0" i="0" u="none" strike="noStrike" cap="none">
           <a:solidFill>
             <a:srgbClr val="000000"/>
           </a:solidFill>
@@ -6963,7 +7174,7 @@
           <a:sym typeface="Arial"/>
         </a:defRPr>
       </a:lvl7pPr>
-      <a:lvl8pPr lvl="7" marR="0" rtl="0" algn="l">
+      <a:lvl8pPr marR="0" lvl="7" algn="l" rtl="0">
         <a:lnSpc>
           <a:spcPct val="100000"/>
         </a:lnSpc>
@@ -6977,7 +7188,7 @@
           <a:srgbClr val="000000"/>
         </a:buClr>
         <a:buFont typeface="Arial"/>
-        <a:defRPr b="0" i="0" sz="1400" u="none" cap="none" strike="noStrike">
+        <a:defRPr sz="1400" b="0" i="0" u="none" strike="noStrike" cap="none">
           <a:solidFill>
             <a:srgbClr val="000000"/>
           </a:solidFill>
@@ -6987,7 +7198,7 @@
           <a:sym typeface="Arial"/>
         </a:defRPr>
       </a:lvl8pPr>
-      <a:lvl9pPr lvl="8" marR="0" rtl="0" algn="l">
+      <a:lvl9pPr marR="0" lvl="8" algn="l" rtl="0">
         <a:lnSpc>
           <a:spcPct val="100000"/>
         </a:lnSpc>
@@ -7001,7 +7212,7 @@
           <a:srgbClr val="000000"/>
         </a:buClr>
         <a:buFont typeface="Arial"/>
-        <a:defRPr b="0" i="0" sz="1400" u="none" cap="none" strike="noStrike">
+        <a:defRPr sz="1400" b="0" i="0" u="none" strike="noStrike" cap="none">
           <a:solidFill>
             <a:srgbClr val="000000"/>
           </a:solidFill>
@@ -7017,11 +7228,11 @@
 </file>
 
 <file path=ppt/slides/slide1.xml><?xml version="1.0" encoding="utf-8"?>
-<p:sld xmlns:a="http://schemas.openxmlformats.org/drawingml/2006/main" xmlns:r="http://schemas.openxmlformats.org/officeDocument/2006/relationships" xmlns:mc="http://schemas.openxmlformats.org/markup-compatibility/2006" xmlns:mv="urn:schemas-microsoft-com:mac:vml" xmlns:p="http://schemas.openxmlformats.org/presentationml/2006/main" xmlns:c="http://schemas.openxmlformats.org/drawingml/2006/chart" xmlns:dgm="http://schemas.openxmlformats.org/drawingml/2006/diagram" xmlns:o="urn:schemas-microsoft-com:office:office" xmlns:v="urn:schemas-microsoft-com:vml" xmlns:pvml="urn:schemas-microsoft-com:office:powerpoint" xmlns:com="http://schemas.openxmlformats.org/drawingml/2006/compatibility" xmlns:p14="http://schemas.microsoft.com/office/powerpoint/2010/main" xmlns:p15="http://schemas.microsoft.com/office/powerpoint/2012/main">
+<p:sld xmlns:a="http://schemas.openxmlformats.org/drawingml/2006/main" xmlns:r="http://schemas.openxmlformats.org/officeDocument/2006/relationships" xmlns:p="http://schemas.openxmlformats.org/presentationml/2006/main">
   <p:cSld>
     <p:spTree>
       <p:nvGrpSpPr>
-        <p:cNvPr id="53" name="Shape 53"/>
+        <p:cNvPr id="1" name="Shape 53"/>
         <p:cNvGrpSpPr/>
         <p:nvPr/>
       </p:nvGrpSpPr>
@@ -7036,7 +7247,9 @@
       <p:sp>
         <p:nvSpPr>
           <p:cNvPr id="54" name="Google Shape;54;p13"/>
-          <p:cNvSpPr txBox="1"/>
+          <p:cNvSpPr txBox="1">
+            <a:spLocks noGrp="1"/>
+          </p:cNvSpPr>
           <p:nvPr>
             <p:ph type="ctrTitle"/>
           </p:nvPr>
@@ -7051,12 +7264,12 @@
           </a:prstGeom>
         </p:spPr>
         <p:txBody>
-          <a:bodyPr anchorCtr="0" anchor="b" bIns="91425" lIns="91425" spcFirstLastPara="1" rIns="91425" wrap="square" tIns="91425">
+          <a:bodyPr spcFirstLastPara="1" wrap="square" lIns="91425" tIns="91425" rIns="91425" bIns="91425" anchor="b" anchorCtr="0">
             <a:noAutofit/>
           </a:bodyPr>
           <a:lstStyle/>
           <a:p>
-            <a:pPr indent="0" lvl="0" marL="0" rtl="0" algn="ctr">
+            <a:pPr marL="0" lvl="0" indent="0" algn="ctr" rtl="0">
               <a:spcBef>
                 <a:spcPts val="0"/>
               </a:spcBef>
@@ -7082,7 +7295,7 @@
             </a:endParaRPr>
           </a:p>
           <a:p>
-            <a:pPr indent="0" lvl="0" marL="0" rtl="0" algn="ctr">
+            <a:pPr marL="0" lvl="0" indent="0" algn="ctr" rtl="0">
               <a:spcBef>
                 <a:spcPts val="0"/>
               </a:spcBef>
@@ -7112,9 +7325,11 @@
       <p:sp>
         <p:nvSpPr>
           <p:cNvPr id="55" name="Google Shape;55;p13"/>
-          <p:cNvSpPr txBox="1"/>
+          <p:cNvSpPr txBox="1">
+            <a:spLocks noGrp="1"/>
+          </p:cNvSpPr>
           <p:nvPr>
-            <p:ph idx="1" type="subTitle"/>
+            <p:ph type="subTitle" idx="1"/>
           </p:nvPr>
         </p:nvSpPr>
         <p:spPr>
@@ -7127,12 +7342,12 @@
           </a:prstGeom>
         </p:spPr>
         <p:txBody>
-          <a:bodyPr anchorCtr="0" anchor="t" bIns="91425" lIns="91425" spcFirstLastPara="1" rIns="91425" wrap="square" tIns="91425">
+          <a:bodyPr spcFirstLastPara="1" wrap="square" lIns="91425" tIns="91425" rIns="91425" bIns="91425" anchor="t" anchorCtr="0">
             <a:noAutofit/>
           </a:bodyPr>
           <a:lstStyle/>
           <a:p>
-            <a:pPr indent="0" lvl="0" marL="0" rtl="0" algn="ctr">
+            <a:pPr marL="0" lvl="0" indent="0" algn="ctr" rtl="0">
               <a:spcBef>
                 <a:spcPts val="0"/>
               </a:spcBef>
@@ -7158,7 +7373,7 @@
             </a:endParaRPr>
           </a:p>
           <a:p>
-            <a:pPr indent="0" lvl="0" marL="0" rtl="0" algn="ctr">
+            <a:pPr marL="0" lvl="0" indent="0" algn="ctr" rtl="0">
               <a:spcBef>
                 <a:spcPts val="0"/>
               </a:spcBef>
@@ -7174,16 +7389,7 @@
                 <a:cs typeface="Oswald"/>
                 <a:sym typeface="Oswald"/>
               </a:rPr>
-              <a:t>21100506 이승</a:t>
-            </a:r>
-            <a:r>
-              <a:rPr lang="ko" sz="2000">
-                <a:latin typeface="Oswald"/>
-                <a:ea typeface="Oswald"/>
-                <a:cs typeface="Oswald"/>
-                <a:sym typeface="Oswald"/>
-              </a:rPr>
-              <a:t>재 21300126 김승우 21800180 김준형</a:t>
+              <a:t>21100506 이승재 21300126 김승우 21800180 김준형</a:t>
             </a:r>
             <a:endParaRPr sz="2000">
               <a:latin typeface="Oswald"/>
@@ -7203,11 +7409,11 @@
 </file>
 
 <file path=ppt/slides/slide10.xml><?xml version="1.0" encoding="utf-8"?>
-<p:sld xmlns:a="http://schemas.openxmlformats.org/drawingml/2006/main" xmlns:r="http://schemas.openxmlformats.org/officeDocument/2006/relationships" xmlns:mc="http://schemas.openxmlformats.org/markup-compatibility/2006" xmlns:mv="urn:schemas-microsoft-com:mac:vml" xmlns:p="http://schemas.openxmlformats.org/presentationml/2006/main" xmlns:c="http://schemas.openxmlformats.org/drawingml/2006/chart" xmlns:dgm="http://schemas.openxmlformats.org/drawingml/2006/diagram" xmlns:o="urn:schemas-microsoft-com:office:office" xmlns:v="urn:schemas-microsoft-com:vml" xmlns:pvml="urn:schemas-microsoft-com:office:powerpoint" xmlns:com="http://schemas.openxmlformats.org/drawingml/2006/compatibility" xmlns:p14="http://schemas.microsoft.com/office/powerpoint/2010/main" xmlns:p15="http://schemas.microsoft.com/office/powerpoint/2012/main">
+<p:sld xmlns:a="http://schemas.openxmlformats.org/drawingml/2006/main" xmlns:r="http://schemas.openxmlformats.org/officeDocument/2006/relationships" xmlns:p="http://schemas.openxmlformats.org/presentationml/2006/main">
   <p:cSld>
     <p:spTree>
       <p:nvGrpSpPr>
-        <p:cNvPr id="131" name="Shape 131"/>
+        <p:cNvPr id="1" name="Shape 131"/>
         <p:cNvGrpSpPr/>
         <p:nvPr/>
       </p:nvGrpSpPr>
@@ -7222,7 +7428,9 @@
       <p:sp>
         <p:nvSpPr>
           <p:cNvPr id="132" name="Google Shape;132;p22"/>
-          <p:cNvSpPr txBox="1"/>
+          <p:cNvSpPr txBox="1">
+            <a:spLocks noGrp="1"/>
+          </p:cNvSpPr>
           <p:nvPr>
             <p:ph type="title"/>
           </p:nvPr>
@@ -7237,12 +7445,12 @@
           </a:prstGeom>
         </p:spPr>
         <p:txBody>
-          <a:bodyPr anchorCtr="0" anchor="t" bIns="91425" lIns="91425" spcFirstLastPara="1" rIns="91425" wrap="square" tIns="91425">
+          <a:bodyPr spcFirstLastPara="1" wrap="square" lIns="91425" tIns="91425" rIns="91425" bIns="91425" anchor="t" anchorCtr="0">
             <a:noAutofit/>
           </a:bodyPr>
           <a:lstStyle/>
           <a:p>
-            <a:pPr indent="0" lvl="0" marL="0" rtl="0" algn="l">
+            <a:pPr marL="0" lvl="0" indent="0" algn="l" rtl="0">
               <a:spcBef>
                 <a:spcPts val="0"/>
               </a:spcBef>
@@ -7272,9 +7480,11 @@
       <p:sp>
         <p:nvSpPr>
           <p:cNvPr id="133" name="Google Shape;133;p22"/>
-          <p:cNvSpPr txBox="1"/>
+          <p:cNvSpPr txBox="1">
+            <a:spLocks noGrp="1"/>
+          </p:cNvSpPr>
           <p:nvPr>
-            <p:ph idx="1" type="body"/>
+            <p:ph type="body" idx="1"/>
           </p:nvPr>
         </p:nvSpPr>
         <p:spPr>
@@ -7287,12 +7497,12 @@
           </a:prstGeom>
         </p:spPr>
         <p:txBody>
-          <a:bodyPr anchorCtr="0" anchor="t" bIns="91425" lIns="91425" spcFirstLastPara="1" rIns="91425" wrap="square" tIns="91425">
+          <a:bodyPr spcFirstLastPara="1" wrap="square" lIns="91425" tIns="91425" rIns="91425" bIns="91425" anchor="t" anchorCtr="0">
             <a:noAutofit/>
           </a:bodyPr>
           <a:lstStyle/>
           <a:p>
-            <a:pPr indent="-355600" lvl="0" marL="457200" rtl="0" algn="l">
+            <a:pPr marL="457200" lvl="0" indent="-355600" algn="l" rtl="0">
               <a:lnSpc>
                 <a:spcPct val="170000"/>
               </a:lnSpc>
@@ -7315,7 +7525,7 @@
               <a:t>Model 1: baseline code (resized 28 by 28 &amp; lr=0.0005) → </a:t>
             </a:r>
             <a:r>
-              <a:rPr b="1" lang="ko" sz="2000">
+              <a:rPr lang="ko" sz="2000" b="1">
                 <a:latin typeface="Oswald"/>
                 <a:ea typeface="Oswald"/>
                 <a:cs typeface="Oswald"/>
@@ -7323,7 +7533,7 @@
               </a:rPr>
               <a:t> 0.8754</a:t>
             </a:r>
-            <a:endParaRPr b="1" sz="2000">
+            <a:endParaRPr sz="2000" b="1">
               <a:latin typeface="Oswald"/>
               <a:ea typeface="Oswald"/>
               <a:cs typeface="Oswald"/>
@@ -7331,7 +7541,7 @@
             </a:endParaRPr>
           </a:p>
           <a:p>
-            <a:pPr indent="-355600" lvl="0" marL="457200" rtl="0" algn="l">
+            <a:pPr marL="457200" lvl="0" indent="-355600" algn="l" rtl="0">
               <a:lnSpc>
                 <a:spcPct val="170000"/>
               </a:lnSpc>
@@ -7362,7 +7572,7 @@
             </a:endParaRPr>
           </a:p>
           <a:p>
-            <a:pPr indent="-355600" lvl="0" marL="457200" rtl="0" algn="l">
+            <a:pPr marL="457200" lvl="0" indent="-355600" algn="l" rtl="0">
               <a:lnSpc>
                 <a:spcPct val="170000"/>
               </a:lnSpc>
@@ -7393,7 +7603,7 @@
             </a:endParaRPr>
           </a:p>
           <a:p>
-            <a:pPr indent="-355600" lvl="0" marL="457200" rtl="0" algn="l">
+            <a:pPr marL="457200" lvl="0" indent="-355600" algn="l" rtl="0">
               <a:lnSpc>
                 <a:spcPct val="170000"/>
               </a:lnSpc>
@@ -7424,7 +7634,7 @@
             </a:endParaRPr>
           </a:p>
           <a:p>
-            <a:pPr indent="0" lvl="0" marL="0" rtl="0" algn="l">
+            <a:pPr marL="0" lvl="0" indent="0" algn="l" rtl="0">
               <a:lnSpc>
                 <a:spcPct val="170000"/>
               </a:lnSpc>
@@ -7436,9 +7646,6 @@
               </a:spcAft>
               <a:buNone/>
             </a:pPr>
-            <a:r>
-              <a:t/>
-            </a:r>
             <a:endParaRPr sz="2000">
               <a:latin typeface="Oswald"/>
               <a:ea typeface="Oswald"/>
@@ -7447,7 +7654,7 @@
             </a:endParaRPr>
           </a:p>
           <a:p>
-            <a:pPr indent="0" lvl="0" marL="0" rtl="0" algn="l">
+            <a:pPr marL="0" lvl="0" indent="0" algn="l" rtl="0">
               <a:lnSpc>
                 <a:spcPct val="170000"/>
               </a:lnSpc>
@@ -7486,11 +7693,11 @@
 </file>
 
 <file path=ppt/slides/slide11.xml><?xml version="1.0" encoding="utf-8"?>
-<p:sld xmlns:a="http://schemas.openxmlformats.org/drawingml/2006/main" xmlns:r="http://schemas.openxmlformats.org/officeDocument/2006/relationships" xmlns:mc="http://schemas.openxmlformats.org/markup-compatibility/2006" xmlns:mv="urn:schemas-microsoft-com:mac:vml" xmlns:p="http://schemas.openxmlformats.org/presentationml/2006/main" xmlns:c="http://schemas.openxmlformats.org/drawingml/2006/chart" xmlns:dgm="http://schemas.openxmlformats.org/drawingml/2006/diagram" xmlns:o="urn:schemas-microsoft-com:office:office" xmlns:v="urn:schemas-microsoft-com:vml" xmlns:pvml="urn:schemas-microsoft-com:office:powerpoint" xmlns:com="http://schemas.openxmlformats.org/drawingml/2006/compatibility" xmlns:p14="http://schemas.microsoft.com/office/powerpoint/2010/main" xmlns:p15="http://schemas.microsoft.com/office/powerpoint/2012/main">
+<p:sld xmlns:a="http://schemas.openxmlformats.org/drawingml/2006/main" xmlns:r="http://schemas.openxmlformats.org/officeDocument/2006/relationships" xmlns:p="http://schemas.openxmlformats.org/presentationml/2006/main">
   <p:cSld>
     <p:spTree>
       <p:nvGrpSpPr>
-        <p:cNvPr id="137" name="Shape 137"/>
+        <p:cNvPr id="1" name="Shape 137"/>
         <p:cNvGrpSpPr/>
         <p:nvPr/>
       </p:nvGrpSpPr>
@@ -7505,7 +7712,9 @@
       <p:sp>
         <p:nvSpPr>
           <p:cNvPr id="138" name="Google Shape;138;p23"/>
-          <p:cNvSpPr txBox="1"/>
+          <p:cNvSpPr txBox="1">
+            <a:spLocks noGrp="1"/>
+          </p:cNvSpPr>
           <p:nvPr>
             <p:ph type="title"/>
           </p:nvPr>
@@ -7520,12 +7729,12 @@
           </a:prstGeom>
         </p:spPr>
         <p:txBody>
-          <a:bodyPr anchorCtr="0" anchor="t" bIns="91425" lIns="91425" spcFirstLastPara="1" rIns="91425" wrap="square" tIns="91425">
+          <a:bodyPr spcFirstLastPara="1" wrap="square" lIns="91425" tIns="91425" rIns="91425" bIns="91425" anchor="t" anchorCtr="0">
             <a:noAutofit/>
           </a:bodyPr>
           <a:lstStyle/>
           <a:p>
-            <a:pPr indent="0" lvl="0" marL="0" rtl="0" algn="l">
+            <a:pPr marL="0" lvl="0" indent="0" algn="l" rtl="0">
               <a:spcBef>
                 <a:spcPts val="0"/>
               </a:spcBef>
@@ -7556,7 +7765,7 @@
             </a:endParaRPr>
           </a:p>
           <a:p>
-            <a:pPr indent="0" lvl="0" marL="0" rtl="0" algn="l">
+            <a:pPr marL="0" lvl="0" indent="0" algn="l" rtl="0">
               <a:spcBef>
                 <a:spcPts val="0"/>
               </a:spcBef>
@@ -7565,9 +7774,6 @@
               </a:spcAft>
               <a:buNone/>
             </a:pPr>
-            <a:r>
-              <a:t/>
-            </a:r>
             <a:endParaRPr/>
           </a:p>
         </p:txBody>
@@ -7590,11 +7796,41 @@
                 <a:tableStyleId>{38B1C191-7ACC-48D0-8337-BF84B7EADF99}</a:tableStyleId>
               </a:tblPr>
               <a:tblGrid>
-                <a:gridCol w="1248350"/>
-                <a:gridCol w="1248350"/>
-                <a:gridCol w="1248350"/>
-                <a:gridCol w="1248350"/>
-                <a:gridCol w="1248350"/>
+                <a:gridCol w="1248350">
+                  <a:extLst>
+                    <a:ext uri="{9D8B030D-6E8A-4147-A177-3AD203B41FA5}">
+                      <a16:colId xmlns:a16="http://schemas.microsoft.com/office/drawing/2014/main" val="20000"/>
+                    </a:ext>
+                  </a:extLst>
+                </a:gridCol>
+                <a:gridCol w="1248350">
+                  <a:extLst>
+                    <a:ext uri="{9D8B030D-6E8A-4147-A177-3AD203B41FA5}">
+                      <a16:colId xmlns:a16="http://schemas.microsoft.com/office/drawing/2014/main" val="20001"/>
+                    </a:ext>
+                  </a:extLst>
+                </a:gridCol>
+                <a:gridCol w="1248350">
+                  <a:extLst>
+                    <a:ext uri="{9D8B030D-6E8A-4147-A177-3AD203B41FA5}">
+                      <a16:colId xmlns:a16="http://schemas.microsoft.com/office/drawing/2014/main" val="20002"/>
+                    </a:ext>
+                  </a:extLst>
+                </a:gridCol>
+                <a:gridCol w="1248350">
+                  <a:extLst>
+                    <a:ext uri="{9D8B030D-6E8A-4147-A177-3AD203B41FA5}">
+                      <a16:colId xmlns:a16="http://schemas.microsoft.com/office/drawing/2014/main" val="20003"/>
+                    </a:ext>
+                  </a:extLst>
+                </a:gridCol>
+                <a:gridCol w="1248350">
+                  <a:extLst>
+                    <a:ext uri="{9D8B030D-6E8A-4147-A177-3AD203B41FA5}">
+                      <a16:colId xmlns:a16="http://schemas.microsoft.com/office/drawing/2014/main" val="20004"/>
+                    </a:ext>
+                  </a:extLst>
+                </a:gridCol>
               </a:tblGrid>
               <a:tr h="458975">
                 <a:tc>
@@ -7602,7 +7838,7 @@
                     <a:bodyPr/>
                     <a:lstStyle/>
                     <a:p>
-                      <a:pPr indent="0" lvl="0" marL="0" rtl="0" algn="ctr">
+                      <a:pPr marL="0" lvl="0" indent="0" algn="ctr" rtl="0">
                         <a:spcBef>
                           <a:spcPts val="0"/>
                         </a:spcBef>
@@ -7612,7 +7848,7 @@
                         <a:buNone/>
                       </a:pPr>
                       <a:r>
-                        <a:rPr b="1" lang="ko">
+                        <a:rPr lang="ko" b="1">
                           <a:latin typeface="Oswald"/>
                           <a:ea typeface="Oswald"/>
                           <a:cs typeface="Oswald"/>
@@ -7628,14 +7864,14 @@
                       </a:endParaRPr>
                     </a:p>
                   </a:txBody>
-                  <a:tcPr marT="91425" marB="91425" marR="91425" marL="91425"/>
+                  <a:tcPr marL="91425" marR="91425" marT="91425" marB="91425"/>
                 </a:tc>
                 <a:tc>
                   <a:txBody>
                     <a:bodyPr/>
                     <a:lstStyle/>
                     <a:p>
-                      <a:pPr indent="0" lvl="0" marL="0" rtl="0" algn="ctr">
+                      <a:pPr marL="0" lvl="0" indent="0" algn="ctr" rtl="0">
                         <a:spcBef>
                           <a:spcPts val="0"/>
                         </a:spcBef>
@@ -7645,7 +7881,7 @@
                         <a:buNone/>
                       </a:pPr>
                       <a:r>
-                        <a:rPr b="1" lang="ko">
+                        <a:rPr lang="ko" b="1">
                           <a:latin typeface="Oswald"/>
                           <a:ea typeface="Oswald"/>
                           <a:cs typeface="Oswald"/>
@@ -7661,14 +7897,14 @@
                       </a:endParaRPr>
                     </a:p>
                   </a:txBody>
-                  <a:tcPr marT="91425" marB="91425" marR="91425" marL="91425"/>
+                  <a:tcPr marL="91425" marR="91425" marT="91425" marB="91425"/>
                 </a:tc>
                 <a:tc>
                   <a:txBody>
                     <a:bodyPr/>
                     <a:lstStyle/>
                     <a:p>
-                      <a:pPr indent="0" lvl="0" marL="0" rtl="0" algn="ctr">
+                      <a:pPr marL="0" lvl="0" indent="0" algn="ctr" rtl="0">
                         <a:spcBef>
                           <a:spcPts val="0"/>
                         </a:spcBef>
@@ -7678,7 +7914,7 @@
                         <a:buNone/>
                       </a:pPr>
                       <a:r>
-                        <a:rPr b="1" lang="ko">
+                        <a:rPr lang="ko" b="1">
                           <a:latin typeface="Oswald"/>
                           <a:ea typeface="Oswald"/>
                           <a:cs typeface="Oswald"/>
@@ -7694,14 +7930,14 @@
                       </a:endParaRPr>
                     </a:p>
                   </a:txBody>
-                  <a:tcPr marT="91425" marB="91425" marR="91425" marL="91425"/>
+                  <a:tcPr marL="91425" marR="91425" marT="91425" marB="91425"/>
                 </a:tc>
                 <a:tc>
                   <a:txBody>
                     <a:bodyPr/>
                     <a:lstStyle/>
                     <a:p>
-                      <a:pPr indent="0" lvl="0" marL="0" rtl="0" algn="ctr">
+                      <a:pPr marL="0" lvl="0" indent="0" algn="ctr" rtl="0">
                         <a:spcBef>
                           <a:spcPts val="0"/>
                         </a:spcBef>
@@ -7711,7 +7947,7 @@
                         <a:buNone/>
                       </a:pPr>
                       <a:r>
-                        <a:rPr b="1" lang="ko">
+                        <a:rPr lang="ko" b="1">
                           <a:latin typeface="Oswald"/>
                           <a:ea typeface="Oswald"/>
                           <a:cs typeface="Oswald"/>
@@ -7727,14 +7963,14 @@
                       </a:endParaRPr>
                     </a:p>
                   </a:txBody>
-                  <a:tcPr marT="91425" marB="91425" marR="91425" marL="91425"/>
+                  <a:tcPr marL="91425" marR="91425" marT="91425" marB="91425"/>
                 </a:tc>
                 <a:tc>
                   <a:txBody>
                     <a:bodyPr/>
                     <a:lstStyle/>
                     <a:p>
-                      <a:pPr indent="0" lvl="0" marL="0" rtl="0" algn="ctr">
+                      <a:pPr marL="0" lvl="0" indent="0" algn="ctr" rtl="0">
                         <a:spcBef>
                           <a:spcPts val="0"/>
                         </a:spcBef>
@@ -7744,7 +7980,7 @@
                         <a:buNone/>
                       </a:pPr>
                       <a:r>
-                        <a:rPr b="1" lang="ko">
+                        <a:rPr lang="ko" b="1">
                           <a:latin typeface="Oswald"/>
                           <a:ea typeface="Oswald"/>
                           <a:cs typeface="Oswald"/>
@@ -7760,8 +7996,13 @@
                       </a:endParaRPr>
                     </a:p>
                   </a:txBody>
-                  <a:tcPr marT="91425" marB="91425" marR="91425" marL="91425"/>
+                  <a:tcPr marL="91425" marR="91425" marT="91425" marB="91425"/>
                 </a:tc>
+                <a:extLst>
+                  <a:ext uri="{0D108BD9-81ED-4DB2-BD59-A6C34878D82A}">
+                    <a16:rowId xmlns:a16="http://schemas.microsoft.com/office/drawing/2014/main" val="10000"/>
+                  </a:ext>
+                </a:extLst>
               </a:tr>
               <a:tr h="594625">
                 <a:tc>
@@ -7769,7 +8010,7 @@
                     <a:bodyPr/>
                     <a:lstStyle/>
                     <a:p>
-                      <a:pPr indent="0" lvl="0" marL="0" rtl="0" algn="ctr">
+                      <a:pPr marL="0" lvl="0" indent="0" algn="ctr" rtl="0">
                         <a:spcBef>
                           <a:spcPts val="0"/>
                         </a:spcBef>
@@ -7779,7 +8020,7 @@
                         <a:buNone/>
                       </a:pPr>
                       <a:r>
-                        <a:rPr b="1" lang="ko">
+                        <a:rPr lang="ko" b="1">
                           <a:latin typeface="Oswald"/>
                           <a:ea typeface="Oswald"/>
                           <a:cs typeface="Oswald"/>
@@ -7795,14 +8036,14 @@
                       </a:endParaRPr>
                     </a:p>
                   </a:txBody>
-                  <a:tcPr marT="91425" marB="91425" marR="91425" marL="91425"/>
+                  <a:tcPr marL="91425" marR="91425" marT="91425" marB="91425"/>
                 </a:tc>
                 <a:tc>
                   <a:txBody>
                     <a:bodyPr/>
                     <a:lstStyle/>
                     <a:p>
-                      <a:pPr indent="0" lvl="0" marL="0" rtl="0" algn="ctr">
+                      <a:pPr marL="0" lvl="0" indent="0" algn="ctr" rtl="0">
                         <a:spcBef>
                           <a:spcPts val="0"/>
                         </a:spcBef>
@@ -7828,14 +8069,14 @@
                       </a:endParaRPr>
                     </a:p>
                   </a:txBody>
-                  <a:tcPr marT="91425" marB="91425" marR="91425" marL="91425"/>
+                  <a:tcPr marL="91425" marR="91425" marT="91425" marB="91425"/>
                 </a:tc>
                 <a:tc>
                   <a:txBody>
                     <a:bodyPr/>
                     <a:lstStyle/>
                     <a:p>
-                      <a:pPr indent="0" lvl="0" marL="0" rtl="0" algn="ctr">
+                      <a:pPr marL="0" lvl="0" indent="0" algn="ctr" rtl="0">
                         <a:spcBef>
                           <a:spcPts val="0"/>
                         </a:spcBef>
@@ -7861,14 +8102,14 @@
                       </a:endParaRPr>
                     </a:p>
                   </a:txBody>
-                  <a:tcPr marT="91425" marB="91425" marR="91425" marL="91425"/>
+                  <a:tcPr marL="91425" marR="91425" marT="91425" marB="91425"/>
                 </a:tc>
                 <a:tc>
                   <a:txBody>
                     <a:bodyPr/>
                     <a:lstStyle/>
                     <a:p>
-                      <a:pPr indent="0" lvl="0" marL="0" rtl="0" algn="ctr">
+                      <a:pPr marL="0" lvl="0" indent="0" algn="ctr" rtl="0">
                         <a:spcBef>
                           <a:spcPts val="0"/>
                         </a:spcBef>
@@ -7878,7 +8119,7 @@
                         <a:buNone/>
                       </a:pPr>
                       <a:r>
-                        <a:rPr b="1" lang="ko" u="sng">
+                        <a:rPr lang="ko" b="1" u="sng">
                           <a:latin typeface="Oswald"/>
                           <a:ea typeface="Oswald"/>
                           <a:cs typeface="Oswald"/>
@@ -7894,14 +8135,14 @@
                       </a:endParaRPr>
                     </a:p>
                   </a:txBody>
-                  <a:tcPr marT="91425" marB="91425" marR="91425" marL="91425"/>
+                  <a:tcPr marL="91425" marR="91425" marT="91425" marB="91425"/>
                 </a:tc>
                 <a:tc>
                   <a:txBody>
                     <a:bodyPr/>
                     <a:lstStyle/>
                     <a:p>
-                      <a:pPr indent="0" lvl="0" marL="0" rtl="0" algn="ctr">
+                      <a:pPr marL="0" lvl="0" indent="0" algn="ctr" rtl="0">
                         <a:spcBef>
                           <a:spcPts val="0"/>
                         </a:spcBef>
@@ -7927,8 +8168,13 @@
                       </a:endParaRPr>
                     </a:p>
                   </a:txBody>
-                  <a:tcPr marT="91425" marB="91425" marR="91425" marL="91425"/>
+                  <a:tcPr marL="91425" marR="91425" marT="91425" marB="91425"/>
                 </a:tc>
+                <a:extLst>
+                  <a:ext uri="{0D108BD9-81ED-4DB2-BD59-A6C34878D82A}">
+                    <a16:rowId xmlns:a16="http://schemas.microsoft.com/office/drawing/2014/main" val="10001"/>
+                  </a:ext>
+                </a:extLst>
               </a:tr>
               <a:tr h="594625">
                 <a:tc>
@@ -7936,7 +8182,7 @@
                     <a:bodyPr/>
                     <a:lstStyle/>
                     <a:p>
-                      <a:pPr indent="0" lvl="0" marL="0" rtl="0" algn="ctr">
+                      <a:pPr marL="0" lvl="0" indent="0" algn="ctr" rtl="0">
                         <a:spcBef>
                           <a:spcPts val="0"/>
                         </a:spcBef>
@@ -7946,7 +8192,7 @@
                         <a:buNone/>
                       </a:pPr>
                       <a:r>
-                        <a:rPr b="1" lang="ko">
+                        <a:rPr lang="ko" b="1">
                           <a:latin typeface="Oswald"/>
                           <a:ea typeface="Oswald"/>
                           <a:cs typeface="Oswald"/>
@@ -7962,14 +8208,14 @@
                       </a:endParaRPr>
                     </a:p>
                   </a:txBody>
-                  <a:tcPr marT="91425" marB="91425" marR="91425" marL="91425"/>
+                  <a:tcPr marL="91425" marR="91425" marT="91425" marB="91425"/>
                 </a:tc>
                 <a:tc>
                   <a:txBody>
                     <a:bodyPr/>
                     <a:lstStyle/>
                     <a:p>
-                      <a:pPr indent="0" lvl="0" marL="0" rtl="0" algn="ctr">
+                      <a:pPr marL="0" lvl="0" indent="0" algn="ctr" rtl="0">
                         <a:spcBef>
                           <a:spcPts val="0"/>
                         </a:spcBef>
@@ -7995,14 +8241,14 @@
                       </a:endParaRPr>
                     </a:p>
                   </a:txBody>
-                  <a:tcPr marT="91425" marB="91425" marR="91425" marL="91425"/>
+                  <a:tcPr marL="91425" marR="91425" marT="91425" marB="91425"/>
                 </a:tc>
                 <a:tc>
                   <a:txBody>
                     <a:bodyPr/>
                     <a:lstStyle/>
                     <a:p>
-                      <a:pPr indent="0" lvl="0" marL="0" rtl="0" algn="ctr">
+                      <a:pPr marL="0" lvl="0" indent="0" algn="ctr" rtl="0">
                         <a:spcBef>
                           <a:spcPts val="0"/>
                         </a:spcBef>
@@ -8012,7 +8258,7 @@
                         <a:buNone/>
                       </a:pPr>
                       <a:r>
-                        <a:rPr b="1" lang="ko" u="sng">
+                        <a:rPr lang="ko" b="1" u="sng">
                           <a:latin typeface="Oswald"/>
                           <a:ea typeface="Oswald"/>
                           <a:cs typeface="Oswald"/>
@@ -8028,14 +8274,14 @@
                       </a:endParaRPr>
                     </a:p>
                   </a:txBody>
-                  <a:tcPr marT="91425" marB="91425" marR="91425" marL="91425"/>
+                  <a:tcPr marL="91425" marR="91425" marT="91425" marB="91425"/>
                 </a:tc>
                 <a:tc>
                   <a:txBody>
                     <a:bodyPr/>
                     <a:lstStyle/>
                     <a:p>
-                      <a:pPr indent="0" lvl="0" marL="0" rtl="0" algn="ctr">
+                      <a:pPr marL="0" lvl="0" indent="0" algn="ctr" rtl="0">
                         <a:spcBef>
                           <a:spcPts val="0"/>
                         </a:spcBef>
@@ -8061,14 +8307,14 @@
                       </a:endParaRPr>
                     </a:p>
                   </a:txBody>
-                  <a:tcPr marT="91425" marB="91425" marR="91425" marL="91425"/>
+                  <a:tcPr marL="91425" marR="91425" marT="91425" marB="91425"/>
                 </a:tc>
                 <a:tc>
                   <a:txBody>
                     <a:bodyPr/>
                     <a:lstStyle/>
                     <a:p>
-                      <a:pPr indent="0" lvl="0" marL="0" rtl="0" algn="ctr">
+                      <a:pPr marL="0" lvl="0" indent="0" algn="ctr" rtl="0">
                         <a:spcBef>
                           <a:spcPts val="0"/>
                         </a:spcBef>
@@ -8094,8 +8340,13 @@
                       </a:endParaRPr>
                     </a:p>
                   </a:txBody>
-                  <a:tcPr marT="91425" marB="91425" marR="91425" marL="91425"/>
+                  <a:tcPr marL="91425" marR="91425" marT="91425" marB="91425"/>
                 </a:tc>
+                <a:extLst>
+                  <a:ext uri="{0D108BD9-81ED-4DB2-BD59-A6C34878D82A}">
+                    <a16:rowId xmlns:a16="http://schemas.microsoft.com/office/drawing/2014/main" val="10002"/>
+                  </a:ext>
+                </a:extLst>
               </a:tr>
               <a:tr h="594625">
                 <a:tc>
@@ -8103,7 +8354,7 @@
                     <a:bodyPr/>
                     <a:lstStyle/>
                     <a:p>
-                      <a:pPr indent="0" lvl="0" marL="0" rtl="0" algn="ctr">
+                      <a:pPr marL="0" lvl="0" indent="0" algn="ctr" rtl="0">
                         <a:spcBef>
                           <a:spcPts val="0"/>
                         </a:spcBef>
@@ -8113,7 +8364,7 @@
                         <a:buNone/>
                       </a:pPr>
                       <a:r>
-                        <a:rPr b="1" lang="ko">
+                        <a:rPr lang="ko" b="1">
                           <a:latin typeface="Oswald"/>
                           <a:ea typeface="Oswald"/>
                           <a:cs typeface="Oswald"/>
@@ -8129,14 +8380,14 @@
                       </a:endParaRPr>
                     </a:p>
                   </a:txBody>
-                  <a:tcPr marT="91425" marB="91425" marR="91425" marL="91425"/>
+                  <a:tcPr marL="91425" marR="91425" marT="91425" marB="91425"/>
                 </a:tc>
                 <a:tc>
                   <a:txBody>
                     <a:bodyPr/>
                     <a:lstStyle/>
                     <a:p>
-                      <a:pPr indent="0" lvl="0" marL="0" rtl="0" algn="ctr">
+                      <a:pPr marL="0" lvl="0" indent="0" algn="ctr" rtl="0">
                         <a:spcBef>
                           <a:spcPts val="0"/>
                         </a:spcBef>
@@ -8162,14 +8413,14 @@
                       </a:endParaRPr>
                     </a:p>
                   </a:txBody>
-                  <a:tcPr marT="91425" marB="91425" marR="91425" marL="91425"/>
+                  <a:tcPr marL="91425" marR="91425" marT="91425" marB="91425"/>
                 </a:tc>
                 <a:tc>
                   <a:txBody>
                     <a:bodyPr/>
                     <a:lstStyle/>
                     <a:p>
-                      <a:pPr indent="0" lvl="0" marL="0" rtl="0" algn="ctr">
+                      <a:pPr marL="0" lvl="0" indent="0" algn="ctr" rtl="0">
                         <a:spcBef>
                           <a:spcPts val="0"/>
                         </a:spcBef>
@@ -8179,7 +8430,7 @@
                         <a:buNone/>
                       </a:pPr>
                       <a:r>
-                        <a:rPr b="1" lang="ko" u="sng">
+                        <a:rPr lang="ko" b="1" u="sng">
                           <a:latin typeface="Oswald"/>
                           <a:ea typeface="Oswald"/>
                           <a:cs typeface="Oswald"/>
@@ -8195,14 +8446,14 @@
                       </a:endParaRPr>
                     </a:p>
                   </a:txBody>
-                  <a:tcPr marT="91425" marB="91425" marR="91425" marL="91425"/>
+                  <a:tcPr marL="91425" marR="91425" marT="91425" marB="91425"/>
                 </a:tc>
                 <a:tc>
                   <a:txBody>
                     <a:bodyPr/>
                     <a:lstStyle/>
                     <a:p>
-                      <a:pPr indent="0" lvl="0" marL="0" rtl="0" algn="ctr">
+                      <a:pPr marL="0" lvl="0" indent="0" algn="ctr" rtl="0">
                         <a:spcBef>
                           <a:spcPts val="0"/>
                         </a:spcBef>
@@ -8228,14 +8479,14 @@
                       </a:endParaRPr>
                     </a:p>
                   </a:txBody>
-                  <a:tcPr marT="91425" marB="91425" marR="91425" marL="91425"/>
+                  <a:tcPr marL="91425" marR="91425" marT="91425" marB="91425"/>
                 </a:tc>
                 <a:tc>
                   <a:txBody>
                     <a:bodyPr/>
                     <a:lstStyle/>
                     <a:p>
-                      <a:pPr indent="0" lvl="0" marL="0" rtl="0" algn="ctr">
+                      <a:pPr marL="0" lvl="0" indent="0" algn="ctr" rtl="0">
                         <a:spcBef>
                           <a:spcPts val="0"/>
                         </a:spcBef>
@@ -8261,8 +8512,13 @@
                       </a:endParaRPr>
                     </a:p>
                   </a:txBody>
-                  <a:tcPr marT="91425" marB="91425" marR="91425" marL="91425"/>
+                  <a:tcPr marL="91425" marR="91425" marT="91425" marB="91425"/>
                 </a:tc>
+                <a:extLst>
+                  <a:ext uri="{0D108BD9-81ED-4DB2-BD59-A6C34878D82A}">
+                    <a16:rowId xmlns:a16="http://schemas.microsoft.com/office/drawing/2014/main" val="10003"/>
+                  </a:ext>
+                </a:extLst>
               </a:tr>
             </a:tbl>
           </a:graphicData>
@@ -8288,12 +8544,12 @@
           </a:ln>
         </p:spPr>
         <p:txBody>
-          <a:bodyPr anchorCtr="0" anchor="t" bIns="91425" lIns="91425" spcFirstLastPara="1" rIns="91425" wrap="square" tIns="91425">
+          <a:bodyPr spcFirstLastPara="1" wrap="square" lIns="91425" tIns="91425" rIns="91425" bIns="91425" anchor="t" anchorCtr="0">
             <a:noAutofit/>
           </a:bodyPr>
           <a:lstStyle/>
           <a:p>
-            <a:pPr indent="0" lvl="0" marL="0" rtl="0" algn="ctr">
+            <a:pPr marL="0" lvl="0" indent="0" algn="ctr" rtl="0">
               <a:spcBef>
                 <a:spcPts val="0"/>
               </a:spcBef>
@@ -8340,12 +8596,12 @@
           </a:ln>
         </p:spPr>
         <p:txBody>
-          <a:bodyPr anchorCtr="0" anchor="t" bIns="91425" lIns="91425" spcFirstLastPara="1" rIns="91425" wrap="square" tIns="91425">
+          <a:bodyPr spcFirstLastPara="1" wrap="square" lIns="91425" tIns="91425" rIns="91425" bIns="91425" anchor="t" anchorCtr="0">
             <a:noAutofit/>
           </a:bodyPr>
           <a:lstStyle/>
           <a:p>
-            <a:pPr indent="0" lvl="0" marL="0" rtl="0" algn="ctr">
+            <a:pPr marL="0" lvl="0" indent="0" algn="ctr" rtl="0">
               <a:spcBef>
                 <a:spcPts val="0"/>
               </a:spcBef>
@@ -8392,12 +8648,12 @@
           </a:ln>
         </p:spPr>
         <p:txBody>
-          <a:bodyPr anchorCtr="0" anchor="t" bIns="91425" lIns="91425" spcFirstLastPara="1" rIns="91425" wrap="square" tIns="91425">
+          <a:bodyPr spcFirstLastPara="1" wrap="square" lIns="91425" tIns="91425" rIns="91425" bIns="91425" anchor="t" anchorCtr="0">
             <a:noAutofit/>
           </a:bodyPr>
           <a:lstStyle/>
           <a:p>
-            <a:pPr indent="0" lvl="0" marL="0" rtl="0" algn="l">
+            <a:pPr marL="0" lvl="0" indent="0" algn="l" rtl="0">
               <a:spcBef>
                 <a:spcPts val="0"/>
               </a:spcBef>
@@ -8433,11 +8689,11 @@
 </file>
 
 <file path=ppt/slides/slide12.xml><?xml version="1.0" encoding="utf-8"?>
-<p:sld xmlns:a="http://schemas.openxmlformats.org/drawingml/2006/main" xmlns:r="http://schemas.openxmlformats.org/officeDocument/2006/relationships" xmlns:mc="http://schemas.openxmlformats.org/markup-compatibility/2006" xmlns:mv="urn:schemas-microsoft-com:mac:vml" xmlns:p="http://schemas.openxmlformats.org/presentationml/2006/main" xmlns:c="http://schemas.openxmlformats.org/drawingml/2006/chart" xmlns:dgm="http://schemas.openxmlformats.org/drawingml/2006/diagram" xmlns:o="urn:schemas-microsoft-com:office:office" xmlns:v="urn:schemas-microsoft-com:vml" xmlns:pvml="urn:schemas-microsoft-com:office:powerpoint" xmlns:com="http://schemas.openxmlformats.org/drawingml/2006/compatibility" xmlns:p14="http://schemas.microsoft.com/office/powerpoint/2010/main" xmlns:p15="http://schemas.microsoft.com/office/powerpoint/2012/main">
+<p:sld xmlns:a="http://schemas.openxmlformats.org/drawingml/2006/main" xmlns:r="http://schemas.openxmlformats.org/officeDocument/2006/relationships" xmlns:p="http://schemas.openxmlformats.org/presentationml/2006/main">
   <p:cSld>
     <p:spTree>
       <p:nvGrpSpPr>
-        <p:cNvPr id="146" name="Shape 146"/>
+        <p:cNvPr id="1" name="Shape 146"/>
         <p:cNvGrpSpPr/>
         <p:nvPr/>
       </p:nvGrpSpPr>
@@ -8452,7 +8708,9 @@
       <p:sp>
         <p:nvSpPr>
           <p:cNvPr id="147" name="Google Shape;147;p24"/>
-          <p:cNvSpPr txBox="1"/>
+          <p:cNvSpPr txBox="1">
+            <a:spLocks noGrp="1"/>
+          </p:cNvSpPr>
           <p:nvPr>
             <p:ph type="title"/>
           </p:nvPr>
@@ -8467,12 +8725,12 @@
           </a:prstGeom>
         </p:spPr>
         <p:txBody>
-          <a:bodyPr anchorCtr="0" anchor="t" bIns="91425" lIns="91425" spcFirstLastPara="1" rIns="91425" wrap="square" tIns="91425">
+          <a:bodyPr spcFirstLastPara="1" wrap="square" lIns="91425" tIns="91425" rIns="91425" bIns="91425" anchor="t" anchorCtr="0">
             <a:noAutofit/>
           </a:bodyPr>
           <a:lstStyle/>
           <a:p>
-            <a:pPr indent="0" lvl="0" marL="0" rtl="0" algn="l">
+            <a:pPr marL="0" lvl="0" indent="0" algn="l" rtl="0">
               <a:spcBef>
                 <a:spcPts val="0"/>
               </a:spcBef>
@@ -8502,9 +8760,11 @@
       <p:sp>
         <p:nvSpPr>
           <p:cNvPr id="148" name="Google Shape;148;p24"/>
-          <p:cNvSpPr txBox="1"/>
+          <p:cNvSpPr txBox="1">
+            <a:spLocks noGrp="1"/>
+          </p:cNvSpPr>
           <p:nvPr>
-            <p:ph idx="1" type="body"/>
+            <p:ph type="body" idx="1"/>
           </p:nvPr>
         </p:nvSpPr>
         <p:spPr>
@@ -8517,12 +8777,12 @@
           </a:prstGeom>
         </p:spPr>
         <p:txBody>
-          <a:bodyPr anchorCtr="0" anchor="t" bIns="91425" lIns="91425" spcFirstLastPara="1" rIns="91425" wrap="square" tIns="91425">
+          <a:bodyPr spcFirstLastPara="1" wrap="square" lIns="91425" tIns="91425" rIns="91425" bIns="91425" anchor="t" anchorCtr="0">
             <a:noAutofit/>
           </a:bodyPr>
           <a:lstStyle/>
           <a:p>
-            <a:pPr indent="-342900" lvl="0" marL="457200" rtl="0" algn="l">
+            <a:pPr marL="457200" lvl="0" indent="-342900" algn="l" rtl="0">
               <a:lnSpc>
                 <a:spcPct val="150000"/>
               </a:lnSpc>
@@ -8542,7 +8802,7 @@
             <a:endParaRPr/>
           </a:p>
           <a:p>
-            <a:pPr indent="-342900" lvl="0" marL="457200" rtl="0" algn="l">
+            <a:pPr marL="457200" lvl="0" indent="-342900" algn="l" rtl="0">
               <a:lnSpc>
                 <a:spcPct val="150000"/>
               </a:lnSpc>
@@ -8562,7 +8822,7 @@
             <a:endParaRPr/>
           </a:p>
           <a:p>
-            <a:pPr indent="-342900" lvl="0" marL="457200" rtl="0" algn="l">
+            <a:pPr marL="457200" lvl="0" indent="-342900" algn="l" rtl="0">
               <a:lnSpc>
                 <a:spcPct val="150000"/>
               </a:lnSpc>
@@ -8582,7 +8842,7 @@
             <a:endParaRPr/>
           </a:p>
           <a:p>
-            <a:pPr indent="-342900" lvl="0" marL="457200" rtl="0" algn="l">
+            <a:pPr marL="457200" lvl="0" indent="-342900" algn="l" rtl="0">
               <a:lnSpc>
                 <a:spcPct val="150000"/>
               </a:lnSpc>
@@ -8612,11 +8872,11 @@
 </file>
 
 <file path=ppt/slides/slide13.xml><?xml version="1.0" encoding="utf-8"?>
-<p:sld xmlns:a="http://schemas.openxmlformats.org/drawingml/2006/main" xmlns:r="http://schemas.openxmlformats.org/officeDocument/2006/relationships" xmlns:mc="http://schemas.openxmlformats.org/markup-compatibility/2006" xmlns:mv="urn:schemas-microsoft-com:mac:vml" xmlns:p="http://schemas.openxmlformats.org/presentationml/2006/main" xmlns:c="http://schemas.openxmlformats.org/drawingml/2006/chart" xmlns:dgm="http://schemas.openxmlformats.org/drawingml/2006/diagram" xmlns:o="urn:schemas-microsoft-com:office:office" xmlns:v="urn:schemas-microsoft-com:vml" xmlns:pvml="urn:schemas-microsoft-com:office:powerpoint" xmlns:com="http://schemas.openxmlformats.org/drawingml/2006/compatibility" xmlns:p14="http://schemas.microsoft.com/office/powerpoint/2010/main" xmlns:p15="http://schemas.microsoft.com/office/powerpoint/2012/main">
+<p:sld xmlns:a="http://schemas.openxmlformats.org/drawingml/2006/main" xmlns:r="http://schemas.openxmlformats.org/officeDocument/2006/relationships" xmlns:p="http://schemas.openxmlformats.org/presentationml/2006/main">
   <p:cSld>
     <p:spTree>
       <p:nvGrpSpPr>
-        <p:cNvPr id="152" name="Shape 152"/>
+        <p:cNvPr id="1" name="Shape 152"/>
         <p:cNvGrpSpPr/>
         <p:nvPr/>
       </p:nvGrpSpPr>
@@ -8631,7 +8891,9 @@
       <p:sp>
         <p:nvSpPr>
           <p:cNvPr id="153" name="Google Shape;153;p25"/>
-          <p:cNvSpPr txBox="1"/>
+          <p:cNvSpPr txBox="1">
+            <a:spLocks noGrp="1"/>
+          </p:cNvSpPr>
           <p:nvPr>
             <p:ph type="title"/>
           </p:nvPr>
@@ -8646,12 +8908,12 @@
           </a:prstGeom>
         </p:spPr>
         <p:txBody>
-          <a:bodyPr anchorCtr="0" anchor="t" bIns="91425" lIns="91425" spcFirstLastPara="1" rIns="91425" wrap="square" tIns="91425">
+          <a:bodyPr spcFirstLastPara="1" wrap="square" lIns="91425" tIns="91425" rIns="91425" bIns="91425" anchor="t" anchorCtr="0">
             <a:noAutofit/>
           </a:bodyPr>
           <a:lstStyle/>
           <a:p>
-            <a:pPr indent="0" lvl="0" marL="0" rtl="0" algn="l">
+            <a:pPr marL="0" lvl="0" indent="0" algn="l" rtl="0">
               <a:spcBef>
                 <a:spcPts val="0"/>
               </a:spcBef>
@@ -8682,11 +8944,17 @@
         <p:nvGraphicFramePr>
           <p:cNvPr id="154" name="Google Shape;154;p25"/>
           <p:cNvGraphicFramePr/>
-          <p:nvPr/>
+          <p:nvPr>
+            <p:extLst>
+              <p:ext uri="{D42A27DB-BD31-4B8C-83A1-F6EECF244321}">
+                <p14:modId xmlns:p14="http://schemas.microsoft.com/office/powerpoint/2010/main" val="1688407205"/>
+              </p:ext>
+            </p:extLst>
+          </p:nvPr>
         </p:nvGraphicFramePr>
         <p:xfrm>
           <a:off x="311700" y="1383550"/>
-          <a:ext cx="3000000" cy="3000000"/>
+          <a:ext cx="8454700" cy="3856473"/>
         </p:xfrm>
         <a:graphic>
           <a:graphicData uri="http://schemas.openxmlformats.org/drawingml/2006/table">
@@ -8696,10 +8964,34 @@
                 <a:tableStyleId>{38B1C191-7ACC-48D0-8337-BF84B7EADF99}</a:tableStyleId>
               </a:tblPr>
               <a:tblGrid>
-                <a:gridCol w="1946925"/>
-                <a:gridCol w="3044050"/>
-                <a:gridCol w="1455350"/>
-                <a:gridCol w="2008375"/>
+                <a:gridCol w="1946925">
+                  <a:extLst>
+                    <a:ext uri="{9D8B030D-6E8A-4147-A177-3AD203B41FA5}">
+                      <a16:colId xmlns:a16="http://schemas.microsoft.com/office/drawing/2014/main" val="20000"/>
+                    </a:ext>
+                  </a:extLst>
+                </a:gridCol>
+                <a:gridCol w="3044050">
+                  <a:extLst>
+                    <a:ext uri="{9D8B030D-6E8A-4147-A177-3AD203B41FA5}">
+                      <a16:colId xmlns:a16="http://schemas.microsoft.com/office/drawing/2014/main" val="20001"/>
+                    </a:ext>
+                  </a:extLst>
+                </a:gridCol>
+                <a:gridCol w="1455350">
+                  <a:extLst>
+                    <a:ext uri="{9D8B030D-6E8A-4147-A177-3AD203B41FA5}">
+                      <a16:colId xmlns:a16="http://schemas.microsoft.com/office/drawing/2014/main" val="20002"/>
+                    </a:ext>
+                  </a:extLst>
+                </a:gridCol>
+                <a:gridCol w="2008375">
+                  <a:extLst>
+                    <a:ext uri="{9D8B030D-6E8A-4147-A177-3AD203B41FA5}">
+                      <a16:colId xmlns:a16="http://schemas.microsoft.com/office/drawing/2014/main" val="20003"/>
+                    </a:ext>
+                  </a:extLst>
+                </a:gridCol>
               </a:tblGrid>
               <a:tr h="571200">
                 <a:tc>
@@ -8707,7 +8999,7 @@
                     <a:bodyPr/>
                     <a:lstStyle/>
                     <a:p>
-                      <a:pPr indent="0" lvl="0" marL="0" rtl="0" algn="ctr">
+                      <a:pPr marL="0" lvl="0" indent="0" algn="ctr" rtl="0">
                         <a:spcBef>
                           <a:spcPts val="0"/>
                         </a:spcBef>
@@ -8717,20 +9009,20 @@
                         <a:buNone/>
                       </a:pPr>
                       <a:r>
-                        <a:rPr b="1" lang="ko" sz="1800"/>
+                        <a:rPr lang="ko" sz="1800" b="1"/>
                         <a:t>Member</a:t>
                       </a:r>
-                      <a:endParaRPr b="1" sz="1800"/>
+                      <a:endParaRPr sz="1800" b="1"/>
                     </a:p>
                   </a:txBody>
-                  <a:tcPr marT="91425" marB="91425" marR="91425" marL="91425"/>
+                  <a:tcPr marL="91425" marR="91425" marT="91425" marB="91425"/>
                 </a:tc>
                 <a:tc>
                   <a:txBody>
                     <a:bodyPr/>
                     <a:lstStyle/>
                     <a:p>
-                      <a:pPr indent="0" lvl="0" marL="0" rtl="0" algn="ctr">
+                      <a:pPr marL="0" lvl="0" indent="0" algn="ctr" rtl="0">
                         <a:spcBef>
                           <a:spcPts val="0"/>
                         </a:spcBef>
@@ -8740,20 +9032,20 @@
                         <a:buNone/>
                       </a:pPr>
                       <a:r>
-                        <a:rPr b="1" lang="ko" sz="1800"/>
+                        <a:rPr lang="ko" sz="1800" b="1"/>
                         <a:t>Role</a:t>
                       </a:r>
-                      <a:endParaRPr b="1" sz="1800"/>
+                      <a:endParaRPr sz="1800" b="1"/>
                     </a:p>
                   </a:txBody>
-                  <a:tcPr marT="91425" marB="91425" marR="91425" marL="91425"/>
+                  <a:tcPr marL="91425" marR="91425" marT="91425" marB="91425"/>
                 </a:tc>
                 <a:tc>
                   <a:txBody>
                     <a:bodyPr/>
                     <a:lstStyle/>
                     <a:p>
-                      <a:pPr indent="0" lvl="0" marL="0" rtl="0" algn="ctr">
+                      <a:pPr marL="0" lvl="0" indent="0" algn="ctr" rtl="0">
                         <a:spcBef>
                           <a:spcPts val="0"/>
                         </a:spcBef>
@@ -8763,20 +9055,20 @@
                         <a:buNone/>
                       </a:pPr>
                       <a:r>
-                        <a:rPr b="1" lang="ko" sz="1800"/>
+                        <a:rPr lang="ko" sz="1800" b="1"/>
                         <a:t>Is leader?</a:t>
                       </a:r>
-                      <a:endParaRPr b="1" sz="1800"/>
+                      <a:endParaRPr sz="1800" b="1"/>
                     </a:p>
                   </a:txBody>
-                  <a:tcPr marT="91425" marB="91425" marR="91425" marL="91425"/>
+                  <a:tcPr marL="91425" marR="91425" marT="91425" marB="91425"/>
                 </a:tc>
                 <a:tc>
                   <a:txBody>
                     <a:bodyPr/>
                     <a:lstStyle/>
                     <a:p>
-                      <a:pPr indent="0" lvl="0" marL="0" rtl="0" algn="ctr">
+                      <a:pPr marL="0" lvl="0" indent="0" algn="ctr" rtl="0">
                         <a:spcBef>
                           <a:spcPts val="0"/>
                         </a:spcBef>
@@ -8786,14 +9078,19 @@
                         <a:buNone/>
                       </a:pPr>
                       <a:r>
-                        <a:rPr b="1" lang="ko" sz="1800"/>
+                        <a:rPr lang="ko" sz="1800" b="1"/>
                         <a:t>Contribution (%)</a:t>
                       </a:r>
-                      <a:endParaRPr b="1" sz="1800"/>
+                      <a:endParaRPr sz="1800" b="1"/>
                     </a:p>
                   </a:txBody>
-                  <a:tcPr marT="91425" marB="91425" marR="91425" marL="91425"/>
+                  <a:tcPr marL="91425" marR="91425" marT="91425" marB="91425"/>
                 </a:tc>
+                <a:extLst>
+                  <a:ext uri="{0D108BD9-81ED-4DB2-BD59-A6C34878D82A}">
+                    <a16:rowId xmlns:a16="http://schemas.microsoft.com/office/drawing/2014/main" val="10000"/>
+                  </a:ext>
+                </a:extLst>
               </a:tr>
               <a:tr h="959375">
                 <a:tc>
@@ -8801,7 +9098,7 @@
                     <a:bodyPr/>
                     <a:lstStyle/>
                     <a:p>
-                      <a:pPr indent="0" lvl="0" marL="0" rtl="0" algn="ctr">
+                      <a:pPr marL="0" lvl="0" indent="0" algn="ctr" rtl="0">
                         <a:lnSpc>
                           <a:spcPct val="150000"/>
                         </a:lnSpc>
@@ -8814,7 +9111,7 @@
                         <a:buNone/>
                       </a:pPr>
                       <a:r>
-                        <a:rPr baseline="-25000" lang="ko" sz="3200">
+                        <a:rPr lang="ko" sz="3200" baseline="-25000">
                           <a:latin typeface="Average"/>
                           <a:ea typeface="Average"/>
                           <a:cs typeface="Average"/>
@@ -8822,17 +9119,17 @@
                         </a:rPr>
                         <a:t>21100506 이승재</a:t>
                       </a:r>
-                      <a:endParaRPr baseline="-25000" sz="2500"/>
+                      <a:endParaRPr sz="2500" baseline="-25000"/>
                     </a:p>
                   </a:txBody>
-                  <a:tcPr marT="91425" marB="91425" marR="91425" marL="91425"/>
+                  <a:tcPr marL="91425" marR="91425" marT="91425" marB="91425"/>
                 </a:tc>
                 <a:tc>
                   <a:txBody>
                     <a:bodyPr/>
                     <a:lstStyle/>
                     <a:p>
-                      <a:pPr indent="0" lvl="0" marL="0" rtl="0" algn="ctr">
+                      <a:pPr marL="0" lvl="0" indent="0" algn="ctr" rtl="0">
                         <a:spcBef>
                           <a:spcPts val="0"/>
                         </a:spcBef>
@@ -8842,20 +9139,32 @@
                         <a:buNone/>
                       </a:pPr>
                       <a:r>
-                        <a:rPr baseline="-25000" lang="ko" sz="2500"/>
+                        <a:rPr lang="ko" sz="2500" baseline="-25000" dirty="0"/>
                         <a:t>Researching, PPT</a:t>
                       </a:r>
-                      <a:endParaRPr baseline="-25000" sz="2500"/>
+                      <a:r>
+                        <a:rPr lang="en-US" altLang="ko" sz="2500" baseline="-25000" dirty="0"/>
+                        <a:t>, Model</a:t>
+                      </a:r>
+                      <a:r>
+                        <a:rPr lang="ko-KR" altLang="en-US" sz="2500" baseline="-25000" dirty="0"/>
+                        <a:t> </a:t>
+                      </a:r>
+                      <a:r>
+                        <a:rPr lang="en-US" altLang="ko-KR" sz="2500" baseline="-25000" dirty="0"/>
+                        <a:t>evaluation</a:t>
+                      </a:r>
+                      <a:endParaRPr sz="2500" baseline="-25000" dirty="0"/>
                     </a:p>
                   </a:txBody>
-                  <a:tcPr marT="91425" marB="91425" marR="91425" marL="91425"/>
+                  <a:tcPr marL="91425" marR="91425" marT="91425" marB="91425"/>
                 </a:tc>
                 <a:tc>
                   <a:txBody>
                     <a:bodyPr/>
                     <a:lstStyle/>
                     <a:p>
-                      <a:pPr indent="0" lvl="0" marL="0" rtl="0" algn="ctr">
+                      <a:pPr marL="0" lvl="0" indent="0" algn="ctr" rtl="0">
                         <a:spcBef>
                           <a:spcPts val="0"/>
                         </a:spcBef>
@@ -8865,20 +9174,20 @@
                         <a:buNone/>
                       </a:pPr>
                       <a:r>
-                        <a:rPr baseline="-25000" lang="ko" sz="2500"/>
+                        <a:rPr lang="ko" sz="2500" baseline="-25000"/>
                         <a:t>X</a:t>
                       </a:r>
-                      <a:endParaRPr baseline="-25000" sz="2500"/>
+                      <a:endParaRPr sz="2500" baseline="-25000"/>
                     </a:p>
                   </a:txBody>
-                  <a:tcPr marT="91425" marB="91425" marR="91425" marL="91425"/>
+                  <a:tcPr marL="91425" marR="91425" marT="91425" marB="91425"/>
                 </a:tc>
                 <a:tc>
                   <a:txBody>
                     <a:bodyPr/>
                     <a:lstStyle/>
                     <a:p>
-                      <a:pPr indent="0" lvl="0" marL="0" rtl="0" algn="ctr">
+                      <a:pPr marL="0" lvl="0" indent="0" algn="ctr" rtl="0">
                         <a:spcBef>
                           <a:spcPts val="0"/>
                         </a:spcBef>
@@ -8888,14 +9197,19 @@
                         <a:buNone/>
                       </a:pPr>
                       <a:r>
-                        <a:rPr baseline="-25000" lang="ko" sz="2500"/>
+                        <a:rPr lang="ko" sz="2500" baseline="-25000"/>
                         <a:t>20</a:t>
                       </a:r>
-                      <a:endParaRPr baseline="-25000" sz="2500"/>
+                      <a:endParaRPr sz="2500" baseline="-25000"/>
                     </a:p>
                   </a:txBody>
-                  <a:tcPr marT="91425" marB="91425" marR="91425" marL="91425"/>
+                  <a:tcPr marL="91425" marR="91425" marT="91425" marB="91425"/>
                 </a:tc>
+                <a:extLst>
+                  <a:ext uri="{0D108BD9-81ED-4DB2-BD59-A6C34878D82A}">
+                    <a16:rowId xmlns:a16="http://schemas.microsoft.com/office/drawing/2014/main" val="10001"/>
+                  </a:ext>
+                </a:extLst>
               </a:tr>
               <a:tr h="959375">
                 <a:tc>
@@ -8903,7 +9217,7 @@
                     <a:bodyPr/>
                     <a:lstStyle/>
                     <a:p>
-                      <a:pPr indent="0" lvl="0" marL="0" rtl="0" algn="ctr">
+                      <a:pPr marL="0" lvl="0" indent="0" algn="ctr" rtl="0">
                         <a:lnSpc>
                           <a:spcPct val="150000"/>
                         </a:lnSpc>
@@ -8916,7 +9230,7 @@
                         <a:buNone/>
                       </a:pPr>
                       <a:r>
-                        <a:rPr baseline="-25000" lang="ko" sz="3200">
+                        <a:rPr lang="ko" sz="3200" baseline="-25000">
                           <a:latin typeface="Average"/>
                           <a:ea typeface="Average"/>
                           <a:cs typeface="Average"/>
@@ -8924,17 +9238,17 @@
                         </a:rPr>
                         <a:t>21300126 김승우</a:t>
                       </a:r>
-                      <a:endParaRPr baseline="-25000" sz="2500"/>
+                      <a:endParaRPr sz="2500" baseline="-25000"/>
                     </a:p>
                   </a:txBody>
-                  <a:tcPr marT="91425" marB="91425" marR="91425" marL="91425"/>
+                  <a:tcPr marL="91425" marR="91425" marT="91425" marB="91425"/>
                 </a:tc>
                 <a:tc>
                   <a:txBody>
                     <a:bodyPr/>
                     <a:lstStyle/>
                     <a:p>
-                      <a:pPr indent="0" lvl="0" marL="0" rtl="0" algn="ctr">
+                      <a:pPr marL="0" lvl="0" indent="0" algn="ctr" rtl="0">
                         <a:spcBef>
                           <a:spcPts val="0"/>
                         </a:spcBef>
@@ -8944,20 +9258,20 @@
                         <a:buNone/>
                       </a:pPr>
                       <a:r>
-                        <a:rPr baseline="-25000" lang="ko" sz="2500"/>
+                        <a:rPr lang="ko" sz="2500" baseline="-25000"/>
                         <a:t>Preprocessing, Model refining</a:t>
                       </a:r>
-                      <a:endParaRPr baseline="-25000" sz="2500"/>
+                      <a:endParaRPr sz="2500" baseline="-25000"/>
                     </a:p>
                   </a:txBody>
-                  <a:tcPr marT="91425" marB="91425" marR="91425" marL="91425"/>
+                  <a:tcPr marL="91425" marR="91425" marT="91425" marB="91425"/>
                 </a:tc>
                 <a:tc>
                   <a:txBody>
                     <a:bodyPr/>
                     <a:lstStyle/>
                     <a:p>
-                      <a:pPr indent="0" lvl="0" marL="0" rtl="0" algn="ctr">
+                      <a:pPr marL="0" lvl="0" indent="0" algn="ctr" rtl="0">
                         <a:spcBef>
                           <a:spcPts val="0"/>
                         </a:spcBef>
@@ -8967,20 +9281,20 @@
                         <a:buNone/>
                       </a:pPr>
                       <a:r>
-                        <a:rPr baseline="-25000" lang="ko" sz="2500"/>
+                        <a:rPr lang="ko" sz="2500" baseline="-25000"/>
                         <a:t>X</a:t>
                       </a:r>
-                      <a:endParaRPr baseline="-25000" sz="2500"/>
+                      <a:endParaRPr sz="2500" baseline="-25000"/>
                     </a:p>
                   </a:txBody>
-                  <a:tcPr marT="91425" marB="91425" marR="91425" marL="91425"/>
+                  <a:tcPr marL="91425" marR="91425" marT="91425" marB="91425"/>
                 </a:tc>
                 <a:tc>
                   <a:txBody>
                     <a:bodyPr/>
                     <a:lstStyle/>
                     <a:p>
-                      <a:pPr indent="0" lvl="0" marL="0" rtl="0" algn="ctr">
+                      <a:pPr marL="0" lvl="0" indent="0" algn="ctr" rtl="0">
                         <a:spcBef>
                           <a:spcPts val="0"/>
                         </a:spcBef>
@@ -8990,14 +9304,19 @@
                         <a:buNone/>
                       </a:pPr>
                       <a:r>
-                        <a:rPr baseline="-25000" lang="ko" sz="2500"/>
+                        <a:rPr lang="ko" sz="2500" baseline="-25000"/>
                         <a:t>40</a:t>
                       </a:r>
-                      <a:endParaRPr baseline="-25000" sz="2500"/>
+                      <a:endParaRPr sz="2500" baseline="-25000"/>
                     </a:p>
                   </a:txBody>
-                  <a:tcPr marT="91425" marB="91425" marR="91425" marL="91425"/>
+                  <a:tcPr marL="91425" marR="91425" marT="91425" marB="91425"/>
                 </a:tc>
+                <a:extLst>
+                  <a:ext uri="{0D108BD9-81ED-4DB2-BD59-A6C34878D82A}">
+                    <a16:rowId xmlns:a16="http://schemas.microsoft.com/office/drawing/2014/main" val="10002"/>
+                  </a:ext>
+                </a:extLst>
               </a:tr>
               <a:tr h="959375">
                 <a:tc>
@@ -9005,7 +9324,7 @@
                     <a:bodyPr/>
                     <a:lstStyle/>
                     <a:p>
-                      <a:pPr indent="0" lvl="0" marL="0" rtl="0" algn="ctr">
+                      <a:pPr marL="0" lvl="0" indent="0" algn="ctr" rtl="0">
                         <a:lnSpc>
                           <a:spcPct val="150000"/>
                         </a:lnSpc>
@@ -9018,7 +9337,7 @@
                         <a:buNone/>
                       </a:pPr>
                       <a:r>
-                        <a:rPr baseline="-25000" lang="ko" sz="3200">
+                        <a:rPr lang="ko" sz="3200" baseline="-25000">
                           <a:latin typeface="Average"/>
                           <a:ea typeface="Average"/>
                           <a:cs typeface="Average"/>
@@ -9026,17 +9345,17 @@
                         </a:rPr>
                         <a:t>21800180 김준형</a:t>
                       </a:r>
-                      <a:endParaRPr baseline="-25000" sz="2500"/>
+                      <a:endParaRPr sz="2500" baseline="-25000"/>
                     </a:p>
                   </a:txBody>
-                  <a:tcPr marT="91425" marB="91425" marR="91425" marL="91425"/>
+                  <a:tcPr marL="91425" marR="91425" marT="91425" marB="91425"/>
                 </a:tc>
                 <a:tc>
                   <a:txBody>
                     <a:bodyPr/>
                     <a:lstStyle/>
                     <a:p>
-                      <a:pPr indent="0" lvl="0" marL="0" rtl="0" algn="ctr">
+                      <a:pPr marL="0" lvl="0" indent="0" algn="ctr" rtl="0">
                         <a:spcBef>
                           <a:spcPts val="0"/>
                         </a:spcBef>
@@ -9046,20 +9365,20 @@
                         <a:buNone/>
                       </a:pPr>
                       <a:r>
-                        <a:rPr baseline="-25000" lang="ko" sz="2500"/>
+                        <a:rPr lang="ko" sz="2500" baseline="-25000" dirty="0"/>
                         <a:t>Preprocessing, Model refining and evaluation</a:t>
                       </a:r>
-                      <a:endParaRPr baseline="-25000" sz="2500"/>
+                      <a:endParaRPr sz="2500" baseline="-25000" dirty="0"/>
                     </a:p>
                   </a:txBody>
-                  <a:tcPr marT="91425" marB="91425" marR="91425" marL="91425"/>
+                  <a:tcPr marL="91425" marR="91425" marT="91425" marB="91425"/>
                 </a:tc>
                 <a:tc>
                   <a:txBody>
                     <a:bodyPr/>
                     <a:lstStyle/>
                     <a:p>
-                      <a:pPr indent="0" lvl="0" marL="0" rtl="0" algn="ctr">
+                      <a:pPr marL="0" lvl="0" indent="0" algn="ctr" rtl="0">
                         <a:spcBef>
                           <a:spcPts val="0"/>
                         </a:spcBef>
@@ -9069,20 +9388,20 @@
                         <a:buNone/>
                       </a:pPr>
                       <a:r>
-                        <a:rPr baseline="-25000" lang="ko" sz="2500"/>
+                        <a:rPr lang="ko" sz="2500" baseline="-25000"/>
                         <a:t>O</a:t>
                       </a:r>
-                      <a:endParaRPr baseline="-25000" sz="2500"/>
+                      <a:endParaRPr sz="2500" baseline="-25000"/>
                     </a:p>
                   </a:txBody>
-                  <a:tcPr marT="91425" marB="91425" marR="91425" marL="91425"/>
+                  <a:tcPr marL="91425" marR="91425" marT="91425" marB="91425"/>
                 </a:tc>
                 <a:tc>
                   <a:txBody>
                     <a:bodyPr/>
                     <a:lstStyle/>
                     <a:p>
-                      <a:pPr indent="0" lvl="0" marL="0" rtl="0" algn="ctr">
+                      <a:pPr marL="0" lvl="0" indent="0" algn="ctr" rtl="0">
                         <a:spcBef>
                           <a:spcPts val="0"/>
                         </a:spcBef>
@@ -9092,14 +9411,19 @@
                         <a:buNone/>
                       </a:pPr>
                       <a:r>
-                        <a:rPr baseline="-25000" lang="ko" sz="2500"/>
+                        <a:rPr lang="ko" sz="2500" baseline="-25000" dirty="0"/>
                         <a:t>40</a:t>
                       </a:r>
-                      <a:endParaRPr baseline="-25000" sz="2500"/>
+                      <a:endParaRPr sz="2500" baseline="-25000" dirty="0"/>
                     </a:p>
                   </a:txBody>
-                  <a:tcPr marT="91425" marB="91425" marR="91425" marL="91425"/>
+                  <a:tcPr marL="91425" marR="91425" marT="91425" marB="91425"/>
                 </a:tc>
+                <a:extLst>
+                  <a:ext uri="{0D108BD9-81ED-4DB2-BD59-A6C34878D82A}">
+                    <a16:rowId xmlns:a16="http://schemas.microsoft.com/office/drawing/2014/main" val="10003"/>
+                  </a:ext>
+                </a:extLst>
               </a:tr>
             </a:tbl>
           </a:graphicData>
@@ -9114,11 +9438,11 @@
 </file>
 
 <file path=ppt/slides/slide14.xml><?xml version="1.0" encoding="utf-8"?>
-<p:sld xmlns:a="http://schemas.openxmlformats.org/drawingml/2006/main" xmlns:r="http://schemas.openxmlformats.org/officeDocument/2006/relationships" xmlns:mc="http://schemas.openxmlformats.org/markup-compatibility/2006" xmlns:mv="urn:schemas-microsoft-com:mac:vml" xmlns:p="http://schemas.openxmlformats.org/presentationml/2006/main" xmlns:c="http://schemas.openxmlformats.org/drawingml/2006/chart" xmlns:dgm="http://schemas.openxmlformats.org/drawingml/2006/diagram" xmlns:o="urn:schemas-microsoft-com:office:office" xmlns:v="urn:schemas-microsoft-com:vml" xmlns:pvml="urn:schemas-microsoft-com:office:powerpoint" xmlns:com="http://schemas.openxmlformats.org/drawingml/2006/compatibility" xmlns:p14="http://schemas.microsoft.com/office/powerpoint/2010/main" xmlns:p15="http://schemas.microsoft.com/office/powerpoint/2012/main">
+<p:sld xmlns:a="http://schemas.openxmlformats.org/drawingml/2006/main" xmlns:r="http://schemas.openxmlformats.org/officeDocument/2006/relationships" xmlns:p="http://schemas.openxmlformats.org/presentationml/2006/main">
   <p:cSld>
     <p:spTree>
       <p:nvGrpSpPr>
-        <p:cNvPr id="158" name="Shape 158"/>
+        <p:cNvPr id="1" name="Shape 158"/>
         <p:cNvGrpSpPr/>
         <p:nvPr/>
       </p:nvGrpSpPr>
@@ -9133,7 +9457,9 @@
       <p:sp>
         <p:nvSpPr>
           <p:cNvPr id="159" name="Google Shape;159;p26"/>
-          <p:cNvSpPr txBox="1"/>
+          <p:cNvSpPr txBox="1">
+            <a:spLocks noGrp="1"/>
+          </p:cNvSpPr>
           <p:nvPr>
             <p:ph type="title"/>
           </p:nvPr>
@@ -9148,12 +9474,12 @@
           </a:prstGeom>
         </p:spPr>
         <p:txBody>
-          <a:bodyPr anchorCtr="0" anchor="t" bIns="91425" lIns="91425" spcFirstLastPara="1" rIns="91425" wrap="square" tIns="91425">
+          <a:bodyPr spcFirstLastPara="1" wrap="square" lIns="91425" tIns="91425" rIns="91425" bIns="91425" anchor="t" anchorCtr="0">
             <a:noAutofit/>
           </a:bodyPr>
           <a:lstStyle/>
           <a:p>
-            <a:pPr indent="0" lvl="0" marL="0" rtl="0" algn="l">
+            <a:pPr marL="0" lvl="0" indent="0" algn="l" rtl="0">
               <a:spcBef>
                 <a:spcPts val="0"/>
               </a:spcBef>
@@ -9169,16 +9495,7 @@
                 <a:cs typeface="Oswald Regular"/>
                 <a:sym typeface="Oswald Regular"/>
               </a:rPr>
-              <a:t>수</a:t>
-            </a:r>
-            <a:r>
-              <a:rPr lang="ko">
-                <a:latin typeface="Oswald Regular"/>
-                <a:ea typeface="Oswald Regular"/>
-                <a:cs typeface="Oswald Regular"/>
-                <a:sym typeface="Oswald Regular"/>
-              </a:rPr>
-              <a:t>행 후 소감</a:t>
+              <a:t>수행 후 소감</a:t>
             </a:r>
             <a:endParaRPr>
               <a:latin typeface="Oswald Regular"/>
@@ -9192,9 +9509,11 @@
       <p:sp>
         <p:nvSpPr>
           <p:cNvPr id="160" name="Google Shape;160;p26"/>
-          <p:cNvSpPr txBox="1"/>
+          <p:cNvSpPr txBox="1">
+            <a:spLocks noGrp="1"/>
+          </p:cNvSpPr>
           <p:nvPr>
-            <p:ph idx="1" type="body"/>
+            <p:ph type="body" idx="1"/>
           </p:nvPr>
         </p:nvSpPr>
         <p:spPr>
@@ -9207,12 +9526,12 @@
           </a:prstGeom>
         </p:spPr>
         <p:txBody>
-          <a:bodyPr anchorCtr="0" anchor="t" bIns="91425" lIns="91425" spcFirstLastPara="1" rIns="91425" wrap="square" tIns="91425">
+          <a:bodyPr spcFirstLastPara="1" wrap="square" lIns="91425" tIns="91425" rIns="91425" bIns="91425" anchor="t" anchorCtr="0">
             <a:noAutofit/>
           </a:bodyPr>
           <a:lstStyle/>
           <a:p>
-            <a:pPr indent="-317500" lvl="0" marL="457200" rtl="0" algn="l">
+            <a:pPr marL="457200" lvl="0" indent="-317500" algn="l" rtl="0">
               <a:lnSpc>
                 <a:spcPct val="150000"/>
               </a:lnSpc>
@@ -9243,7 +9562,7 @@
             </a:endParaRPr>
           </a:p>
           <a:p>
-            <a:pPr indent="0" lvl="0" marL="0" rtl="0" algn="l">
+            <a:pPr marL="0" lvl="0" indent="0" algn="l" rtl="0">
               <a:lnSpc>
                 <a:spcPct val="150000"/>
               </a:lnSpc>
@@ -9255,9 +9574,6 @@
               </a:spcAft>
               <a:buNone/>
             </a:pPr>
-            <a:r>
-              <a:t/>
-            </a:r>
             <a:endParaRPr sz="1400">
               <a:latin typeface="Oswald"/>
               <a:ea typeface="Oswald"/>
@@ -9266,7 +9582,7 @@
             </a:endParaRPr>
           </a:p>
           <a:p>
-            <a:pPr indent="-317500" lvl="0" marL="457200" rtl="0" algn="l">
+            <a:pPr marL="457200" lvl="0" indent="-317500" algn="l" rtl="0">
               <a:lnSpc>
                 <a:spcPct val="150000"/>
               </a:lnSpc>
@@ -9297,7 +9613,7 @@
             </a:endParaRPr>
           </a:p>
           <a:p>
-            <a:pPr indent="0" lvl="0" marL="0" rtl="0" algn="l">
+            <a:pPr marL="0" lvl="0" indent="0" algn="l" rtl="0">
               <a:lnSpc>
                 <a:spcPct val="150000"/>
               </a:lnSpc>
@@ -9309,9 +9625,6 @@
               </a:spcAft>
               <a:buNone/>
             </a:pPr>
-            <a:r>
-              <a:t/>
-            </a:r>
             <a:endParaRPr sz="1400">
               <a:latin typeface="Oswald"/>
               <a:ea typeface="Oswald"/>
@@ -9320,7 +9633,7 @@
             </a:endParaRPr>
           </a:p>
           <a:p>
-            <a:pPr indent="-317500" lvl="0" marL="457200" rtl="0" algn="l">
+            <a:pPr marL="457200" lvl="0" indent="-317500" algn="l" rtl="0">
               <a:lnSpc>
                 <a:spcPct val="150000"/>
               </a:lnSpc>
@@ -9361,11 +9674,11 @@
 </file>
 
 <file path=ppt/slides/slide15.xml><?xml version="1.0" encoding="utf-8"?>
-<p:sld xmlns:a="http://schemas.openxmlformats.org/drawingml/2006/main" xmlns:r="http://schemas.openxmlformats.org/officeDocument/2006/relationships" xmlns:mc="http://schemas.openxmlformats.org/markup-compatibility/2006" xmlns:mv="urn:schemas-microsoft-com:mac:vml" xmlns:p="http://schemas.openxmlformats.org/presentationml/2006/main" xmlns:c="http://schemas.openxmlformats.org/drawingml/2006/chart" xmlns:dgm="http://schemas.openxmlformats.org/drawingml/2006/diagram" xmlns:o="urn:schemas-microsoft-com:office:office" xmlns:v="urn:schemas-microsoft-com:vml" xmlns:pvml="urn:schemas-microsoft-com:office:powerpoint" xmlns:com="http://schemas.openxmlformats.org/drawingml/2006/compatibility" xmlns:p14="http://schemas.microsoft.com/office/powerpoint/2010/main" xmlns:p15="http://schemas.microsoft.com/office/powerpoint/2012/main">
+<p:sld xmlns:a="http://schemas.openxmlformats.org/drawingml/2006/main" xmlns:r="http://schemas.openxmlformats.org/officeDocument/2006/relationships" xmlns:p="http://schemas.openxmlformats.org/presentationml/2006/main">
   <p:cSld>
     <p:spTree>
       <p:nvGrpSpPr>
-        <p:cNvPr id="164" name="Shape 164"/>
+        <p:cNvPr id="1" name="Shape 164"/>
         <p:cNvGrpSpPr/>
         <p:nvPr/>
       </p:nvGrpSpPr>
@@ -9380,9 +9693,11 @@
       <p:sp>
         <p:nvSpPr>
           <p:cNvPr id="165" name="Google Shape;165;p27"/>
-          <p:cNvSpPr txBox="1"/>
+          <p:cNvSpPr txBox="1">
+            <a:spLocks noGrp="1"/>
+          </p:cNvSpPr>
           <p:nvPr>
-            <p:ph idx="1" type="body"/>
+            <p:ph type="body" idx="1"/>
           </p:nvPr>
         </p:nvSpPr>
         <p:spPr>
@@ -9395,12 +9710,12 @@
           </a:prstGeom>
         </p:spPr>
         <p:txBody>
-          <a:bodyPr anchorCtr="0" anchor="t" bIns="91425" lIns="91425" spcFirstLastPara="1" rIns="91425" wrap="square" tIns="91425">
+          <a:bodyPr spcFirstLastPara="1" wrap="square" lIns="91425" tIns="91425" rIns="91425" bIns="91425" anchor="t" anchorCtr="0">
             <a:noAutofit/>
           </a:bodyPr>
           <a:lstStyle/>
           <a:p>
-            <a:pPr indent="0" lvl="0" marL="0" rtl="0" algn="l">
+            <a:pPr marL="0" lvl="0" indent="0" algn="l" rtl="0">
               <a:spcBef>
                 <a:spcPts val="0"/>
               </a:spcBef>
@@ -9416,7 +9731,7 @@
             <a:endParaRPr/>
           </a:p>
           <a:p>
-            <a:pPr indent="0" lvl="0" marL="0" rtl="0" algn="l">
+            <a:pPr marL="0" lvl="0" indent="0" algn="l" rtl="0">
               <a:spcBef>
                 <a:spcPts val="1600"/>
               </a:spcBef>
@@ -9448,7 +9763,7 @@
           <a:blip r:embed="rId4">
             <a:alphaModFix/>
           </a:blip>
-          <a:srcRect b="-5552" l="0" r="-5552" t="0"/>
+          <a:srcRect r="-5552" b="-5552"/>
           <a:stretch/>
         </p:blipFill>
         <p:spPr>
@@ -9586,11 +9901,11 @@
 </file>
 
 <file path=ppt/slides/slide2.xml><?xml version="1.0" encoding="utf-8"?>
-<p:sld xmlns:a="http://schemas.openxmlformats.org/drawingml/2006/main" xmlns:r="http://schemas.openxmlformats.org/officeDocument/2006/relationships" xmlns:mc="http://schemas.openxmlformats.org/markup-compatibility/2006" xmlns:mv="urn:schemas-microsoft-com:mac:vml" xmlns:p="http://schemas.openxmlformats.org/presentationml/2006/main" xmlns:c="http://schemas.openxmlformats.org/drawingml/2006/chart" xmlns:dgm="http://schemas.openxmlformats.org/drawingml/2006/diagram" xmlns:o="urn:schemas-microsoft-com:office:office" xmlns:v="urn:schemas-microsoft-com:vml" xmlns:pvml="urn:schemas-microsoft-com:office:powerpoint" xmlns:com="http://schemas.openxmlformats.org/drawingml/2006/compatibility" xmlns:p14="http://schemas.microsoft.com/office/powerpoint/2010/main" xmlns:p15="http://schemas.microsoft.com/office/powerpoint/2012/main">
+<p:sld xmlns:a="http://schemas.openxmlformats.org/drawingml/2006/main" xmlns:r="http://schemas.openxmlformats.org/officeDocument/2006/relationships" xmlns:p="http://schemas.openxmlformats.org/presentationml/2006/main">
   <p:cSld>
     <p:spTree>
       <p:nvGrpSpPr>
-        <p:cNvPr id="59" name="Shape 59"/>
+        <p:cNvPr id="1" name="Shape 59"/>
         <p:cNvGrpSpPr/>
         <p:nvPr/>
       </p:nvGrpSpPr>
@@ -9605,7 +9920,9 @@
       <p:sp>
         <p:nvSpPr>
           <p:cNvPr id="60" name="Google Shape;60;p14"/>
-          <p:cNvSpPr txBox="1"/>
+          <p:cNvSpPr txBox="1">
+            <a:spLocks noGrp="1"/>
+          </p:cNvSpPr>
           <p:nvPr>
             <p:ph type="title"/>
           </p:nvPr>
@@ -9620,12 +9937,12 @@
           </a:prstGeom>
         </p:spPr>
         <p:txBody>
-          <a:bodyPr anchorCtr="0" anchor="t" bIns="91425" lIns="91425" spcFirstLastPara="1" rIns="91425" wrap="square" tIns="91425">
+          <a:bodyPr spcFirstLastPara="1" wrap="square" lIns="91425" tIns="91425" rIns="91425" bIns="91425" anchor="t" anchorCtr="0">
             <a:noAutofit/>
           </a:bodyPr>
           <a:lstStyle/>
           <a:p>
-            <a:pPr indent="0" lvl="0" marL="0" rtl="0" algn="l">
+            <a:pPr marL="0" lvl="0" indent="0" algn="l" rtl="0">
               <a:spcBef>
                 <a:spcPts val="0"/>
               </a:spcBef>
@@ -9655,9 +9972,11 @@
       <p:sp>
         <p:nvSpPr>
           <p:cNvPr id="61" name="Google Shape;61;p14"/>
-          <p:cNvSpPr txBox="1"/>
+          <p:cNvSpPr txBox="1">
+            <a:spLocks noGrp="1"/>
+          </p:cNvSpPr>
           <p:nvPr>
-            <p:ph idx="1" type="body"/>
+            <p:ph type="body" idx="1"/>
           </p:nvPr>
         </p:nvSpPr>
         <p:spPr>
@@ -9670,12 +9989,12 @@
           </a:prstGeom>
         </p:spPr>
         <p:txBody>
-          <a:bodyPr anchorCtr="0" anchor="t" bIns="91425" lIns="91425" spcFirstLastPara="1" rIns="91425" wrap="square" tIns="91425">
+          <a:bodyPr spcFirstLastPara="1" wrap="square" lIns="91425" tIns="91425" rIns="91425" bIns="91425" anchor="t" anchorCtr="0">
             <a:noAutofit/>
           </a:bodyPr>
           <a:lstStyle/>
           <a:p>
-            <a:pPr indent="-381000" lvl="0" marL="457200" rtl="0" algn="l">
+            <a:pPr marL="457200" lvl="0" indent="-381000" algn="l" rtl="0">
               <a:lnSpc>
                 <a:spcPct val="200000"/>
               </a:lnSpc>
@@ -9706,7 +10025,7 @@
             </a:endParaRPr>
           </a:p>
           <a:p>
-            <a:pPr indent="-381000" lvl="0" marL="457200" rtl="0" algn="l">
+            <a:pPr marL="457200" lvl="0" indent="-381000" algn="l" rtl="0">
               <a:lnSpc>
                 <a:spcPct val="200000"/>
               </a:lnSpc>
@@ -9737,7 +10056,7 @@
             </a:endParaRPr>
           </a:p>
           <a:p>
-            <a:pPr indent="-381000" lvl="0" marL="457200" rtl="0" algn="l">
+            <a:pPr marL="457200" lvl="0" indent="-381000" algn="l" rtl="0">
               <a:lnSpc>
                 <a:spcPct val="200000"/>
               </a:lnSpc>
@@ -9768,7 +10087,7 @@
             </a:endParaRPr>
           </a:p>
           <a:p>
-            <a:pPr indent="-381000" lvl="0" marL="457200" rtl="0" algn="l">
+            <a:pPr marL="457200" lvl="0" indent="-381000" algn="l" rtl="0">
               <a:lnSpc>
                 <a:spcPct val="200000"/>
               </a:lnSpc>
@@ -9799,7 +10118,7 @@
             </a:endParaRPr>
           </a:p>
           <a:p>
-            <a:pPr indent="0" lvl="0" marL="457200" rtl="0" algn="l">
+            <a:pPr marL="457200" lvl="0" indent="0" algn="l" rtl="0">
               <a:lnSpc>
                 <a:spcPct val="200000"/>
               </a:lnSpc>
@@ -9811,9 +10130,6 @@
               </a:spcAft>
               <a:buNone/>
             </a:pPr>
-            <a:r>
-              <a:t/>
-            </a:r>
             <a:endParaRPr sz="2400">
               <a:latin typeface="Oswald"/>
               <a:ea typeface="Oswald"/>
@@ -9832,11 +10148,11 @@
 </file>
 
 <file path=ppt/slides/slide3.xml><?xml version="1.0" encoding="utf-8"?>
-<p:sld xmlns:a="http://schemas.openxmlformats.org/drawingml/2006/main" xmlns:r="http://schemas.openxmlformats.org/officeDocument/2006/relationships" xmlns:mc="http://schemas.openxmlformats.org/markup-compatibility/2006" xmlns:mv="urn:schemas-microsoft-com:mac:vml" xmlns:p="http://schemas.openxmlformats.org/presentationml/2006/main" xmlns:c="http://schemas.openxmlformats.org/drawingml/2006/chart" xmlns:dgm="http://schemas.openxmlformats.org/drawingml/2006/diagram" xmlns:o="urn:schemas-microsoft-com:office:office" xmlns:v="urn:schemas-microsoft-com:vml" xmlns:pvml="urn:schemas-microsoft-com:office:powerpoint" xmlns:com="http://schemas.openxmlformats.org/drawingml/2006/compatibility" xmlns:p14="http://schemas.microsoft.com/office/powerpoint/2010/main" xmlns:p15="http://schemas.microsoft.com/office/powerpoint/2012/main">
+<p:sld xmlns:a="http://schemas.openxmlformats.org/drawingml/2006/main" xmlns:r="http://schemas.openxmlformats.org/officeDocument/2006/relationships" xmlns:p="http://schemas.openxmlformats.org/presentationml/2006/main">
   <p:cSld>
     <p:spTree>
       <p:nvGrpSpPr>
-        <p:cNvPr id="65" name="Shape 65"/>
+        <p:cNvPr id="1" name="Shape 65"/>
         <p:cNvGrpSpPr/>
         <p:nvPr/>
       </p:nvGrpSpPr>
@@ -9851,7 +10167,9 @@
       <p:sp>
         <p:nvSpPr>
           <p:cNvPr id="66" name="Google Shape;66;p15"/>
-          <p:cNvSpPr txBox="1"/>
+          <p:cNvSpPr txBox="1">
+            <a:spLocks noGrp="1"/>
+          </p:cNvSpPr>
           <p:nvPr>
             <p:ph type="title"/>
           </p:nvPr>
@@ -9866,12 +10184,12 @@
           </a:prstGeom>
         </p:spPr>
         <p:txBody>
-          <a:bodyPr anchorCtr="0" anchor="t" bIns="91425" lIns="91425" spcFirstLastPara="1" rIns="91425" wrap="square" tIns="91425">
+          <a:bodyPr spcFirstLastPara="1" wrap="square" lIns="91425" tIns="91425" rIns="91425" bIns="91425" anchor="t" anchorCtr="0">
             <a:noAutofit/>
           </a:bodyPr>
           <a:lstStyle/>
           <a:p>
-            <a:pPr indent="0" lvl="0" marL="0" rtl="0" algn="l">
+            <a:pPr marL="0" lvl="0" indent="0" algn="l" rtl="0">
               <a:spcBef>
                 <a:spcPts val="0"/>
               </a:spcBef>
@@ -9964,7 +10282,7 @@
           <a:blip r:embed="rId5">
             <a:alphaModFix/>
           </a:blip>
-          <a:srcRect b="0" l="0" r="21389" t="0"/>
+          <a:srcRect r="21389"/>
           <a:stretch/>
         </p:blipFill>
         <p:spPr>
@@ -10024,14 +10342,14 @@
             <a:avLst/>
           </a:prstGeom>
           <a:noFill/>
-          <a:ln cap="flat" cmpd="sng" w="9525">
+          <a:ln w="9525" cap="flat" cmpd="sng">
             <a:solidFill>
               <a:schemeClr val="dk2"/>
             </a:solidFill>
             <a:prstDash val="solid"/>
             <a:round/>
-            <a:headEnd len="med" w="med" type="none"/>
-            <a:tailEnd len="med" w="med" type="triangle"/>
+            <a:headEnd type="none" w="med" len="med"/>
+            <a:tailEnd type="triangle" w="med" len="med"/>
           </a:ln>
         </p:spPr>
       </p:cxnSp>
@@ -10050,14 +10368,14 @@
             <a:avLst/>
           </a:prstGeom>
           <a:noFill/>
-          <a:ln cap="flat" cmpd="sng" w="9525">
+          <a:ln w="9525" cap="flat" cmpd="sng">
             <a:solidFill>
               <a:schemeClr val="dk2"/>
             </a:solidFill>
             <a:prstDash val="solid"/>
             <a:round/>
-            <a:headEnd len="med" w="med" type="none"/>
-            <a:tailEnd len="med" w="med" type="triangle"/>
+            <a:headEnd type="none" w="med" len="med"/>
+            <a:tailEnd type="triangle" w="med" len="med"/>
           </a:ln>
         </p:spPr>
       </p:cxnSp>
@@ -10070,11 +10388,11 @@
 </file>
 
 <file path=ppt/slides/slide4.xml><?xml version="1.0" encoding="utf-8"?>
-<p:sld xmlns:a="http://schemas.openxmlformats.org/drawingml/2006/main" xmlns:r="http://schemas.openxmlformats.org/officeDocument/2006/relationships" xmlns:mc="http://schemas.openxmlformats.org/markup-compatibility/2006" xmlns:mv="urn:schemas-microsoft-com:mac:vml" xmlns:p="http://schemas.openxmlformats.org/presentationml/2006/main" xmlns:c="http://schemas.openxmlformats.org/drawingml/2006/chart" xmlns:dgm="http://schemas.openxmlformats.org/drawingml/2006/diagram" xmlns:o="urn:schemas-microsoft-com:office:office" xmlns:v="urn:schemas-microsoft-com:vml" xmlns:pvml="urn:schemas-microsoft-com:office:powerpoint" xmlns:com="http://schemas.openxmlformats.org/drawingml/2006/compatibility" xmlns:p14="http://schemas.microsoft.com/office/powerpoint/2010/main" xmlns:p15="http://schemas.microsoft.com/office/powerpoint/2012/main">
+<p:sld xmlns:a="http://schemas.openxmlformats.org/drawingml/2006/main" xmlns:r="http://schemas.openxmlformats.org/officeDocument/2006/relationships" xmlns:p="http://schemas.openxmlformats.org/presentationml/2006/main">
   <p:cSld>
     <p:spTree>
       <p:nvGrpSpPr>
-        <p:cNvPr id="76" name="Shape 76"/>
+        <p:cNvPr id="1" name="Shape 76"/>
         <p:cNvGrpSpPr/>
         <p:nvPr/>
       </p:nvGrpSpPr>
@@ -10089,7 +10407,9 @@
       <p:sp>
         <p:nvSpPr>
           <p:cNvPr id="77" name="Google Shape;77;p16"/>
-          <p:cNvSpPr txBox="1"/>
+          <p:cNvSpPr txBox="1">
+            <a:spLocks noGrp="1"/>
+          </p:cNvSpPr>
           <p:nvPr>
             <p:ph type="title"/>
           </p:nvPr>
@@ -10104,12 +10424,12 @@
           </a:prstGeom>
         </p:spPr>
         <p:txBody>
-          <a:bodyPr anchorCtr="0" anchor="t" bIns="91425" lIns="91425" spcFirstLastPara="1" rIns="91425" wrap="square" tIns="91425">
+          <a:bodyPr spcFirstLastPara="1" wrap="square" lIns="91425" tIns="91425" rIns="91425" bIns="91425" anchor="t" anchorCtr="0">
             <a:noAutofit/>
           </a:bodyPr>
           <a:lstStyle/>
           <a:p>
-            <a:pPr indent="0" lvl="0" marL="0" rtl="0" algn="l">
+            <a:pPr marL="0" lvl="0" indent="0" algn="l" rtl="0">
               <a:spcBef>
                 <a:spcPts val="0"/>
               </a:spcBef>
@@ -10139,9 +10459,11 @@
       <p:sp>
         <p:nvSpPr>
           <p:cNvPr id="78" name="Google Shape;78;p16"/>
-          <p:cNvSpPr txBox="1"/>
+          <p:cNvSpPr txBox="1">
+            <a:spLocks noGrp="1"/>
+          </p:cNvSpPr>
           <p:nvPr>
-            <p:ph idx="1" type="body"/>
+            <p:ph type="body" idx="1"/>
           </p:nvPr>
         </p:nvSpPr>
         <p:spPr>
@@ -10154,12 +10476,12 @@
           </a:prstGeom>
         </p:spPr>
         <p:txBody>
-          <a:bodyPr anchorCtr="0" anchor="t" bIns="91425" lIns="91425" spcFirstLastPara="1" rIns="91425" wrap="square" tIns="91425">
+          <a:bodyPr spcFirstLastPara="1" wrap="square" lIns="91425" tIns="91425" rIns="91425" bIns="91425" anchor="t" anchorCtr="0">
             <a:noAutofit/>
           </a:bodyPr>
           <a:lstStyle/>
           <a:p>
-            <a:pPr indent="0" lvl="0" marL="0" rtl="0" algn="l">
+            <a:pPr marL="0" lvl="0" indent="0" algn="l" rtl="0">
               <a:lnSpc>
                 <a:spcPct val="200000"/>
               </a:lnSpc>
@@ -10188,7 +10510,7 @@
             </a:endParaRPr>
           </a:p>
           <a:p>
-            <a:pPr indent="-342900" lvl="0" marL="457200" rtl="0" algn="l">
+            <a:pPr marL="457200" lvl="0" indent="-342900" algn="l" rtl="0">
               <a:lnSpc>
                 <a:spcPct val="200000"/>
               </a:lnSpc>
@@ -10219,7 +10541,7 @@
             </a:endParaRPr>
           </a:p>
           <a:p>
-            <a:pPr indent="-342900" lvl="0" marL="457200" rtl="0" algn="l">
+            <a:pPr marL="457200" lvl="0" indent="-342900" algn="l" rtl="0">
               <a:lnSpc>
                 <a:spcPct val="200000"/>
               </a:lnSpc>
@@ -10288,11 +10610,11 @@
 </file>
 
 <file path=ppt/slides/slide5.xml><?xml version="1.0" encoding="utf-8"?>
-<p:sld xmlns:a="http://schemas.openxmlformats.org/drawingml/2006/main" xmlns:r="http://schemas.openxmlformats.org/officeDocument/2006/relationships" xmlns:mc="http://schemas.openxmlformats.org/markup-compatibility/2006" xmlns:mv="urn:schemas-microsoft-com:mac:vml" xmlns:p="http://schemas.openxmlformats.org/presentationml/2006/main" xmlns:c="http://schemas.openxmlformats.org/drawingml/2006/chart" xmlns:dgm="http://schemas.openxmlformats.org/drawingml/2006/diagram" xmlns:o="urn:schemas-microsoft-com:office:office" xmlns:v="urn:schemas-microsoft-com:vml" xmlns:pvml="urn:schemas-microsoft-com:office:powerpoint" xmlns:com="http://schemas.openxmlformats.org/drawingml/2006/compatibility" xmlns:p14="http://schemas.microsoft.com/office/powerpoint/2010/main" xmlns:p15="http://schemas.microsoft.com/office/powerpoint/2012/main">
+<p:sld xmlns:a="http://schemas.openxmlformats.org/drawingml/2006/main" xmlns:r="http://schemas.openxmlformats.org/officeDocument/2006/relationships" xmlns:p="http://schemas.openxmlformats.org/presentationml/2006/main">
   <p:cSld>
     <p:spTree>
       <p:nvGrpSpPr>
-        <p:cNvPr id="83" name="Shape 83"/>
+        <p:cNvPr id="1" name="Shape 83"/>
         <p:cNvGrpSpPr/>
         <p:nvPr/>
       </p:nvGrpSpPr>
@@ -10307,7 +10629,9 @@
       <p:sp>
         <p:nvSpPr>
           <p:cNvPr id="84" name="Google Shape;84;p17"/>
-          <p:cNvSpPr txBox="1"/>
+          <p:cNvSpPr txBox="1">
+            <a:spLocks noGrp="1"/>
+          </p:cNvSpPr>
           <p:nvPr>
             <p:ph type="title"/>
           </p:nvPr>
@@ -10322,12 +10646,12 @@
           </a:prstGeom>
         </p:spPr>
         <p:txBody>
-          <a:bodyPr anchorCtr="0" anchor="t" bIns="91425" lIns="91425" spcFirstLastPara="1" rIns="91425" wrap="square" tIns="91425">
+          <a:bodyPr spcFirstLastPara="1" wrap="square" lIns="91425" tIns="91425" rIns="91425" bIns="91425" anchor="t" anchorCtr="0">
             <a:noAutofit/>
           </a:bodyPr>
           <a:lstStyle/>
           <a:p>
-            <a:pPr indent="0" lvl="0" marL="0" rtl="0" algn="l">
+            <a:pPr marL="0" lvl="0" indent="0" algn="l" rtl="0">
               <a:spcBef>
                 <a:spcPts val="0"/>
               </a:spcBef>
@@ -10364,7 +10688,7 @@
           <a:blip r:embed="rId3">
             <a:alphaModFix/>
           </a:blip>
-          <a:srcRect b="15464" l="9093" r="10500" t="24826"/>
+          <a:srcRect l="9093" t="24826" r="10500" b="15464"/>
           <a:stretch/>
         </p:blipFill>
         <p:spPr>
@@ -10384,9 +10708,11 @@
       <p:sp>
         <p:nvSpPr>
           <p:cNvPr id="86" name="Google Shape;86;p17"/>
-          <p:cNvSpPr txBox="1"/>
+          <p:cNvSpPr txBox="1">
+            <a:spLocks noGrp="1"/>
+          </p:cNvSpPr>
           <p:nvPr>
-            <p:ph idx="1" type="body"/>
+            <p:ph type="body" idx="1"/>
           </p:nvPr>
         </p:nvSpPr>
         <p:spPr>
@@ -10399,12 +10725,12 @@
           </a:prstGeom>
         </p:spPr>
         <p:txBody>
-          <a:bodyPr anchorCtr="0" anchor="t" bIns="91425" lIns="91425" spcFirstLastPara="1" rIns="91425" wrap="square" tIns="91425">
+          <a:bodyPr spcFirstLastPara="1" wrap="square" lIns="91425" tIns="91425" rIns="91425" bIns="91425" anchor="t" anchorCtr="0">
             <a:noAutofit/>
           </a:bodyPr>
           <a:lstStyle/>
           <a:p>
-            <a:pPr indent="0" lvl="0" marL="0" rtl="0" algn="l">
+            <a:pPr marL="0" lvl="0" indent="0" algn="l" rtl="0">
               <a:lnSpc>
                 <a:spcPct val="200000"/>
               </a:lnSpc>
@@ -10443,11 +10769,11 @@
 </file>
 
 <file path=ppt/slides/slide6.xml><?xml version="1.0" encoding="utf-8"?>
-<p:sld xmlns:a="http://schemas.openxmlformats.org/drawingml/2006/main" xmlns:r="http://schemas.openxmlformats.org/officeDocument/2006/relationships" xmlns:mc="http://schemas.openxmlformats.org/markup-compatibility/2006" xmlns:mv="urn:schemas-microsoft-com:mac:vml" xmlns:p="http://schemas.openxmlformats.org/presentationml/2006/main" xmlns:c="http://schemas.openxmlformats.org/drawingml/2006/chart" xmlns:dgm="http://schemas.openxmlformats.org/drawingml/2006/diagram" xmlns:o="urn:schemas-microsoft-com:office:office" xmlns:v="urn:schemas-microsoft-com:vml" xmlns:pvml="urn:schemas-microsoft-com:office:powerpoint" xmlns:com="http://schemas.openxmlformats.org/drawingml/2006/compatibility" xmlns:p14="http://schemas.microsoft.com/office/powerpoint/2010/main" xmlns:p15="http://schemas.microsoft.com/office/powerpoint/2012/main">
+<p:sld xmlns:a="http://schemas.openxmlformats.org/drawingml/2006/main" xmlns:r="http://schemas.openxmlformats.org/officeDocument/2006/relationships" xmlns:p="http://schemas.openxmlformats.org/presentationml/2006/main">
   <p:cSld>
     <p:spTree>
       <p:nvGrpSpPr>
-        <p:cNvPr id="90" name="Shape 90"/>
+        <p:cNvPr id="1" name="Shape 90"/>
         <p:cNvGrpSpPr/>
         <p:nvPr/>
       </p:nvGrpSpPr>
@@ -10462,7 +10788,9 @@
       <p:sp>
         <p:nvSpPr>
           <p:cNvPr id="91" name="Google Shape;91;p18"/>
-          <p:cNvSpPr txBox="1"/>
+          <p:cNvSpPr txBox="1">
+            <a:spLocks noGrp="1"/>
+          </p:cNvSpPr>
           <p:nvPr>
             <p:ph type="title"/>
           </p:nvPr>
@@ -10477,12 +10805,12 @@
           </a:prstGeom>
         </p:spPr>
         <p:txBody>
-          <a:bodyPr anchorCtr="0" anchor="t" bIns="91425" lIns="91425" spcFirstLastPara="1" rIns="91425" wrap="square" tIns="91425">
+          <a:bodyPr spcFirstLastPara="1" wrap="square" lIns="91425" tIns="91425" rIns="91425" bIns="91425" anchor="t" anchorCtr="0">
             <a:noAutofit/>
           </a:bodyPr>
           <a:lstStyle/>
           <a:p>
-            <a:pPr indent="0" lvl="0" marL="0" rtl="0" algn="l">
+            <a:pPr marL="0" lvl="0" indent="0" algn="l" rtl="0">
               <a:spcBef>
                 <a:spcPts val="0"/>
               </a:spcBef>
@@ -10512,9 +10840,11 @@
       <p:sp>
         <p:nvSpPr>
           <p:cNvPr id="92" name="Google Shape;92;p18"/>
-          <p:cNvSpPr txBox="1"/>
+          <p:cNvSpPr txBox="1">
+            <a:spLocks noGrp="1"/>
+          </p:cNvSpPr>
           <p:nvPr>
-            <p:ph idx="1" type="body"/>
+            <p:ph type="body" idx="1"/>
           </p:nvPr>
         </p:nvSpPr>
         <p:spPr>
@@ -10527,12 +10857,12 @@
           </a:prstGeom>
         </p:spPr>
         <p:txBody>
-          <a:bodyPr anchorCtr="0" anchor="t" bIns="91425" lIns="91425" spcFirstLastPara="1" rIns="91425" wrap="square" tIns="91425">
+          <a:bodyPr spcFirstLastPara="1" wrap="square" lIns="91425" tIns="91425" rIns="91425" bIns="91425" anchor="t" anchorCtr="0">
             <a:noAutofit/>
           </a:bodyPr>
           <a:lstStyle/>
           <a:p>
-            <a:pPr indent="0" lvl="0" marL="0" rtl="0" algn="ctr">
+            <a:pPr marL="0" lvl="0" indent="0" algn="ctr" rtl="0">
               <a:spcBef>
                 <a:spcPts val="0"/>
               </a:spcBef>
@@ -10569,7 +10899,7 @@
           <a:blip r:embed="rId3">
             <a:alphaModFix/>
           </a:blip>
-          <a:srcRect b="11257" l="6926" r="8607" t="43766"/>
+          <a:srcRect l="6926" t="43766" r="8607" b="11257"/>
           <a:stretch/>
         </p:blipFill>
         <p:spPr>
@@ -10595,11 +10925,11 @@
 </file>
 
 <file path=ppt/slides/slide7.xml><?xml version="1.0" encoding="utf-8"?>
-<p:sld xmlns:a="http://schemas.openxmlformats.org/drawingml/2006/main" xmlns:r="http://schemas.openxmlformats.org/officeDocument/2006/relationships" xmlns:mc="http://schemas.openxmlformats.org/markup-compatibility/2006" xmlns:mv="urn:schemas-microsoft-com:mac:vml" xmlns:p="http://schemas.openxmlformats.org/presentationml/2006/main" xmlns:c="http://schemas.openxmlformats.org/drawingml/2006/chart" xmlns:dgm="http://schemas.openxmlformats.org/drawingml/2006/diagram" xmlns:o="urn:schemas-microsoft-com:office:office" xmlns:v="urn:schemas-microsoft-com:vml" xmlns:pvml="urn:schemas-microsoft-com:office:powerpoint" xmlns:com="http://schemas.openxmlformats.org/drawingml/2006/compatibility" xmlns:p14="http://schemas.microsoft.com/office/powerpoint/2010/main" xmlns:p15="http://schemas.microsoft.com/office/powerpoint/2012/main">
+<p:sld xmlns:a="http://schemas.openxmlformats.org/drawingml/2006/main" xmlns:r="http://schemas.openxmlformats.org/officeDocument/2006/relationships" xmlns:p="http://schemas.openxmlformats.org/presentationml/2006/main">
   <p:cSld>
     <p:spTree>
       <p:nvGrpSpPr>
-        <p:cNvPr id="97" name="Shape 97"/>
+        <p:cNvPr id="1" name="Shape 97"/>
         <p:cNvGrpSpPr/>
         <p:nvPr/>
       </p:nvGrpSpPr>
@@ -10621,7 +10951,7 @@
           <a:blip r:embed="rId3">
             <a:alphaModFix/>
           </a:blip>
-          <a:srcRect b="0" l="7022" r="7965" t="2353"/>
+          <a:srcRect l="7022" t="2353" r="7965"/>
           <a:stretch/>
         </p:blipFill>
         <p:spPr>
@@ -10641,7 +10971,9 @@
       <p:sp>
         <p:nvSpPr>
           <p:cNvPr id="99" name="Google Shape;99;p19"/>
-          <p:cNvSpPr txBox="1"/>
+          <p:cNvSpPr txBox="1">
+            <a:spLocks noGrp="1"/>
+          </p:cNvSpPr>
           <p:nvPr>
             <p:ph type="title"/>
           </p:nvPr>
@@ -10656,12 +10988,12 @@
           </a:prstGeom>
         </p:spPr>
         <p:txBody>
-          <a:bodyPr anchorCtr="0" anchor="t" bIns="91425" lIns="91425" spcFirstLastPara="1" rIns="91425" wrap="square" tIns="91425">
+          <a:bodyPr spcFirstLastPara="1" wrap="square" lIns="91425" tIns="91425" rIns="91425" bIns="91425" anchor="t" anchorCtr="0">
             <a:noAutofit/>
           </a:bodyPr>
           <a:lstStyle/>
           <a:p>
-            <a:pPr indent="0" lvl="0" marL="0" rtl="0" algn="l">
+            <a:pPr marL="0" lvl="0" indent="0" algn="l" rtl="0">
               <a:spcBef>
                 <a:spcPts val="0"/>
               </a:spcBef>
@@ -10696,9 +11028,11 @@
       <p:sp>
         <p:nvSpPr>
           <p:cNvPr id="100" name="Google Shape;100;p19"/>
-          <p:cNvSpPr txBox="1"/>
+          <p:cNvSpPr txBox="1">
+            <a:spLocks noGrp="1"/>
+          </p:cNvSpPr>
           <p:nvPr>
-            <p:ph idx="1" type="body"/>
+            <p:ph type="body" idx="1"/>
           </p:nvPr>
         </p:nvSpPr>
         <p:spPr>
@@ -10711,12 +11045,12 @@
           </a:prstGeom>
         </p:spPr>
         <p:txBody>
-          <a:bodyPr anchorCtr="0" anchor="t" bIns="91425" lIns="91425" spcFirstLastPara="1" rIns="91425" wrap="square" tIns="91425">
+          <a:bodyPr spcFirstLastPara="1" wrap="square" lIns="91425" tIns="91425" rIns="91425" bIns="91425" anchor="t" anchorCtr="0">
             <a:noAutofit/>
           </a:bodyPr>
           <a:lstStyle/>
           <a:p>
-            <a:pPr indent="0" lvl="0" marL="0" rtl="0" algn="l">
+            <a:pPr marL="0" lvl="0" indent="0" algn="l" rtl="0">
               <a:lnSpc>
                 <a:spcPct val="200000"/>
               </a:lnSpc>
@@ -10735,16 +11069,7 @@
                 <a:cs typeface="Oswald"/>
                 <a:sym typeface="Oswald"/>
               </a:rPr>
-              <a:t>After preprocessing</a:t>
-            </a:r>
-            <a:r>
-              <a:rPr lang="ko">
-                <a:latin typeface="Oswald"/>
-                <a:ea typeface="Oswald"/>
-                <a:cs typeface="Oswald"/>
-                <a:sym typeface="Oswald"/>
-              </a:rPr>
-              <a:t> </a:t>
+              <a:t>After preprocessing </a:t>
             </a:r>
             <a:endParaRPr>
               <a:latin typeface="Oswald"/>
@@ -10754,7 +11079,7 @@
             </a:endParaRPr>
           </a:p>
           <a:p>
-            <a:pPr indent="-342900" lvl="0" marL="457200" rtl="0" algn="l">
+            <a:pPr marL="457200" lvl="0" indent="-342900" algn="l" rtl="0">
               <a:lnSpc>
                 <a:spcPct val="200000"/>
               </a:lnSpc>
@@ -10775,16 +11100,7 @@
                 <a:cs typeface="Oswald"/>
                 <a:sym typeface="Oswald"/>
               </a:rPr>
-              <a:t>T</a:t>
-            </a:r>
-            <a:r>
-              <a:rPr lang="ko">
-                <a:latin typeface="Oswald"/>
-                <a:ea typeface="Oswald"/>
-                <a:cs typeface="Oswald"/>
-                <a:sym typeface="Oswald"/>
-              </a:rPr>
-              <a:t>he file system can be illustrated like this. </a:t>
+              <a:t>The file system can be illustrated like this. </a:t>
             </a:r>
             <a:endParaRPr>
               <a:latin typeface="Oswald"/>
@@ -10794,7 +11110,7 @@
             </a:endParaRPr>
           </a:p>
           <a:p>
-            <a:pPr indent="-342900" lvl="0" marL="457200" rtl="0" algn="l">
+            <a:pPr marL="457200" lvl="0" indent="-342900" algn="l" rtl="0">
               <a:lnSpc>
                 <a:spcPct val="200000"/>
               </a:lnSpc>
@@ -10835,11 +11151,11 @@
 </file>
 
 <file path=ppt/slides/slide8.xml><?xml version="1.0" encoding="utf-8"?>
-<p:sld xmlns:a="http://schemas.openxmlformats.org/drawingml/2006/main" xmlns:r="http://schemas.openxmlformats.org/officeDocument/2006/relationships" xmlns:mc="http://schemas.openxmlformats.org/markup-compatibility/2006" xmlns:mv="urn:schemas-microsoft-com:mac:vml" xmlns:p="http://schemas.openxmlformats.org/presentationml/2006/main" xmlns:c="http://schemas.openxmlformats.org/drawingml/2006/chart" xmlns:dgm="http://schemas.openxmlformats.org/drawingml/2006/diagram" xmlns:o="urn:schemas-microsoft-com:office:office" xmlns:v="urn:schemas-microsoft-com:vml" xmlns:pvml="urn:schemas-microsoft-com:office:powerpoint" xmlns:com="http://schemas.openxmlformats.org/drawingml/2006/compatibility" xmlns:p14="http://schemas.microsoft.com/office/powerpoint/2010/main" xmlns:p15="http://schemas.microsoft.com/office/powerpoint/2012/main">
+<p:sld xmlns:a="http://schemas.openxmlformats.org/drawingml/2006/main" xmlns:r="http://schemas.openxmlformats.org/officeDocument/2006/relationships" xmlns:p="http://schemas.openxmlformats.org/presentationml/2006/main">
   <p:cSld>
     <p:spTree>
       <p:nvGrpSpPr>
-        <p:cNvPr id="104" name="Shape 104"/>
+        <p:cNvPr id="1" name="Shape 104"/>
         <p:cNvGrpSpPr/>
         <p:nvPr/>
       </p:nvGrpSpPr>
@@ -10854,7 +11170,9 @@
       <p:sp>
         <p:nvSpPr>
           <p:cNvPr id="105" name="Google Shape;105;p20"/>
-          <p:cNvSpPr txBox="1"/>
+          <p:cNvSpPr txBox="1">
+            <a:spLocks noGrp="1"/>
+          </p:cNvSpPr>
           <p:nvPr>
             <p:ph type="title"/>
           </p:nvPr>
@@ -10869,12 +11187,12 @@
           </a:prstGeom>
         </p:spPr>
         <p:txBody>
-          <a:bodyPr anchorCtr="0" anchor="t" bIns="91425" lIns="91425" spcFirstLastPara="1" rIns="91425" wrap="square" tIns="91425">
+          <a:bodyPr spcFirstLastPara="1" wrap="square" lIns="91425" tIns="91425" rIns="91425" bIns="91425" anchor="t" anchorCtr="0">
             <a:noAutofit/>
           </a:bodyPr>
           <a:lstStyle/>
           <a:p>
-            <a:pPr indent="0" lvl="0" marL="0" rtl="0" algn="l">
+            <a:pPr marL="0" lvl="0" indent="0" algn="l" rtl="0">
               <a:spcBef>
                 <a:spcPts val="0"/>
               </a:spcBef>
@@ -10905,7 +11223,7 @@
             </a:endParaRPr>
           </a:p>
           <a:p>
-            <a:pPr indent="0" lvl="0" marL="0" rtl="0" algn="l">
+            <a:pPr marL="0" lvl="0" indent="0" algn="l" rtl="0">
               <a:spcBef>
                 <a:spcPts val="0"/>
               </a:spcBef>
@@ -10914,9 +11232,6 @@
               </a:spcAft>
               <a:buNone/>
             </a:pPr>
-            <a:r>
-              <a:t/>
-            </a:r>
             <a:endParaRPr/>
           </a:p>
         </p:txBody>
@@ -10924,9 +11239,11 @@
       <p:sp>
         <p:nvSpPr>
           <p:cNvPr id="106" name="Google Shape;106;p20"/>
-          <p:cNvSpPr txBox="1"/>
+          <p:cNvSpPr txBox="1">
+            <a:spLocks noGrp="1"/>
+          </p:cNvSpPr>
           <p:nvPr>
-            <p:ph idx="1" type="body"/>
+            <p:ph type="body" idx="1"/>
           </p:nvPr>
         </p:nvSpPr>
         <p:spPr>
@@ -10939,12 +11256,12 @@
           </a:prstGeom>
         </p:spPr>
         <p:txBody>
-          <a:bodyPr anchorCtr="0" anchor="t" bIns="91425" lIns="91425" spcFirstLastPara="1" rIns="91425" wrap="square" tIns="91425">
+          <a:bodyPr spcFirstLastPara="1" wrap="square" lIns="91425" tIns="91425" rIns="91425" bIns="91425" anchor="t" anchorCtr="0">
             <a:noAutofit/>
           </a:bodyPr>
           <a:lstStyle/>
           <a:p>
-            <a:pPr indent="0" lvl="0" marL="0" rtl="0" algn="ctr">
+            <a:pPr marL="0" lvl="0" indent="0" algn="ctr" rtl="0">
               <a:spcBef>
                 <a:spcPts val="0"/>
               </a:spcBef>
@@ -10981,7 +11298,7 @@
           <a:blip r:embed="rId3">
             <a:alphaModFix/>
           </a:blip>
-          <a:srcRect b="13914" l="5688" r="14528" t="18509"/>
+          <a:srcRect l="5688" t="18509" r="14528" b="13914"/>
           <a:stretch/>
         </p:blipFill>
         <p:spPr>
@@ -11007,11 +11324,11 @@
 </file>
 
 <file path=ppt/slides/slide9.xml><?xml version="1.0" encoding="utf-8"?>
-<p:sld xmlns:a="http://schemas.openxmlformats.org/drawingml/2006/main" xmlns:r="http://schemas.openxmlformats.org/officeDocument/2006/relationships" xmlns:mc="http://schemas.openxmlformats.org/markup-compatibility/2006" xmlns:mv="urn:schemas-microsoft-com:mac:vml" xmlns:p="http://schemas.openxmlformats.org/presentationml/2006/main" xmlns:c="http://schemas.openxmlformats.org/drawingml/2006/chart" xmlns:dgm="http://schemas.openxmlformats.org/drawingml/2006/diagram" xmlns:o="urn:schemas-microsoft-com:office:office" xmlns:v="urn:schemas-microsoft-com:vml" xmlns:pvml="urn:schemas-microsoft-com:office:powerpoint" xmlns:com="http://schemas.openxmlformats.org/drawingml/2006/compatibility" xmlns:p14="http://schemas.microsoft.com/office/powerpoint/2010/main" xmlns:p15="http://schemas.microsoft.com/office/powerpoint/2012/main">
+<p:sld xmlns:a="http://schemas.openxmlformats.org/drawingml/2006/main" xmlns:r="http://schemas.openxmlformats.org/officeDocument/2006/relationships" xmlns:p="http://schemas.openxmlformats.org/presentationml/2006/main">
   <p:cSld>
     <p:spTree>
       <p:nvGrpSpPr>
-        <p:cNvPr id="111" name="Shape 111"/>
+        <p:cNvPr id="1" name="Shape 111"/>
         <p:cNvGrpSpPr/>
         <p:nvPr/>
       </p:nvGrpSpPr>
@@ -11026,7 +11343,9 @@
       <p:sp>
         <p:nvSpPr>
           <p:cNvPr id="112" name="Google Shape;112;p21"/>
-          <p:cNvSpPr txBox="1"/>
+          <p:cNvSpPr txBox="1">
+            <a:spLocks noGrp="1"/>
+          </p:cNvSpPr>
           <p:nvPr>
             <p:ph type="title"/>
           </p:nvPr>
@@ -11041,12 +11360,12 @@
           </a:prstGeom>
         </p:spPr>
         <p:txBody>
-          <a:bodyPr anchorCtr="0" anchor="t" bIns="91425" lIns="91425" spcFirstLastPara="1" rIns="91425" wrap="square" tIns="91425">
+          <a:bodyPr spcFirstLastPara="1" wrap="square" lIns="91425" tIns="91425" rIns="91425" bIns="91425" anchor="t" anchorCtr="0">
             <a:noAutofit/>
           </a:bodyPr>
           <a:lstStyle/>
           <a:p>
-            <a:pPr indent="0" lvl="0" marL="0" rtl="0" algn="l">
+            <a:pPr marL="0" lvl="0" indent="0" algn="l" rtl="0">
               <a:spcBef>
                 <a:spcPts val="0"/>
               </a:spcBef>
@@ -11135,12 +11454,12 @@
             </a:ln>
           </p:spPr>
           <p:txBody>
-            <a:bodyPr anchorCtr="0" anchor="t" bIns="91425" lIns="91425" spcFirstLastPara="1" rIns="91425" wrap="square" tIns="91425">
+            <a:bodyPr spcFirstLastPara="1" wrap="square" lIns="91425" tIns="91425" rIns="91425" bIns="91425" anchor="t" anchorCtr="0">
               <a:noAutofit/>
             </a:bodyPr>
             <a:lstStyle/>
             <a:p>
-              <a:pPr indent="0" lvl="0" marL="0" rtl="0" algn="l">
+              <a:pPr marL="0" lvl="0" indent="0" algn="l" rtl="0">
                 <a:spcBef>
                   <a:spcPts val="0"/>
                 </a:spcBef>
@@ -11187,12 +11506,12 @@
             </a:ln>
           </p:spPr>
           <p:txBody>
-            <a:bodyPr anchorCtr="0" anchor="t" bIns="91425" lIns="91425" spcFirstLastPara="1" rIns="91425" wrap="square" tIns="91425">
+            <a:bodyPr spcFirstLastPara="1" wrap="square" lIns="91425" tIns="91425" rIns="91425" bIns="91425" anchor="t" anchorCtr="0">
               <a:noAutofit/>
             </a:bodyPr>
             <a:lstStyle/>
             <a:p>
-              <a:pPr indent="0" lvl="0" marL="0" rtl="0" algn="l">
+              <a:pPr marL="0" lvl="0" indent="0" algn="l" rtl="0">
                 <a:spcBef>
                   <a:spcPts val="0"/>
                 </a:spcBef>
@@ -11239,12 +11558,12 @@
             </a:ln>
           </p:spPr>
           <p:txBody>
-            <a:bodyPr anchorCtr="0" anchor="t" bIns="91425" lIns="91425" spcFirstLastPara="1" rIns="91425" wrap="square" tIns="91425">
+            <a:bodyPr spcFirstLastPara="1" wrap="square" lIns="91425" tIns="91425" rIns="91425" bIns="91425" anchor="t" anchorCtr="0">
               <a:noAutofit/>
             </a:bodyPr>
             <a:lstStyle/>
             <a:p>
-              <a:pPr indent="0" lvl="0" marL="0" rtl="0" algn="l">
+              <a:pPr marL="0" lvl="0" indent="0" algn="l" rtl="0">
                 <a:spcBef>
                   <a:spcPts val="0"/>
                 </a:spcBef>
@@ -11291,12 +11610,12 @@
             </a:ln>
           </p:spPr>
           <p:txBody>
-            <a:bodyPr anchorCtr="0" anchor="t" bIns="91425" lIns="91425" spcFirstLastPara="1" rIns="91425" wrap="square" tIns="91425">
+            <a:bodyPr spcFirstLastPara="1" wrap="square" lIns="91425" tIns="91425" rIns="91425" bIns="91425" anchor="t" anchorCtr="0">
               <a:noAutofit/>
             </a:bodyPr>
             <a:lstStyle/>
             <a:p>
-              <a:pPr indent="0" lvl="0" marL="0" rtl="0" algn="l">
+              <a:pPr marL="0" lvl="0" indent="0" algn="l" rtl="0">
                 <a:spcBef>
                   <a:spcPts val="0"/>
                 </a:spcBef>
@@ -11343,12 +11662,12 @@
             </a:ln>
           </p:spPr>
           <p:txBody>
-            <a:bodyPr anchorCtr="0" anchor="t" bIns="91425" lIns="91425" spcFirstLastPara="1" rIns="91425" wrap="square" tIns="91425">
+            <a:bodyPr spcFirstLastPara="1" wrap="square" lIns="91425" tIns="91425" rIns="91425" bIns="91425" anchor="t" anchorCtr="0">
               <a:noAutofit/>
             </a:bodyPr>
             <a:lstStyle/>
             <a:p>
-              <a:pPr indent="0" lvl="0" marL="0" rtl="0" algn="l">
+              <a:pPr marL="0" lvl="0" indent="0" algn="l" rtl="0">
                 <a:spcBef>
                   <a:spcPts val="0"/>
                 </a:spcBef>
@@ -11395,12 +11714,12 @@
             </a:ln>
           </p:spPr>
           <p:txBody>
-            <a:bodyPr anchorCtr="0" anchor="t" bIns="91425" lIns="91425" spcFirstLastPara="1" rIns="91425" wrap="square" tIns="91425">
+            <a:bodyPr spcFirstLastPara="1" wrap="square" lIns="91425" tIns="91425" rIns="91425" bIns="91425" anchor="t" anchorCtr="0">
               <a:noAutofit/>
             </a:bodyPr>
             <a:lstStyle/>
             <a:p>
-              <a:pPr indent="0" lvl="0" marL="0" rtl="0" algn="l">
+              <a:pPr marL="0" lvl="0" indent="0" algn="l" rtl="0">
                 <a:spcBef>
                   <a:spcPts val="0"/>
                 </a:spcBef>
@@ -11447,12 +11766,12 @@
             </a:ln>
           </p:spPr>
           <p:txBody>
-            <a:bodyPr anchorCtr="0" anchor="t" bIns="91425" lIns="91425" spcFirstLastPara="1" rIns="91425" wrap="square" tIns="91425">
+            <a:bodyPr spcFirstLastPara="1" wrap="square" lIns="91425" tIns="91425" rIns="91425" bIns="91425" anchor="t" anchorCtr="0">
               <a:noAutofit/>
             </a:bodyPr>
             <a:lstStyle/>
             <a:p>
-              <a:pPr indent="0" lvl="0" marL="0" rtl="0" algn="l">
+              <a:pPr marL="0" lvl="0" indent="0" algn="l" rtl="0">
                 <a:spcBef>
                   <a:spcPts val="0"/>
                 </a:spcBef>
@@ -11499,12 +11818,12 @@
             </a:ln>
           </p:spPr>
           <p:txBody>
-            <a:bodyPr anchorCtr="0" anchor="t" bIns="91425" lIns="91425" spcFirstLastPara="1" rIns="91425" wrap="square" tIns="91425">
+            <a:bodyPr spcFirstLastPara="1" wrap="square" lIns="91425" tIns="91425" rIns="91425" bIns="91425" anchor="t" anchorCtr="0">
               <a:noAutofit/>
             </a:bodyPr>
             <a:lstStyle/>
             <a:p>
-              <a:pPr indent="0" lvl="0" marL="0" rtl="0" algn="l">
+              <a:pPr marL="0" lvl="0" indent="0" algn="l" rtl="0">
                 <a:spcBef>
                   <a:spcPts val="0"/>
                 </a:spcBef>
@@ -11551,12 +11870,12 @@
             </a:ln>
           </p:spPr>
           <p:txBody>
-            <a:bodyPr anchorCtr="0" anchor="t" bIns="91425" lIns="91425" spcFirstLastPara="1" rIns="91425" wrap="square" tIns="91425">
+            <a:bodyPr spcFirstLastPara="1" wrap="square" lIns="91425" tIns="91425" rIns="91425" bIns="91425" anchor="t" anchorCtr="0">
               <a:noAutofit/>
             </a:bodyPr>
             <a:lstStyle/>
             <a:p>
-              <a:pPr indent="0" lvl="0" marL="0" rtl="0" algn="l">
+              <a:pPr marL="0" lvl="0" indent="0" algn="l" rtl="0">
                 <a:spcBef>
                   <a:spcPts val="0"/>
                 </a:spcBef>
@@ -11603,12 +11922,12 @@
             </a:ln>
           </p:spPr>
           <p:txBody>
-            <a:bodyPr anchorCtr="0" anchor="t" bIns="91425" lIns="91425" spcFirstLastPara="1" rIns="91425" wrap="square" tIns="91425">
+            <a:bodyPr spcFirstLastPara="1" wrap="square" lIns="91425" tIns="91425" rIns="91425" bIns="91425" anchor="t" anchorCtr="0">
               <a:noAutofit/>
             </a:bodyPr>
             <a:lstStyle/>
             <a:p>
-              <a:pPr indent="0" lvl="0" marL="0" rtl="0" algn="l">
+              <a:pPr marL="0" lvl="0" indent="0" algn="l" rtl="0">
                 <a:spcBef>
                   <a:spcPts val="0"/>
                 </a:spcBef>
@@ -11634,7 +11953,7 @@
               </a:endParaRPr>
             </a:p>
             <a:p>
-              <a:pPr indent="0" lvl="0" marL="0" rtl="0" algn="l">
+              <a:pPr marL="0" lvl="0" indent="0" algn="l" rtl="0">
                 <a:spcBef>
                   <a:spcPts val="0"/>
                 </a:spcBef>
@@ -11681,12 +12000,12 @@
             </a:ln>
           </p:spPr>
           <p:txBody>
-            <a:bodyPr anchorCtr="0" anchor="t" bIns="91425" lIns="91425" spcFirstLastPara="1" rIns="91425" wrap="square" tIns="91425">
+            <a:bodyPr spcFirstLastPara="1" wrap="square" lIns="91425" tIns="91425" rIns="91425" bIns="91425" anchor="t" anchorCtr="0">
               <a:noAutofit/>
             </a:bodyPr>
             <a:lstStyle/>
             <a:p>
-              <a:pPr indent="0" lvl="0" marL="0" rtl="0" algn="l">
+              <a:pPr marL="0" lvl="0" indent="0" algn="l" rtl="0">
                 <a:spcBef>
                   <a:spcPts val="0"/>
                 </a:spcBef>
@@ -11712,7 +12031,7 @@
               </a:endParaRPr>
             </a:p>
             <a:p>
-              <a:pPr indent="0" lvl="0" marL="0" rtl="0" algn="l">
+              <a:pPr marL="0" lvl="0" indent="0" algn="l" rtl="0">
                 <a:spcBef>
                   <a:spcPts val="0"/>
                 </a:spcBef>
@@ -11759,12 +12078,12 @@
             </a:ln>
           </p:spPr>
           <p:txBody>
-            <a:bodyPr anchorCtr="0" anchor="t" bIns="91425" lIns="91425" spcFirstLastPara="1" rIns="91425" wrap="square" tIns="91425">
+            <a:bodyPr spcFirstLastPara="1" wrap="square" lIns="91425" tIns="91425" rIns="91425" bIns="91425" anchor="t" anchorCtr="0">
               <a:noAutofit/>
             </a:bodyPr>
             <a:lstStyle/>
             <a:p>
-              <a:pPr indent="0" lvl="0" marL="0" rtl="0" algn="l">
+              <a:pPr marL="0" lvl="0" indent="0" algn="l" rtl="0">
                 <a:spcBef>
                   <a:spcPts val="0"/>
                 </a:spcBef>
@@ -11812,12 +12131,12 @@
           </a:ln>
         </p:spPr>
         <p:txBody>
-          <a:bodyPr anchorCtr="0" anchor="t" bIns="91425" lIns="91425" spcFirstLastPara="1" rIns="91425" wrap="square" tIns="91425">
+          <a:bodyPr spcFirstLastPara="1" wrap="square" lIns="91425" tIns="91425" rIns="91425" bIns="91425" anchor="t" anchorCtr="0">
             <a:noAutofit/>
           </a:bodyPr>
           <a:lstStyle/>
           <a:p>
-            <a:pPr indent="-317500" lvl="0" marL="457200" rtl="0" algn="l">
+            <a:pPr marL="457200" lvl="0" indent="-317500" algn="l" rtl="0">
               <a:lnSpc>
                 <a:spcPct val="150000"/>
               </a:lnSpc>
@@ -11848,7 +12167,7 @@
             </a:endParaRPr>
           </a:p>
           <a:p>
-            <a:pPr indent="-317500" lvl="0" marL="457200" rtl="0" algn="l">
+            <a:pPr marL="457200" lvl="0" indent="-317500" algn="l" rtl="0">
               <a:lnSpc>
                 <a:spcPct val="150000"/>
               </a:lnSpc>
@@ -11879,7 +12198,7 @@
             </a:endParaRPr>
           </a:p>
           <a:p>
-            <a:pPr indent="-317500" lvl="1" marL="914400" rtl="0" algn="l">
+            <a:pPr marL="914400" lvl="1" indent="-317500" algn="l" rtl="0">
               <a:lnSpc>
                 <a:spcPct val="150000"/>
               </a:lnSpc>
@@ -11910,7 +12229,7 @@
             </a:endParaRPr>
           </a:p>
           <a:p>
-            <a:pPr indent="-317500" lvl="1" marL="914400" rtl="0" algn="l">
+            <a:pPr marL="914400" lvl="1" indent="-317500" algn="l" rtl="0">
               <a:lnSpc>
                 <a:spcPct val="150000"/>
               </a:lnSpc>
@@ -11941,7 +12260,7 @@
             </a:endParaRPr>
           </a:p>
           <a:p>
-            <a:pPr indent="-317500" lvl="0" marL="457200" rtl="0" algn="l">
+            <a:pPr marL="457200" lvl="0" indent="-317500" algn="l" rtl="0">
               <a:lnSpc>
                 <a:spcPct val="150000"/>
               </a:lnSpc>
@@ -11972,7 +12291,7 @@
             </a:endParaRPr>
           </a:p>
           <a:p>
-            <a:pPr indent="-317500" lvl="1" marL="914400" rtl="0" algn="l">
+            <a:pPr marL="914400" lvl="1" indent="-317500" algn="l" rtl="0">
               <a:lnSpc>
                 <a:spcPct val="150000"/>
               </a:lnSpc>
@@ -12003,7 +12322,7 @@
             </a:endParaRPr>
           </a:p>
           <a:p>
-            <a:pPr indent="-317500" lvl="0" marL="457200" rtl="0" algn="l">
+            <a:pPr marL="457200" lvl="0" indent="-317500" algn="l" rtl="0">
               <a:lnSpc>
                 <a:spcPct val="150000"/>
               </a:lnSpc>
@@ -12044,7 +12363,7 @@
 </file>
 
 <file path=ppt/theme/theme1.xml><?xml version="1.0" encoding="utf-8"?>
-<a:theme xmlns:a="http://schemas.openxmlformats.org/drawingml/2006/main" xmlns:r="http://schemas.openxmlformats.org/officeDocument/2006/relationships" name="Simple Light">
+<a:theme xmlns:a="http://schemas.openxmlformats.org/drawingml/2006/main" name="Simple Light">
   <a:themeElements>
     <a:clrScheme name="Simple Light">
       <a:dk1>
@@ -12319,11 +12638,13 @@
       </a:bgFillStyleLst>
     </a:fmtScheme>
   </a:themeElements>
+  <a:objectDefaults/>
+  <a:extraClrSchemeLst/>
 </a:theme>
 </file>
 
 <file path=ppt/theme/theme2.xml><?xml version="1.0" encoding="utf-8"?>
-<a:theme xmlns:a="http://schemas.openxmlformats.org/drawingml/2006/main" xmlns:r="http://schemas.openxmlformats.org/officeDocument/2006/relationships">
+<a:theme xmlns:a="http://schemas.openxmlformats.org/drawingml/2006/main">
   <a:themeElements>
     <a:clrScheme name="Default">
       <a:dk1>
@@ -12598,5 +12919,7 @@
       </a:bgFillStyleLst>
     </a:fmtScheme>
   </a:themeElements>
+  <a:objectDefaults/>
+  <a:extraClrSchemeLst/>
 </a:theme>
 </file>